--- a/Slides/Red Team Presentation.pptx
+++ b/Slides/Red Team Presentation.pptx
@@ -5,7 +5,7 @@
     <p:sldMasterId id="2147483690" r:id="rId1"/>
   </p:sldMasterIdLst>
   <p:handoutMasterIdLst>
-    <p:handoutMasterId r:id="rId29"/>
+    <p:handoutMasterId r:id="rId34"/>
   </p:handoutMasterIdLst>
   <p:sldIdLst>
     <p:sldId id="271" r:id="rId2"/>
@@ -23,18 +23,23 @@
     <p:sldId id="265" r:id="rId14"/>
     <p:sldId id="266" r:id="rId15"/>
     <p:sldId id="267" r:id="rId16"/>
-    <p:sldId id="274" r:id="rId17"/>
-    <p:sldId id="275" r:id="rId18"/>
-    <p:sldId id="258" r:id="rId19"/>
-    <p:sldId id="259" r:id="rId20"/>
-    <p:sldId id="276" r:id="rId21"/>
-    <p:sldId id="277" r:id="rId22"/>
-    <p:sldId id="278" r:id="rId23"/>
-    <p:sldId id="279" r:id="rId24"/>
-    <p:sldId id="280" r:id="rId25"/>
-    <p:sldId id="281" r:id="rId26"/>
-    <p:sldId id="282" r:id="rId27"/>
-    <p:sldId id="283" r:id="rId28"/>
+    <p:sldId id="285" r:id="rId17"/>
+    <p:sldId id="286" r:id="rId18"/>
+    <p:sldId id="287" r:id="rId19"/>
+    <p:sldId id="288" r:id="rId20"/>
+    <p:sldId id="274" r:id="rId21"/>
+    <p:sldId id="275" r:id="rId22"/>
+    <p:sldId id="258" r:id="rId23"/>
+    <p:sldId id="259" r:id="rId24"/>
+    <p:sldId id="276" r:id="rId25"/>
+    <p:sldId id="277" r:id="rId26"/>
+    <p:sldId id="278" r:id="rId27"/>
+    <p:sldId id="279" r:id="rId28"/>
+    <p:sldId id="280" r:id="rId29"/>
+    <p:sldId id="281" r:id="rId30"/>
+    <p:sldId id="282" r:id="rId31"/>
+    <p:sldId id="284" r:id="rId32"/>
+    <p:sldId id="283" r:id="rId33"/>
   </p:sldIdLst>
   <p:sldSz cx="12192000" cy="6858000"/>
   <p:notesSz cx="7010400" cy="9296400"/>
@@ -7592,6 +7597,467 @@
       </p:grpSpPr>
       <p:sp>
         <p:nvSpPr>
+          <p:cNvPr id="2" name="Title 1">
+            <a:extLst>
+              <a:ext uri="{FF2B5EF4-FFF2-40B4-BE49-F238E27FC236}">
+                <a16:creationId xmlns:a16="http://schemas.microsoft.com/office/drawing/2014/main" id="{3901C10C-1FA0-48B3-8DCA-3AE61719D42F}"/>
+              </a:ext>
+            </a:extLst>
+          </p:cNvPr>
+          <p:cNvSpPr>
+            <a:spLocks noGrp="1"/>
+          </p:cNvSpPr>
+          <p:nvPr>
+            <p:ph type="title"/>
+          </p:nvPr>
+        </p:nvSpPr>
+        <p:spPr/>
+        <p:txBody>
+          <a:bodyPr/>
+          <a:lstStyle/>
+          <a:p>
+            <a:r>
+              <a:rPr lang="en-US" dirty="0"/>
+              <a:t>Attendance vs Payroll</a:t>
+            </a:r>
+          </a:p>
+        </p:txBody>
+      </p:sp>
+      <p:sp>
+        <p:nvSpPr>
+          <p:cNvPr id="3" name="Content Placeholder 2">
+            <a:extLst>
+              <a:ext uri="{FF2B5EF4-FFF2-40B4-BE49-F238E27FC236}">
+                <a16:creationId xmlns:a16="http://schemas.microsoft.com/office/drawing/2014/main" id="{B055CD7A-BB38-4699-BB77-5B0A78CDAB33}"/>
+              </a:ext>
+            </a:extLst>
+          </p:cNvPr>
+          <p:cNvSpPr>
+            <a:spLocks noGrp="1"/>
+          </p:cNvSpPr>
+          <p:nvPr>
+            <p:ph idx="1"/>
+          </p:nvPr>
+        </p:nvSpPr>
+        <p:spPr/>
+        <p:txBody>
+          <a:bodyPr/>
+          <a:lstStyle/>
+          <a:p>
+            <a:r>
+              <a:rPr lang="en-US" dirty="0"/>
+              <a:t>What is the correlation between team salaries and ticket sales?</a:t>
+            </a:r>
+          </a:p>
+        </p:txBody>
+      </p:sp>
+    </p:spTree>
+    <p:extLst>
+      <p:ext uri="{BB962C8B-B14F-4D97-AF65-F5344CB8AC3E}">
+        <p14:creationId xmlns:p14="http://schemas.microsoft.com/office/powerpoint/2010/main" val="2407838399"/>
+      </p:ext>
+    </p:extLst>
+  </p:cSld>
+  <p:clrMapOvr>
+    <a:masterClrMapping/>
+  </p:clrMapOvr>
+</p:sld>
+</file>
+
+<file path=ppt/slides/slide17.xml><?xml version="1.0" encoding="utf-8"?>
+<p:sld xmlns:a="http://schemas.openxmlformats.org/drawingml/2006/main" xmlns:r="http://schemas.openxmlformats.org/officeDocument/2006/relationships" xmlns:p="http://schemas.openxmlformats.org/presentationml/2006/main">
+  <p:cSld>
+    <p:spTree>
+      <p:nvGrpSpPr>
+        <p:cNvPr id="1" name=""/>
+        <p:cNvGrpSpPr/>
+        <p:nvPr/>
+      </p:nvGrpSpPr>
+      <p:grpSpPr>
+        <a:xfrm>
+          <a:off x="0" y="0"/>
+          <a:ext cx="0" cy="0"/>
+          <a:chOff x="0" y="0"/>
+          <a:chExt cx="0" cy="0"/>
+        </a:xfrm>
+      </p:grpSpPr>
+      <p:sp>
+        <p:nvSpPr>
+          <p:cNvPr id="2" name="Title 1">
+            <a:extLst>
+              <a:ext uri="{FF2B5EF4-FFF2-40B4-BE49-F238E27FC236}">
+                <a16:creationId xmlns:a16="http://schemas.microsoft.com/office/drawing/2014/main" id="{AC5184F9-DEE3-47D7-B3AB-4F6E8D9DA043}"/>
+              </a:ext>
+            </a:extLst>
+          </p:cNvPr>
+          <p:cNvSpPr>
+            <a:spLocks noGrp="1"/>
+          </p:cNvSpPr>
+          <p:nvPr>
+            <p:ph type="title"/>
+          </p:nvPr>
+        </p:nvSpPr>
+        <p:spPr/>
+        <p:txBody>
+          <a:bodyPr/>
+          <a:lstStyle/>
+          <a:p>
+            <a:r>
+              <a:rPr lang="en-US" dirty="0"/>
+              <a:t>Considerations</a:t>
+            </a:r>
+          </a:p>
+        </p:txBody>
+      </p:sp>
+      <p:sp>
+        <p:nvSpPr>
+          <p:cNvPr id="3" name="Content Placeholder 2">
+            <a:extLst>
+              <a:ext uri="{FF2B5EF4-FFF2-40B4-BE49-F238E27FC236}">
+                <a16:creationId xmlns:a16="http://schemas.microsoft.com/office/drawing/2014/main" id="{040AC088-00A8-4178-8FAB-6F5D21661E64}"/>
+              </a:ext>
+            </a:extLst>
+          </p:cNvPr>
+          <p:cNvSpPr>
+            <a:spLocks noGrp="1"/>
+          </p:cNvSpPr>
+          <p:nvPr>
+            <p:ph idx="1"/>
+          </p:nvPr>
+        </p:nvSpPr>
+        <p:spPr/>
+        <p:txBody>
+          <a:bodyPr/>
+          <a:lstStyle/>
+          <a:p>
+            <a:r>
+              <a:rPr lang="en-US" dirty="0"/>
+              <a:t>We looked at the average attendance per game for all 30 MLB teams for the 2006-2016 seasons and compared it to the payroll of those teams for each year.</a:t>
+            </a:r>
+          </a:p>
+        </p:txBody>
+      </p:sp>
+    </p:spTree>
+    <p:extLst>
+      <p:ext uri="{BB962C8B-B14F-4D97-AF65-F5344CB8AC3E}">
+        <p14:creationId xmlns:p14="http://schemas.microsoft.com/office/powerpoint/2010/main" val="3580677403"/>
+      </p:ext>
+    </p:extLst>
+  </p:cSld>
+  <p:clrMapOvr>
+    <a:masterClrMapping/>
+  </p:clrMapOvr>
+</p:sld>
+</file>
+
+<file path=ppt/slides/slide18.xml><?xml version="1.0" encoding="utf-8"?>
+<p:sld xmlns:a="http://schemas.openxmlformats.org/drawingml/2006/main" xmlns:r="http://schemas.openxmlformats.org/officeDocument/2006/relationships" xmlns:p="http://schemas.openxmlformats.org/presentationml/2006/main">
+  <p:cSld>
+    <p:spTree>
+      <p:nvGrpSpPr>
+        <p:cNvPr id="1" name=""/>
+        <p:cNvGrpSpPr/>
+        <p:nvPr/>
+      </p:nvGrpSpPr>
+      <p:grpSpPr>
+        <a:xfrm>
+          <a:off x="0" y="0"/>
+          <a:ext cx="0" cy="0"/>
+          <a:chOff x="0" y="0"/>
+          <a:chExt cx="0" cy="0"/>
+        </a:xfrm>
+      </p:grpSpPr>
+      <p:pic>
+        <p:nvPicPr>
+          <p:cNvPr id="7" name="Picture 6" descr="A screenshot of a cell phone&#10;&#10;Description automatically generated">
+            <a:extLst>
+              <a:ext uri="{FF2B5EF4-FFF2-40B4-BE49-F238E27FC236}">
+                <a16:creationId xmlns:a16="http://schemas.microsoft.com/office/drawing/2014/main" id="{8EF081D9-66CF-4EEC-B66C-8FEE940C4162}"/>
+              </a:ext>
+            </a:extLst>
+          </p:cNvPr>
+          <p:cNvPicPr>
+            <a:picLocks noChangeAspect="1"/>
+          </p:cNvPicPr>
+          <p:nvPr/>
+        </p:nvPicPr>
+        <p:blipFill>
+          <a:blip r:embed="rId2">
+            <a:extLst>
+              <a:ext uri="{28A0092B-C50C-407E-A947-70E740481C1C}">
+                <a14:useLocalDpi xmlns:a14="http://schemas.microsoft.com/office/drawing/2010/main" val="0"/>
+              </a:ext>
+            </a:extLst>
+          </a:blip>
+          <a:stretch>
+            <a:fillRect/>
+          </a:stretch>
+        </p:blipFill>
+        <p:spPr>
+          <a:xfrm>
+            <a:off x="1603806" y="757647"/>
+            <a:ext cx="8984388" cy="5435780"/>
+          </a:xfrm>
+          <a:prstGeom prst="rect">
+            <a:avLst/>
+          </a:prstGeom>
+        </p:spPr>
+      </p:pic>
+    </p:spTree>
+    <p:extLst>
+      <p:ext uri="{BB962C8B-B14F-4D97-AF65-F5344CB8AC3E}">
+        <p14:creationId xmlns:p14="http://schemas.microsoft.com/office/powerpoint/2010/main" val="3819617400"/>
+      </p:ext>
+    </p:extLst>
+  </p:cSld>
+  <p:clrMapOvr>
+    <a:masterClrMapping/>
+  </p:clrMapOvr>
+</p:sld>
+</file>
+
+<file path=ppt/slides/slide19.xml><?xml version="1.0" encoding="utf-8"?>
+<p:sld xmlns:a="http://schemas.openxmlformats.org/drawingml/2006/main" xmlns:r="http://schemas.openxmlformats.org/officeDocument/2006/relationships" xmlns:p="http://schemas.openxmlformats.org/presentationml/2006/main">
+  <p:cSld>
+    <p:spTree>
+      <p:nvGrpSpPr>
+        <p:cNvPr id="1" name=""/>
+        <p:cNvGrpSpPr/>
+        <p:nvPr/>
+      </p:nvGrpSpPr>
+      <p:grpSpPr>
+        <a:xfrm>
+          <a:off x="0" y="0"/>
+          <a:ext cx="0" cy="0"/>
+          <a:chOff x="0" y="0"/>
+          <a:chExt cx="0" cy="0"/>
+        </a:xfrm>
+      </p:grpSpPr>
+      <p:sp>
+        <p:nvSpPr>
+          <p:cNvPr id="2" name="Title 1">
+            <a:extLst>
+              <a:ext uri="{FF2B5EF4-FFF2-40B4-BE49-F238E27FC236}">
+                <a16:creationId xmlns:a16="http://schemas.microsoft.com/office/drawing/2014/main" id="{7AFCE98D-A7FA-4804-840D-461299883694}"/>
+              </a:ext>
+            </a:extLst>
+          </p:cNvPr>
+          <p:cNvSpPr>
+            <a:spLocks noGrp="1"/>
+          </p:cNvSpPr>
+          <p:nvPr>
+            <p:ph type="title"/>
+          </p:nvPr>
+        </p:nvSpPr>
+        <p:spPr/>
+        <p:txBody>
+          <a:bodyPr>
+            <a:normAutofit/>
+          </a:bodyPr>
+          <a:lstStyle/>
+          <a:p>
+            <a:r>
+              <a:rPr lang="en-US" dirty="0"/>
+              <a:t>Conclusions</a:t>
+            </a:r>
+          </a:p>
+        </p:txBody>
+      </p:sp>
+      <p:sp>
+        <p:nvSpPr>
+          <p:cNvPr id="3" name="Content Placeholder 2">
+            <a:extLst>
+              <a:ext uri="{FF2B5EF4-FFF2-40B4-BE49-F238E27FC236}">
+                <a16:creationId xmlns:a16="http://schemas.microsoft.com/office/drawing/2014/main" id="{CFB58759-17B5-4A3D-91BB-81EFBC216915}"/>
+              </a:ext>
+            </a:extLst>
+          </p:cNvPr>
+          <p:cNvSpPr>
+            <a:spLocks noGrp="1"/>
+          </p:cNvSpPr>
+          <p:nvPr>
+            <p:ph idx="1"/>
+          </p:nvPr>
+        </p:nvSpPr>
+        <p:spPr/>
+        <p:txBody>
+          <a:bodyPr/>
+          <a:lstStyle/>
+          <a:p>
+            <a:r>
+              <a:rPr lang="en-US" dirty="0"/>
+              <a:t>There is a strong (.83) correlation between team payroll and ticket sales.</a:t>
+            </a:r>
+          </a:p>
+          <a:p>
+            <a:r>
+              <a:rPr lang="en-US" dirty="0"/>
+              <a:t>This is probably telling us that teams which sell many tickets have more funds available to spend on payroll.</a:t>
+            </a:r>
+          </a:p>
+          <a:p>
+            <a:r>
+              <a:rPr lang="en-US" dirty="0"/>
+              <a:t>There are however some outliers.  For example, the Yankees spent 2.14x what the average team spent during this period compared to 1.09x the average for the Cardinals but the Cardinals sold 92% of the tickets that the Yankees sold during this period. </a:t>
+            </a:r>
+          </a:p>
+        </p:txBody>
+      </p:sp>
+    </p:spTree>
+    <p:extLst>
+      <p:ext uri="{BB962C8B-B14F-4D97-AF65-F5344CB8AC3E}">
+        <p14:creationId xmlns:p14="http://schemas.microsoft.com/office/powerpoint/2010/main" val="1435624588"/>
+      </p:ext>
+    </p:extLst>
+  </p:cSld>
+  <p:clrMapOvr>
+    <a:masterClrMapping/>
+  </p:clrMapOvr>
+</p:sld>
+</file>
+
+<file path=ppt/slides/slide2.xml><?xml version="1.0" encoding="utf-8"?>
+<p:sld xmlns:a="http://schemas.openxmlformats.org/drawingml/2006/main" xmlns:r="http://schemas.openxmlformats.org/officeDocument/2006/relationships" xmlns:p="http://schemas.openxmlformats.org/presentationml/2006/main">
+  <p:cSld>
+    <p:spTree>
+      <p:nvGrpSpPr>
+        <p:cNvPr id="1" name=""/>
+        <p:cNvGrpSpPr/>
+        <p:nvPr/>
+      </p:nvGrpSpPr>
+      <p:grpSpPr>
+        <a:xfrm>
+          <a:off x="0" y="0"/>
+          <a:ext cx="0" cy="0"/>
+          <a:chOff x="0" y="0"/>
+          <a:chExt cx="0" cy="0"/>
+        </a:xfrm>
+      </p:grpSpPr>
+      <p:sp>
+        <p:nvSpPr>
+          <p:cNvPr id="2" name="Title 1">
+            <a:extLst>
+              <a:ext uri="{FF2B5EF4-FFF2-40B4-BE49-F238E27FC236}">
+                <a16:creationId xmlns:a16="http://schemas.microsoft.com/office/drawing/2014/main" id="{24DD1665-CBAA-49EF-B2F8-FC9038D68E52}"/>
+              </a:ext>
+            </a:extLst>
+          </p:cNvPr>
+          <p:cNvSpPr>
+            <a:spLocks noGrp="1"/>
+          </p:cNvSpPr>
+          <p:nvPr>
+            <p:ph type="title"/>
+          </p:nvPr>
+        </p:nvSpPr>
+        <p:spPr/>
+        <p:txBody>
+          <a:bodyPr/>
+          <a:lstStyle/>
+          <a:p>
+            <a:r>
+              <a:rPr lang="en-US" dirty="0"/>
+              <a:t>What we are analyzing…</a:t>
+            </a:r>
+          </a:p>
+        </p:txBody>
+      </p:sp>
+      <p:sp>
+        <p:nvSpPr>
+          <p:cNvPr id="3" name="Content Placeholder 2">
+            <a:extLst>
+              <a:ext uri="{FF2B5EF4-FFF2-40B4-BE49-F238E27FC236}">
+                <a16:creationId xmlns:a16="http://schemas.microsoft.com/office/drawing/2014/main" id="{1B16A0FC-FC9F-4D42-8DD6-85831D64359D}"/>
+              </a:ext>
+            </a:extLst>
+          </p:cNvPr>
+          <p:cNvSpPr>
+            <a:spLocks noGrp="1"/>
+          </p:cNvSpPr>
+          <p:nvPr>
+            <p:ph idx="1"/>
+          </p:nvPr>
+        </p:nvSpPr>
+        <p:spPr/>
+        <p:txBody>
+          <a:bodyPr/>
+          <a:lstStyle/>
+          <a:p>
+            <a:pPr marL="457200" indent="-457200">
+              <a:buFont typeface="+mj-lt"/>
+              <a:buAutoNum type="arabicPeriod"/>
+            </a:pPr>
+            <a:r>
+              <a:rPr lang="en-US" dirty="0"/>
+              <a:t>Attendance vs. Record</a:t>
+            </a:r>
+          </a:p>
+          <a:p>
+            <a:pPr marL="457200" indent="-457200">
+              <a:buFont typeface="+mj-lt"/>
+              <a:buAutoNum type="arabicPeriod"/>
+            </a:pPr>
+            <a:r>
+              <a:rPr lang="en-US" dirty="0"/>
+              <a:t>Attendance vs. Salary</a:t>
+            </a:r>
+          </a:p>
+          <a:p>
+            <a:pPr marL="457200" indent="-457200">
+              <a:buFont typeface="+mj-lt"/>
+              <a:buAutoNum type="arabicPeriod"/>
+            </a:pPr>
+            <a:r>
+              <a:rPr lang="en-US" dirty="0"/>
+              <a:t>Attendance vs. Weather</a:t>
+            </a:r>
+          </a:p>
+          <a:p>
+            <a:pPr marL="457200" indent="-457200">
+              <a:buFont typeface="+mj-lt"/>
+              <a:buAutoNum type="arabicPeriod"/>
+            </a:pPr>
+            <a:r>
+              <a:rPr lang="en-US" dirty="0"/>
+              <a:t>Attendance vs. Population</a:t>
+            </a:r>
+          </a:p>
+          <a:p>
+            <a:endParaRPr lang="en-US" dirty="0"/>
+          </a:p>
+        </p:txBody>
+      </p:sp>
+    </p:spTree>
+    <p:extLst>
+      <p:ext uri="{BB962C8B-B14F-4D97-AF65-F5344CB8AC3E}">
+        <p14:creationId xmlns:p14="http://schemas.microsoft.com/office/powerpoint/2010/main" val="4104559821"/>
+      </p:ext>
+    </p:extLst>
+  </p:cSld>
+  <p:clrMapOvr>
+    <a:masterClrMapping/>
+  </p:clrMapOvr>
+</p:sld>
+</file>
+
+<file path=ppt/slides/slide20.xml><?xml version="1.0" encoding="utf-8"?>
+<p:sld xmlns:a="http://schemas.openxmlformats.org/drawingml/2006/main" xmlns:r="http://schemas.openxmlformats.org/officeDocument/2006/relationships" xmlns:p="http://schemas.openxmlformats.org/presentationml/2006/main">
+  <p:cSld>
+    <p:spTree>
+      <p:nvGrpSpPr>
+        <p:cNvPr id="1" name=""/>
+        <p:cNvGrpSpPr/>
+        <p:nvPr/>
+      </p:nvGrpSpPr>
+      <p:grpSpPr>
+        <a:xfrm>
+          <a:off x="0" y="0"/>
+          <a:ext cx="0" cy="0"/>
+          <a:chOff x="0" y="0"/>
+          <a:chExt cx="0" cy="0"/>
+        </a:xfrm>
+      </p:grpSpPr>
+      <p:sp>
+        <p:nvSpPr>
           <p:cNvPr id="2" name="Title 1"/>
           <p:cNvSpPr>
             <a:spLocks noGrp="1"/>
@@ -7652,7 +8118,7 @@
 </p:sld>
 </file>
 
-<file path=ppt/slides/slide17.xml><?xml version="1.0" encoding="utf-8"?>
+<file path=ppt/slides/slide21.xml><?xml version="1.0" encoding="utf-8"?>
 <p:sld xmlns:a="http://schemas.openxmlformats.org/drawingml/2006/main" xmlns:r="http://schemas.openxmlformats.org/officeDocument/2006/relationships" xmlns:p="http://schemas.openxmlformats.org/presentationml/2006/main">
   <p:cSld>
     <p:spTree>
@@ -7970,7 +8436,7 @@
 </p:sld>
 </file>
 
-<file path=ppt/slides/slide18.xml><?xml version="1.0" encoding="utf-8"?>
+<file path=ppt/slides/slide22.xml><?xml version="1.0" encoding="utf-8"?>
 <p:sld xmlns:a="http://schemas.openxmlformats.org/drawingml/2006/main" xmlns:r="http://schemas.openxmlformats.org/officeDocument/2006/relationships" xmlns:p="http://schemas.openxmlformats.org/presentationml/2006/main">
   <p:cSld>
     <p:spTree>
@@ -8103,7 +8569,7 @@
 </p:sld>
 </file>
 
-<file path=ppt/slides/slide19.xml><?xml version="1.0" encoding="utf-8"?>
+<file path=ppt/slides/slide23.xml><?xml version="1.0" encoding="utf-8"?>
 <p:sld xmlns:a="http://schemas.openxmlformats.org/drawingml/2006/main" xmlns:r="http://schemas.openxmlformats.org/officeDocument/2006/relationships" xmlns:p="http://schemas.openxmlformats.org/presentationml/2006/main">
   <p:cSld>
     <p:spTree>
@@ -8197,7 +8663,7 @@
 </p:sld>
 </file>
 
-<file path=ppt/slides/slide2.xml><?xml version="1.0" encoding="utf-8"?>
+<file path=ppt/slides/slide24.xml><?xml version="1.0" encoding="utf-8"?>
 <p:sld xmlns:a="http://schemas.openxmlformats.org/drawingml/2006/main" xmlns:r="http://schemas.openxmlformats.org/officeDocument/2006/relationships" xmlns:p="http://schemas.openxmlformats.org/presentationml/2006/main">
   <p:cSld>
     <p:spTree>
@@ -8219,7 +8685,7 @@
           <p:cNvPr id="2" name="Title 1">
             <a:extLst>
               <a:ext uri="{FF2B5EF4-FFF2-40B4-BE49-F238E27FC236}">
-                <a16:creationId xmlns:a16="http://schemas.microsoft.com/office/drawing/2014/main" id="{24DD1665-CBAA-49EF-B2F8-FC9038D68E52}"/>
+                <a16:creationId xmlns:a16="http://schemas.microsoft.com/office/drawing/2014/main" id="{C8699DB7-1873-482D-8C00-87746D15FD0D}"/>
               </a:ext>
             </a:extLst>
           </p:cNvPr>
@@ -8237,7 +8703,7 @@
           <a:p>
             <a:r>
               <a:rPr lang="en-US" dirty="0"/>
-              <a:t>What we are analyzing…</a:t>
+              <a:t>Attendance per Game vs CSA Population</a:t>
             </a:r>
           </a:p>
         </p:txBody>
@@ -8247,7 +8713,7 @@
           <p:cNvPr id="3" name="Content Placeholder 2">
             <a:extLst>
               <a:ext uri="{FF2B5EF4-FFF2-40B4-BE49-F238E27FC236}">
-                <a16:creationId xmlns:a16="http://schemas.microsoft.com/office/drawing/2014/main" id="{1B16A0FC-FC9F-4D42-8DD6-85831D64359D}"/>
+                <a16:creationId xmlns:a16="http://schemas.microsoft.com/office/drawing/2014/main" id="{0AAB7EE4-A68E-4524-95CA-AC419981A2DA}"/>
               </a:ext>
             </a:extLst>
           </p:cNvPr>
@@ -8263,43 +8729,9 @@
           <a:bodyPr/>
           <a:lstStyle/>
           <a:p>
-            <a:pPr marL="457200" indent="-457200">
-              <a:buFont typeface="+mj-lt"/>
-              <a:buAutoNum type="arabicPeriod"/>
-            </a:pPr>
             <a:r>
               <a:rPr lang="en-US" dirty="0"/>
-              <a:t>Attendance vs. Record</a:t>
-            </a:r>
-          </a:p>
-          <a:p>
-            <a:pPr marL="457200" indent="-457200">
-              <a:buFont typeface="+mj-lt"/>
-              <a:buAutoNum type="arabicPeriod"/>
-            </a:pPr>
-            <a:r>
-              <a:rPr lang="en-US" dirty="0"/>
-              <a:t>Attendance vs. Salary</a:t>
-            </a:r>
-          </a:p>
-          <a:p>
-            <a:pPr marL="457200" indent="-457200">
-              <a:buFont typeface="+mj-lt"/>
-              <a:buAutoNum type="arabicPeriod"/>
-            </a:pPr>
-            <a:r>
-              <a:rPr lang="en-US" dirty="0"/>
-              <a:t>Attendance vs. Weather</a:t>
-            </a:r>
-          </a:p>
-          <a:p>
-            <a:pPr marL="457200" indent="-457200">
-              <a:buFont typeface="+mj-lt"/>
-              <a:buAutoNum type="arabicPeriod"/>
-            </a:pPr>
-            <a:r>
-              <a:rPr lang="en-US" dirty="0"/>
-              <a:t>Attendance vs. Population</a:t>
+              <a:t>How strong is the correlation between population and attendance per game?</a:t>
             </a:r>
           </a:p>
           <a:p>
@@ -8310,7 +8742,7 @@
     </p:spTree>
     <p:extLst>
       <p:ext uri="{BB962C8B-B14F-4D97-AF65-F5344CB8AC3E}">
-        <p14:creationId xmlns:p14="http://schemas.microsoft.com/office/powerpoint/2010/main" val="4104559821"/>
+        <p14:creationId xmlns:p14="http://schemas.microsoft.com/office/powerpoint/2010/main" val="2791275690"/>
       </p:ext>
     </p:extLst>
   </p:cSld>
@@ -8320,7 +8752,7 @@
 </p:sld>
 </file>
 
-<file path=ppt/slides/slide20.xml><?xml version="1.0" encoding="utf-8"?>
+<file path=ppt/slides/slide25.xml><?xml version="1.0" encoding="utf-8"?>
 <p:sld xmlns:a="http://schemas.openxmlformats.org/drawingml/2006/main" xmlns:r="http://schemas.openxmlformats.org/officeDocument/2006/relationships" xmlns:p="http://schemas.openxmlformats.org/presentationml/2006/main">
   <p:cSld>
     <p:spTree>
@@ -8339,95 +8771,6 @@
       </p:grpSpPr>
       <p:sp>
         <p:nvSpPr>
-          <p:cNvPr id="2" name="Title 1">
-            <a:extLst>
-              <a:ext uri="{FF2B5EF4-FFF2-40B4-BE49-F238E27FC236}">
-                <a16:creationId xmlns:a16="http://schemas.microsoft.com/office/drawing/2014/main" id="{C8699DB7-1873-482D-8C00-87746D15FD0D}"/>
-              </a:ext>
-            </a:extLst>
-          </p:cNvPr>
-          <p:cNvSpPr>
-            <a:spLocks noGrp="1"/>
-          </p:cNvSpPr>
-          <p:nvPr>
-            <p:ph type="title"/>
-          </p:nvPr>
-        </p:nvSpPr>
-        <p:spPr/>
-        <p:txBody>
-          <a:bodyPr/>
-          <a:lstStyle/>
-          <a:p>
-            <a:r>
-              <a:rPr lang="en-US" dirty="0"/>
-              <a:t>Attendance per Game vs CSA Population</a:t>
-            </a:r>
-          </a:p>
-        </p:txBody>
-      </p:sp>
-      <p:sp>
-        <p:nvSpPr>
-          <p:cNvPr id="3" name="Content Placeholder 2">
-            <a:extLst>
-              <a:ext uri="{FF2B5EF4-FFF2-40B4-BE49-F238E27FC236}">
-                <a16:creationId xmlns:a16="http://schemas.microsoft.com/office/drawing/2014/main" id="{0AAB7EE4-A68E-4524-95CA-AC419981A2DA}"/>
-              </a:ext>
-            </a:extLst>
-          </p:cNvPr>
-          <p:cNvSpPr>
-            <a:spLocks noGrp="1"/>
-          </p:cNvSpPr>
-          <p:nvPr>
-            <p:ph idx="1"/>
-          </p:nvPr>
-        </p:nvSpPr>
-        <p:spPr/>
-        <p:txBody>
-          <a:bodyPr/>
-          <a:lstStyle/>
-          <a:p>
-            <a:r>
-              <a:rPr lang="en-US" dirty="0"/>
-              <a:t>Is there a strong correlation between population and attendance per game?</a:t>
-            </a:r>
-          </a:p>
-          <a:p>
-            <a:endParaRPr lang="en-US" dirty="0"/>
-          </a:p>
-        </p:txBody>
-      </p:sp>
-    </p:spTree>
-    <p:extLst>
-      <p:ext uri="{BB962C8B-B14F-4D97-AF65-F5344CB8AC3E}">
-        <p14:creationId xmlns:p14="http://schemas.microsoft.com/office/powerpoint/2010/main" val="2791275690"/>
-      </p:ext>
-    </p:extLst>
-  </p:cSld>
-  <p:clrMapOvr>
-    <a:masterClrMapping/>
-  </p:clrMapOvr>
-</p:sld>
-</file>
-
-<file path=ppt/slides/slide21.xml><?xml version="1.0" encoding="utf-8"?>
-<p:sld xmlns:a="http://schemas.openxmlformats.org/drawingml/2006/main" xmlns:r="http://schemas.openxmlformats.org/officeDocument/2006/relationships" xmlns:p="http://schemas.openxmlformats.org/presentationml/2006/main">
-  <p:cSld>
-    <p:spTree>
-      <p:nvGrpSpPr>
-        <p:cNvPr id="1" name=""/>
-        <p:cNvGrpSpPr/>
-        <p:nvPr/>
-      </p:nvGrpSpPr>
-      <p:grpSpPr>
-        <a:xfrm>
-          <a:off x="0" y="0"/>
-          <a:ext cx="0" cy="0"/>
-          <a:chOff x="0" y="0"/>
-          <a:chExt cx="0" cy="0"/>
-        </a:xfrm>
-      </p:grpSpPr>
-      <p:sp>
-        <p:nvSpPr>
           <p:cNvPr id="5" name="Title 4">
             <a:extLst>
               <a:ext uri="{FF2B5EF4-FFF2-40B4-BE49-F238E27FC236}">
@@ -8501,7 +8844,7 @@
 </p:sld>
 </file>
 
-<file path=ppt/slides/slide22.xml><?xml version="1.0" encoding="utf-8"?>
+<file path=ppt/slides/slide26.xml><?xml version="1.0" encoding="utf-8"?>
 <p:sld xmlns:a="http://schemas.openxmlformats.org/drawingml/2006/main" xmlns:r="http://schemas.openxmlformats.org/officeDocument/2006/relationships" xmlns:p="http://schemas.openxmlformats.org/presentationml/2006/main">
   <p:cSld>
     <p:spTree>
@@ -8669,7 +9012,7 @@
 </p:sld>
 </file>
 
-<file path=ppt/slides/slide23.xml><?xml version="1.0" encoding="utf-8"?>
+<file path=ppt/slides/slide27.xml><?xml version="1.0" encoding="utf-8"?>
 <p:sld xmlns:a="http://schemas.openxmlformats.org/drawingml/2006/main" xmlns:r="http://schemas.openxmlformats.org/officeDocument/2006/relationships" xmlns:p="http://schemas.openxmlformats.org/presentationml/2006/main">
   <p:cSld>
     <p:spTree>
@@ -8735,7 +9078,7 @@
 </p:sld>
 </file>
 
-<file path=ppt/slides/slide24.xml><?xml version="1.0" encoding="utf-8"?>
+<file path=ppt/slides/slide28.xml><?xml version="1.0" encoding="utf-8"?>
 <p:sld xmlns:a="http://schemas.openxmlformats.org/drawingml/2006/main" xmlns:r="http://schemas.openxmlformats.org/officeDocument/2006/relationships" xmlns:p="http://schemas.openxmlformats.org/presentationml/2006/main">
   <p:cSld>
     <p:spTree>
@@ -8827,7 +9170,7 @@
 </p:sld>
 </file>
 
-<file path=ppt/slides/slide25.xml><?xml version="1.0" encoding="utf-8"?>
+<file path=ppt/slides/slide29.xml><?xml version="1.0" encoding="utf-8"?>
 <p:sld xmlns:a="http://schemas.openxmlformats.org/drawingml/2006/main" xmlns:r="http://schemas.openxmlformats.org/officeDocument/2006/relationships" xmlns:p="http://schemas.openxmlformats.org/presentationml/2006/main">
   <p:cSld>
     <p:spTree>
@@ -8909,7 +9252,7 @@
             </a:pPr>
             <a:r>
               <a:rPr lang="en-US" dirty="0"/>
-              <a:t>Team Salary: </a:t>
+              <a:t>Team Salary: .84</a:t>
             </a:r>
           </a:p>
           <a:p>
@@ -8941,195 +9284,6 @@
     <p:extLst>
       <p:ext uri="{BB962C8B-B14F-4D97-AF65-F5344CB8AC3E}">
         <p14:creationId xmlns:p14="http://schemas.microsoft.com/office/powerpoint/2010/main" val="2973225552"/>
-      </p:ext>
-    </p:extLst>
-  </p:cSld>
-  <p:clrMapOvr>
-    <a:masterClrMapping/>
-  </p:clrMapOvr>
-</p:sld>
-</file>
-
-<file path=ppt/slides/slide26.xml><?xml version="1.0" encoding="utf-8"?>
-<p:sld xmlns:a="http://schemas.openxmlformats.org/drawingml/2006/main" xmlns:r="http://schemas.openxmlformats.org/officeDocument/2006/relationships" xmlns:p="http://schemas.openxmlformats.org/presentationml/2006/main">
-  <p:cSld>
-    <p:spTree>
-      <p:nvGrpSpPr>
-        <p:cNvPr id="1" name=""/>
-        <p:cNvGrpSpPr/>
-        <p:nvPr/>
-      </p:nvGrpSpPr>
-      <p:grpSpPr>
-        <a:xfrm>
-          <a:off x="0" y="0"/>
-          <a:ext cx="0" cy="0"/>
-          <a:chOff x="0" y="0"/>
-          <a:chExt cx="0" cy="0"/>
-        </a:xfrm>
-      </p:grpSpPr>
-      <p:sp>
-        <p:nvSpPr>
-          <p:cNvPr id="2" name="Title 1">
-            <a:extLst>
-              <a:ext uri="{FF2B5EF4-FFF2-40B4-BE49-F238E27FC236}">
-                <a16:creationId xmlns:a16="http://schemas.microsoft.com/office/drawing/2014/main" id="{7482A9FF-77BF-43B0-B56D-CE296879E54B}"/>
-              </a:ext>
-            </a:extLst>
-          </p:cNvPr>
-          <p:cNvSpPr>
-            <a:spLocks noGrp="1"/>
-          </p:cNvSpPr>
-          <p:nvPr>
-            <p:ph type="title"/>
-          </p:nvPr>
-        </p:nvSpPr>
-        <p:spPr/>
-        <p:txBody>
-          <a:bodyPr/>
-          <a:lstStyle/>
-          <a:p>
-            <a:r>
-              <a:rPr lang="en-US" dirty="0"/>
-              <a:t>Conclusions</a:t>
-            </a:r>
-          </a:p>
-        </p:txBody>
-      </p:sp>
-      <p:sp>
-        <p:nvSpPr>
-          <p:cNvPr id="3" name="Content Placeholder 2">
-            <a:extLst>
-              <a:ext uri="{FF2B5EF4-FFF2-40B4-BE49-F238E27FC236}">
-                <a16:creationId xmlns:a16="http://schemas.microsoft.com/office/drawing/2014/main" id="{CF11FDA4-2CBA-435C-A4B8-10DF2D3E9734}"/>
-              </a:ext>
-            </a:extLst>
-          </p:cNvPr>
-          <p:cNvSpPr>
-            <a:spLocks noGrp="1"/>
-          </p:cNvSpPr>
-          <p:nvPr>
-            <p:ph idx="1"/>
-          </p:nvPr>
-        </p:nvSpPr>
-        <p:spPr/>
-        <p:txBody>
-          <a:bodyPr>
-            <a:normAutofit lnSpcReduction="10000"/>
-          </a:bodyPr>
-          <a:lstStyle/>
-          <a:p>
-            <a:r>
-              <a:rPr lang="en-US" dirty="0"/>
-              <a:t>We originally intended to look at some other factors such as concession prices but apparently this data is valuable enough that we would have had to pay for it.</a:t>
-            </a:r>
-          </a:p>
-          <a:p>
-            <a:r>
-              <a:rPr lang="en-US" dirty="0"/>
-              <a:t>Some of our results were surprising to us.  For instance, we assumed that weather would have a substantial effect and it apparently does not.</a:t>
-            </a:r>
-          </a:p>
-          <a:p>
-            <a:r>
-              <a:rPr lang="en-US" dirty="0"/>
-              <a:t>CSA population for the teams we looked at has a moderate correlation to ticket sales but this obviously doesn’t tell the whole story as teams in the same CSA show significant differences.</a:t>
-            </a:r>
-          </a:p>
-          <a:p>
-            <a:pPr marL="0" indent="0">
-              <a:buNone/>
-            </a:pPr>
-            <a:endParaRPr lang="en-US" dirty="0"/>
-          </a:p>
-        </p:txBody>
-      </p:sp>
-    </p:spTree>
-    <p:extLst>
-      <p:ext uri="{BB962C8B-B14F-4D97-AF65-F5344CB8AC3E}">
-        <p14:creationId xmlns:p14="http://schemas.microsoft.com/office/powerpoint/2010/main" val="2551738656"/>
-      </p:ext>
-    </p:extLst>
-  </p:cSld>
-  <p:clrMapOvr>
-    <a:masterClrMapping/>
-  </p:clrMapOvr>
-</p:sld>
-</file>
-
-<file path=ppt/slides/slide27.xml><?xml version="1.0" encoding="utf-8"?>
-<p:sld xmlns:a="http://schemas.openxmlformats.org/drawingml/2006/main" xmlns:r="http://schemas.openxmlformats.org/officeDocument/2006/relationships" xmlns:p="http://schemas.openxmlformats.org/presentationml/2006/main">
-  <p:cSld>
-    <p:spTree>
-      <p:nvGrpSpPr>
-        <p:cNvPr id="1" name=""/>
-        <p:cNvGrpSpPr/>
-        <p:nvPr/>
-      </p:nvGrpSpPr>
-      <p:grpSpPr>
-        <a:xfrm>
-          <a:off x="0" y="0"/>
-          <a:ext cx="0" cy="0"/>
-          <a:chOff x="0" y="0"/>
-          <a:chExt cx="0" cy="0"/>
-        </a:xfrm>
-      </p:grpSpPr>
-      <p:sp>
-        <p:nvSpPr>
-          <p:cNvPr id="2" name="Title 1">
-            <a:extLst>
-              <a:ext uri="{FF2B5EF4-FFF2-40B4-BE49-F238E27FC236}">
-                <a16:creationId xmlns:a16="http://schemas.microsoft.com/office/drawing/2014/main" id="{042B8ECD-AEE0-4CF2-909C-807F646C0350}"/>
-              </a:ext>
-            </a:extLst>
-          </p:cNvPr>
-          <p:cNvSpPr>
-            <a:spLocks noGrp="1"/>
-          </p:cNvSpPr>
-          <p:nvPr>
-            <p:ph type="title"/>
-          </p:nvPr>
-        </p:nvSpPr>
-        <p:spPr/>
-        <p:txBody>
-          <a:bodyPr/>
-          <a:lstStyle/>
-          <a:p>
-            <a:r>
-              <a:rPr lang="en-US" dirty="0"/>
-              <a:t>Questions?</a:t>
-            </a:r>
-          </a:p>
-        </p:txBody>
-      </p:sp>
-      <p:sp>
-        <p:nvSpPr>
-          <p:cNvPr id="3" name="Content Placeholder 2">
-            <a:extLst>
-              <a:ext uri="{FF2B5EF4-FFF2-40B4-BE49-F238E27FC236}">
-                <a16:creationId xmlns:a16="http://schemas.microsoft.com/office/drawing/2014/main" id="{CD21421E-377E-4D4F-9561-B8808BA29CDB}"/>
-              </a:ext>
-            </a:extLst>
-          </p:cNvPr>
-          <p:cNvSpPr>
-            <a:spLocks noGrp="1"/>
-          </p:cNvSpPr>
-          <p:nvPr>
-            <p:ph idx="1"/>
-          </p:nvPr>
-        </p:nvSpPr>
-        <p:spPr/>
-        <p:txBody>
-          <a:bodyPr/>
-          <a:lstStyle/>
-          <a:p>
-            <a:endParaRPr lang="en-US"/>
-          </a:p>
-        </p:txBody>
-      </p:sp>
-    </p:spTree>
-    <p:extLst>
-      <p:ext uri="{BB962C8B-B14F-4D97-AF65-F5344CB8AC3E}">
-        <p14:creationId xmlns:p14="http://schemas.microsoft.com/office/powerpoint/2010/main" val="1139941693"/>
       </p:ext>
     </p:extLst>
   </p:cSld>
@@ -9244,6 +9398,325 @@
     <p:extLst>
       <p:ext uri="{BB962C8B-B14F-4D97-AF65-F5344CB8AC3E}">
         <p14:creationId xmlns:p14="http://schemas.microsoft.com/office/powerpoint/2010/main" val="1751033339"/>
+      </p:ext>
+    </p:extLst>
+  </p:cSld>
+  <p:clrMapOvr>
+    <a:masterClrMapping/>
+  </p:clrMapOvr>
+</p:sld>
+</file>
+
+<file path=ppt/slides/slide30.xml><?xml version="1.0" encoding="utf-8"?>
+<p:sld xmlns:a="http://schemas.openxmlformats.org/drawingml/2006/main" xmlns:r="http://schemas.openxmlformats.org/officeDocument/2006/relationships" xmlns:p="http://schemas.openxmlformats.org/presentationml/2006/main">
+  <p:cSld>
+    <p:spTree>
+      <p:nvGrpSpPr>
+        <p:cNvPr id="1" name=""/>
+        <p:cNvGrpSpPr/>
+        <p:nvPr/>
+      </p:nvGrpSpPr>
+      <p:grpSpPr>
+        <a:xfrm>
+          <a:off x="0" y="0"/>
+          <a:ext cx="0" cy="0"/>
+          <a:chOff x="0" y="0"/>
+          <a:chExt cx="0" cy="0"/>
+        </a:xfrm>
+      </p:grpSpPr>
+      <p:sp>
+        <p:nvSpPr>
+          <p:cNvPr id="2" name="Title 1">
+            <a:extLst>
+              <a:ext uri="{FF2B5EF4-FFF2-40B4-BE49-F238E27FC236}">
+                <a16:creationId xmlns:a16="http://schemas.microsoft.com/office/drawing/2014/main" id="{7482A9FF-77BF-43B0-B56D-CE296879E54B}"/>
+              </a:ext>
+            </a:extLst>
+          </p:cNvPr>
+          <p:cNvSpPr>
+            <a:spLocks noGrp="1"/>
+          </p:cNvSpPr>
+          <p:nvPr>
+            <p:ph type="title"/>
+          </p:nvPr>
+        </p:nvSpPr>
+        <p:spPr/>
+        <p:txBody>
+          <a:bodyPr/>
+          <a:lstStyle/>
+          <a:p>
+            <a:r>
+              <a:rPr lang="en-US" dirty="0"/>
+              <a:t>Conclusions</a:t>
+            </a:r>
+          </a:p>
+        </p:txBody>
+      </p:sp>
+      <p:sp>
+        <p:nvSpPr>
+          <p:cNvPr id="3" name="Content Placeholder 2">
+            <a:extLst>
+              <a:ext uri="{FF2B5EF4-FFF2-40B4-BE49-F238E27FC236}">
+                <a16:creationId xmlns:a16="http://schemas.microsoft.com/office/drawing/2014/main" id="{CF11FDA4-2CBA-435C-A4B8-10DF2D3E9734}"/>
+              </a:ext>
+            </a:extLst>
+          </p:cNvPr>
+          <p:cNvSpPr>
+            <a:spLocks noGrp="1"/>
+          </p:cNvSpPr>
+          <p:nvPr>
+            <p:ph idx="1"/>
+          </p:nvPr>
+        </p:nvSpPr>
+        <p:spPr/>
+        <p:txBody>
+          <a:bodyPr>
+            <a:normAutofit/>
+          </a:bodyPr>
+          <a:lstStyle/>
+          <a:p>
+            <a:r>
+              <a:rPr lang="en-US" dirty="0"/>
+              <a:t>We originally intended to look at some other factors such as concession prices but apparently this data is valuable enough that we would have had to pay for it.</a:t>
+            </a:r>
+          </a:p>
+          <a:p>
+            <a:r>
+              <a:rPr lang="en-US" dirty="0"/>
+              <a:t>Some of our results were surprising to us.  For instance, we assumed that weather would have a substantial effect and it apparently does not.</a:t>
+            </a:r>
+          </a:p>
+          <a:p>
+            <a:r>
+              <a:rPr lang="en-US" dirty="0"/>
+              <a:t>True attendance data is not made available by the MLB so while our sources called it “Attendance” we’ve really been discussing </a:t>
+            </a:r>
+            <a:r>
+              <a:rPr lang="en-US"/>
+              <a:t>ticket sales.</a:t>
+            </a:r>
+            <a:endParaRPr lang="en-US" dirty="0"/>
+          </a:p>
+        </p:txBody>
+      </p:sp>
+    </p:spTree>
+    <p:extLst>
+      <p:ext uri="{BB962C8B-B14F-4D97-AF65-F5344CB8AC3E}">
+        <p14:creationId xmlns:p14="http://schemas.microsoft.com/office/powerpoint/2010/main" val="2551738656"/>
+      </p:ext>
+    </p:extLst>
+  </p:cSld>
+  <p:clrMapOvr>
+    <a:masterClrMapping/>
+  </p:clrMapOvr>
+</p:sld>
+</file>
+
+<file path=ppt/slides/slide31.xml><?xml version="1.0" encoding="utf-8"?>
+<p:sld xmlns:a="http://schemas.openxmlformats.org/drawingml/2006/main" xmlns:r="http://schemas.openxmlformats.org/officeDocument/2006/relationships" xmlns:p="http://schemas.openxmlformats.org/presentationml/2006/main">
+  <p:cSld>
+    <p:spTree>
+      <p:nvGrpSpPr>
+        <p:cNvPr id="1" name=""/>
+        <p:cNvGrpSpPr/>
+        <p:nvPr/>
+      </p:nvGrpSpPr>
+      <p:grpSpPr>
+        <a:xfrm>
+          <a:off x="0" y="0"/>
+          <a:ext cx="0" cy="0"/>
+          <a:chOff x="0" y="0"/>
+          <a:chExt cx="0" cy="0"/>
+        </a:xfrm>
+      </p:grpSpPr>
+      <p:sp>
+        <p:nvSpPr>
+          <p:cNvPr id="2" name="Title 1">
+            <a:extLst>
+              <a:ext uri="{FF2B5EF4-FFF2-40B4-BE49-F238E27FC236}">
+                <a16:creationId xmlns:a16="http://schemas.microsoft.com/office/drawing/2014/main" id="{DF225C42-7DB4-410F-988C-5D4CE81D6A9A}"/>
+              </a:ext>
+            </a:extLst>
+          </p:cNvPr>
+          <p:cNvSpPr>
+            <a:spLocks noGrp="1"/>
+          </p:cNvSpPr>
+          <p:nvPr>
+            <p:ph type="title"/>
+          </p:nvPr>
+        </p:nvSpPr>
+        <p:spPr/>
+        <p:txBody>
+          <a:bodyPr/>
+          <a:lstStyle/>
+          <a:p>
+            <a:r>
+              <a:rPr lang="en-US" dirty="0"/>
+              <a:t>Sources</a:t>
+            </a:r>
+          </a:p>
+        </p:txBody>
+      </p:sp>
+      <p:sp>
+        <p:nvSpPr>
+          <p:cNvPr id="3" name="Content Placeholder 2">
+            <a:extLst>
+              <a:ext uri="{FF2B5EF4-FFF2-40B4-BE49-F238E27FC236}">
+                <a16:creationId xmlns:a16="http://schemas.microsoft.com/office/drawing/2014/main" id="{E2036D74-59EB-4740-9B1D-6239E59168D3}"/>
+              </a:ext>
+            </a:extLst>
+          </p:cNvPr>
+          <p:cNvSpPr>
+            <a:spLocks noGrp="1"/>
+          </p:cNvSpPr>
+          <p:nvPr>
+            <p:ph idx="1"/>
+          </p:nvPr>
+        </p:nvSpPr>
+        <p:spPr>
+          <a:xfrm>
+            <a:off x="1295401" y="2474752"/>
+            <a:ext cx="9601196" cy="3401116"/>
+          </a:xfrm>
+        </p:spPr>
+        <p:txBody>
+          <a:bodyPr/>
+          <a:lstStyle/>
+          <a:p>
+            <a:r>
+              <a:rPr lang="en-US" dirty="0">
+                <a:hlinkClick r:id="rId2"/>
+              </a:rPr>
+              <a:t>https://www.baseball-reference.com/leagues/MLB/2006-misc.shtml</a:t>
+            </a:r>
+            <a:endParaRPr lang="en-US" dirty="0"/>
+          </a:p>
+          <a:p>
+            <a:r>
+              <a:rPr lang="en-US" dirty="0"/>
+              <a:t> </a:t>
+            </a:r>
+            <a:r>
+              <a:rPr lang="en-US" dirty="0">
+                <a:hlinkClick r:id="rId3"/>
+              </a:rPr>
+              <a:t>https://www.kaggle.com/cyaris/2016-mlb-season</a:t>
+            </a:r>
+            <a:endParaRPr lang="en-US" dirty="0"/>
+          </a:p>
+          <a:p>
+            <a:r>
+              <a:rPr lang="en-US" dirty="0">
+                <a:hlinkClick r:id="rId4"/>
+              </a:rPr>
+              <a:t>https://www.kaggle.com/omipelcastre/mlb-team-statistics-20182003</a:t>
+            </a:r>
+            <a:endParaRPr lang="en-US" dirty="0"/>
+          </a:p>
+          <a:p>
+            <a:r>
+              <a:rPr lang="en-US" dirty="0"/>
+              <a:t>2010 US Census Summary File 1 via census wrapper API</a:t>
+            </a:r>
+          </a:p>
+          <a:p>
+            <a:r>
+              <a:rPr lang="en-US" dirty="0">
+                <a:hlinkClick r:id="rId5"/>
+              </a:rPr>
+              <a:t>https://www.kaggle.com/arashnic/baseballdatabank</a:t>
+            </a:r>
+            <a:endParaRPr lang="en-US" dirty="0"/>
+          </a:p>
+        </p:txBody>
+      </p:sp>
+    </p:spTree>
+    <p:extLst>
+      <p:ext uri="{BB962C8B-B14F-4D97-AF65-F5344CB8AC3E}">
+        <p14:creationId xmlns:p14="http://schemas.microsoft.com/office/powerpoint/2010/main" val="1063926720"/>
+      </p:ext>
+    </p:extLst>
+  </p:cSld>
+  <p:clrMapOvr>
+    <a:masterClrMapping/>
+  </p:clrMapOvr>
+</p:sld>
+</file>
+
+<file path=ppt/slides/slide32.xml><?xml version="1.0" encoding="utf-8"?>
+<p:sld xmlns:a="http://schemas.openxmlformats.org/drawingml/2006/main" xmlns:r="http://schemas.openxmlformats.org/officeDocument/2006/relationships" xmlns:p="http://schemas.openxmlformats.org/presentationml/2006/main">
+  <p:cSld>
+    <p:spTree>
+      <p:nvGrpSpPr>
+        <p:cNvPr id="1" name=""/>
+        <p:cNvGrpSpPr/>
+        <p:nvPr/>
+      </p:nvGrpSpPr>
+      <p:grpSpPr>
+        <a:xfrm>
+          <a:off x="0" y="0"/>
+          <a:ext cx="0" cy="0"/>
+          <a:chOff x="0" y="0"/>
+          <a:chExt cx="0" cy="0"/>
+        </a:xfrm>
+      </p:grpSpPr>
+      <p:sp>
+        <p:nvSpPr>
+          <p:cNvPr id="2" name="Title 1">
+            <a:extLst>
+              <a:ext uri="{FF2B5EF4-FFF2-40B4-BE49-F238E27FC236}">
+                <a16:creationId xmlns:a16="http://schemas.microsoft.com/office/drawing/2014/main" id="{042B8ECD-AEE0-4CF2-909C-807F646C0350}"/>
+              </a:ext>
+            </a:extLst>
+          </p:cNvPr>
+          <p:cNvSpPr>
+            <a:spLocks noGrp="1"/>
+          </p:cNvSpPr>
+          <p:nvPr>
+            <p:ph type="title"/>
+          </p:nvPr>
+        </p:nvSpPr>
+        <p:spPr/>
+        <p:txBody>
+          <a:bodyPr/>
+          <a:lstStyle/>
+          <a:p>
+            <a:r>
+              <a:rPr lang="en-US" dirty="0"/>
+              <a:t>Questions?</a:t>
+            </a:r>
+          </a:p>
+        </p:txBody>
+      </p:sp>
+      <p:sp>
+        <p:nvSpPr>
+          <p:cNvPr id="3" name="Content Placeholder 2">
+            <a:extLst>
+              <a:ext uri="{FF2B5EF4-FFF2-40B4-BE49-F238E27FC236}">
+                <a16:creationId xmlns:a16="http://schemas.microsoft.com/office/drawing/2014/main" id="{CD21421E-377E-4D4F-9561-B8808BA29CDB}"/>
+              </a:ext>
+            </a:extLst>
+          </p:cNvPr>
+          <p:cNvSpPr>
+            <a:spLocks noGrp="1"/>
+          </p:cNvSpPr>
+          <p:nvPr>
+            <p:ph idx="1"/>
+          </p:nvPr>
+        </p:nvSpPr>
+        <p:spPr/>
+        <p:txBody>
+          <a:bodyPr/>
+          <a:lstStyle/>
+          <a:p>
+            <a:endParaRPr lang="en-US"/>
+          </a:p>
+        </p:txBody>
+      </p:sp>
+    </p:spTree>
+    <p:extLst>
+      <p:ext uri="{BB962C8B-B14F-4D97-AF65-F5344CB8AC3E}">
+        <p14:creationId xmlns:p14="http://schemas.microsoft.com/office/powerpoint/2010/main" val="1139941693"/>
       </p:ext>
     </p:extLst>
   </p:cSld>

--- a/Slides/Red Team Presentation.pptx
+++ b/Slides/Red Team Presentation.pptx
@@ -8515,8 +8515,8 @@
         </p:blipFill>
         <p:spPr bwMode="auto">
           <a:xfrm>
-            <a:off x="1556197" y="457200"/>
-            <a:ext cx="8988425" cy="5943600"/>
+            <a:off x="1899067" y="742294"/>
+            <a:ext cx="8393865" cy="5550447"/>
           </a:xfrm>
           <a:prstGeom prst="rect">
             <a:avLst/>

--- a/Slides/Red Team Presentation.pptx
+++ b/Slides/Red Team Presentation.pptx
@@ -9471,7 +9471,7 @@
         <p:spPr/>
         <p:txBody>
           <a:bodyPr>
-            <a:normAutofit/>
+            <a:normAutofit fontScale="92500"/>
           </a:bodyPr>
           <a:lstStyle/>
           <a:p>
@@ -9483,19 +9483,14 @@
           <a:p>
             <a:r>
               <a:rPr lang="en-US" dirty="0"/>
-              <a:t>Some of our results were surprising to us.  For instance, we assumed that weather would have a substantial effect and it apparently does not.</a:t>
+              <a:t>Some of our results were surprising to us.  For instance, we assumed that weather would have a substantial effect and it apparently does not.  St Louis does better than we had expected relative to the population size and spending on payroll.</a:t>
             </a:r>
           </a:p>
           <a:p>
             <a:r>
               <a:rPr lang="en-US" dirty="0"/>
-              <a:t>True attendance data is not made available by the MLB so while our sources called it “Attendance” we’ve really been discussing </a:t>
-            </a:r>
-            <a:r>
-              <a:rPr lang="en-US"/>
-              <a:t>ticket sales.</a:t>
-            </a:r>
-            <a:endParaRPr lang="en-US" dirty="0"/>
+              <a:t>True attendance data is not made available by the MLB so while our sources called it “Attendance” we’ve really been discussing ticket sales.</a:t>
+            </a:r>
           </a:p>
         </p:txBody>
       </p:sp>

--- a/Slides/Red Team Presentation.pptx
+++ b/Slides/Red Team Presentation.pptx
@@ -7646,7 +7646,7 @@
           <a:p>
             <a:r>
               <a:rPr lang="en-US" dirty="0"/>
-              <a:t>What is the correlation between team salaries and ticket sales?</a:t>
+              <a:t>What is the correlation between team salaries and attendance?</a:t>
             </a:r>
           </a:p>
         </p:txBody>
@@ -8008,7 +8008,7 @@
             </a:pPr>
             <a:r>
               <a:rPr lang="en-US" dirty="0"/>
-              <a:t>Attendance vs. Weather</a:t>
+              <a:t>Attendance vs. Temperature</a:t>
             </a:r>
           </a:p>
           <a:p>
@@ -8603,7 +8603,7 @@
           <a:p>
             <a:r>
               <a:rPr lang="en-US" dirty="0"/>
-              <a:t>Weather Conclusions</a:t>
+              <a:t>Temperature Conclusions</a:t>
             </a:r>
           </a:p>
         </p:txBody>

--- a/Slides/Red Team Presentation.pptx
+++ b/Slides/Red Team Presentation.pptx
@@ -5,7 +5,7 @@
     <p:sldMasterId id="2147483690" r:id="rId1"/>
   </p:sldMasterIdLst>
   <p:handoutMasterIdLst>
-    <p:handoutMasterId r:id="rId34"/>
+    <p:handoutMasterId r:id="rId36"/>
   </p:handoutMasterIdLst>
   <p:sldIdLst>
     <p:sldId id="271" r:id="rId2"/>
@@ -23,23 +23,25 @@
     <p:sldId id="265" r:id="rId14"/>
     <p:sldId id="266" r:id="rId15"/>
     <p:sldId id="267" r:id="rId16"/>
-    <p:sldId id="285" r:id="rId17"/>
-    <p:sldId id="286" r:id="rId18"/>
-    <p:sldId id="287" r:id="rId19"/>
-    <p:sldId id="288" r:id="rId20"/>
-    <p:sldId id="274" r:id="rId21"/>
-    <p:sldId id="275" r:id="rId22"/>
-    <p:sldId id="258" r:id="rId23"/>
-    <p:sldId id="259" r:id="rId24"/>
-    <p:sldId id="276" r:id="rId25"/>
-    <p:sldId id="277" r:id="rId26"/>
-    <p:sldId id="278" r:id="rId27"/>
-    <p:sldId id="279" r:id="rId28"/>
-    <p:sldId id="280" r:id="rId29"/>
-    <p:sldId id="281" r:id="rId30"/>
-    <p:sldId id="282" r:id="rId31"/>
-    <p:sldId id="284" r:id="rId32"/>
-    <p:sldId id="283" r:id="rId33"/>
+    <p:sldId id="289" r:id="rId17"/>
+    <p:sldId id="290" r:id="rId18"/>
+    <p:sldId id="291" r:id="rId19"/>
+    <p:sldId id="292" r:id="rId20"/>
+    <p:sldId id="288" r:id="rId21"/>
+    <p:sldId id="286" r:id="rId22"/>
+    <p:sldId id="274" r:id="rId23"/>
+    <p:sldId id="275" r:id="rId24"/>
+    <p:sldId id="258" r:id="rId25"/>
+    <p:sldId id="259" r:id="rId26"/>
+    <p:sldId id="293" r:id="rId27"/>
+    <p:sldId id="277" r:id="rId28"/>
+    <p:sldId id="278" r:id="rId29"/>
+    <p:sldId id="279" r:id="rId30"/>
+    <p:sldId id="280" r:id="rId31"/>
+    <p:sldId id="281" r:id="rId32"/>
+    <p:sldId id="282" r:id="rId33"/>
+    <p:sldId id="284" r:id="rId34"/>
+    <p:sldId id="283" r:id="rId35"/>
   </p:sldIdLst>
   <p:sldSz cx="12192000" cy="6858000"/>
   <p:notesSz cx="7010400" cy="9296400"/>
@@ -6455,13 +6457,12 @@
         </p:nvPicPr>
         <p:blipFill rotWithShape="1">
           <a:blip r:embed="rId2"/>
-          <a:srcRect t="359"/>
           <a:stretch/>
         </p:blipFill>
         <p:spPr>
           <a:xfrm>
-            <a:off x="1581912" y="2441448"/>
-            <a:ext cx="9144000" cy="3753533"/>
+            <a:off x="2572495" y="2557463"/>
+            <a:ext cx="7047010" cy="3317875"/>
           </a:xfrm>
           <a:prstGeom prst="rect">
             <a:avLst/>
@@ -6498,6 +6499,31 @@
           <a:chExt cx="0" cy="0"/>
         </a:xfrm>
       </p:grpSpPr>
+      <p:sp>
+        <p:nvSpPr>
+          <p:cNvPr id="2" name="Title 1">
+            <a:extLst>
+              <a:ext uri="{FF2B5EF4-FFF2-40B4-BE49-F238E27FC236}">
+                <a16:creationId xmlns:a16="http://schemas.microsoft.com/office/drawing/2014/main" id="{49A6B296-54E4-4FB7-A08C-A17105A92BDD}"/>
+              </a:ext>
+            </a:extLst>
+          </p:cNvPr>
+          <p:cNvSpPr>
+            <a:spLocks noGrp="1"/>
+          </p:cNvSpPr>
+          <p:nvPr>
+            <p:ph type="title"/>
+          </p:nvPr>
+        </p:nvSpPr>
+        <p:spPr/>
+        <p:txBody>
+          <a:bodyPr/>
+          <a:lstStyle/>
+          <a:p>
+            <a:endParaRPr lang="en-US" dirty="0"/>
+          </a:p>
+        </p:txBody>
+      </p:sp>
       <p:pic>
         <p:nvPicPr>
           <p:cNvPr id="25" name="Content Placeholder 24">
@@ -6532,31 +6558,6 @@
           </a:xfrm>
         </p:spPr>
       </p:pic>
-      <p:sp>
-        <p:nvSpPr>
-          <p:cNvPr id="2" name="Title 1">
-            <a:extLst>
-              <a:ext uri="{FF2B5EF4-FFF2-40B4-BE49-F238E27FC236}">
-                <a16:creationId xmlns:a16="http://schemas.microsoft.com/office/drawing/2014/main" id="{49A6B296-54E4-4FB7-A08C-A17105A92BDD}"/>
-              </a:ext>
-            </a:extLst>
-          </p:cNvPr>
-          <p:cNvSpPr>
-            <a:spLocks noGrp="1"/>
-          </p:cNvSpPr>
-          <p:nvPr>
-            <p:ph type="title"/>
-          </p:nvPr>
-        </p:nvSpPr>
-        <p:spPr/>
-        <p:txBody>
-          <a:bodyPr/>
-          <a:lstStyle/>
-          <a:p>
-            <a:endParaRPr lang="en-US" dirty="0"/>
-          </a:p>
-        </p:txBody>
-      </p:sp>
       <p:sp>
         <p:nvSpPr>
           <p:cNvPr id="17" name="Circle: Hollow 16">
@@ -7543,13 +7544,8 @@
           <a:p>
             <a:r>
               <a:rPr lang="en-US" dirty="0"/>
-              <a:t>Overall, even though we exhibit a moderate correlation of 0.47 for attendance vs. record, the data does not necessarily convey a overly strong and/ or causal relationship between </a:t>
-            </a:r>
-            <a:r>
-              <a:rPr lang="en-US"/>
-              <a:t>the two factors.</a:t>
-            </a:r>
-            <a:endParaRPr lang="en-US" dirty="0"/>
+              <a:t>Overall, even though we exhibit a moderate correlation of 0.47 for attendance vs. record, the data does not necessarily convey a overly strong and/ or causal relationship between the two factors.</a:t>
+            </a:r>
           </a:p>
           <a:p>
             <a:r>
@@ -7600,7 +7596,7 @@
           <p:cNvPr id="2" name="Title 1">
             <a:extLst>
               <a:ext uri="{FF2B5EF4-FFF2-40B4-BE49-F238E27FC236}">
-                <a16:creationId xmlns:a16="http://schemas.microsoft.com/office/drawing/2014/main" id="{3901C10C-1FA0-48B3-8DCA-3AE61719D42F}"/>
+                <a16:creationId xmlns:a16="http://schemas.microsoft.com/office/drawing/2014/main" id="{91FF6C4A-F2C8-49FA-9AEA-DD7267F7FFF5}"/>
               </a:ext>
             </a:extLst>
           </p:cNvPr>
@@ -7608,7 +7604,7 @@
             <a:spLocks noGrp="1"/>
           </p:cNvSpPr>
           <p:nvPr>
-            <p:ph type="title"/>
+            <p:ph type="ctrTitle"/>
           </p:nvPr>
         </p:nvSpPr>
         <p:spPr/>
@@ -7625,10 +7621,10 @@
       </p:sp>
       <p:sp>
         <p:nvSpPr>
-          <p:cNvPr id="3" name="Content Placeholder 2">
+          <p:cNvPr id="3" name="Subtitle 2">
             <a:extLst>
               <a:ext uri="{FF2B5EF4-FFF2-40B4-BE49-F238E27FC236}">
-                <a16:creationId xmlns:a16="http://schemas.microsoft.com/office/drawing/2014/main" id="{B055CD7A-BB38-4699-BB77-5B0A78CDAB33}"/>
+                <a16:creationId xmlns:a16="http://schemas.microsoft.com/office/drawing/2014/main" id="{9DAFCAAB-BEE8-4D29-B52D-AF115C253C32}"/>
               </a:ext>
             </a:extLst>
           </p:cNvPr>
@@ -7636,7 +7632,7 @@
             <a:spLocks noGrp="1"/>
           </p:cNvSpPr>
           <p:nvPr>
-            <p:ph idx="1"/>
+            <p:ph type="subTitle" idx="1"/>
           </p:nvPr>
         </p:nvSpPr>
         <p:spPr/>
@@ -7646,15 +7642,18 @@
           <a:p>
             <a:r>
               <a:rPr lang="en-US" dirty="0"/>
-              <a:t>What is the correlation between team salaries and attendance?</a:t>
-            </a:r>
+              <a:t>What is the correlation between team salaries and ticket sales?</a:t>
+            </a:r>
+          </a:p>
+          <a:p>
+            <a:endParaRPr lang="en-US" dirty="0"/>
           </a:p>
         </p:txBody>
       </p:sp>
     </p:spTree>
     <p:extLst>
       <p:ext uri="{BB962C8B-B14F-4D97-AF65-F5344CB8AC3E}">
-        <p14:creationId xmlns:p14="http://schemas.microsoft.com/office/powerpoint/2010/main" val="2407838399"/>
+        <p14:creationId xmlns:p14="http://schemas.microsoft.com/office/powerpoint/2010/main" val="3447183874"/>
       </p:ext>
     </p:extLst>
   </p:cSld>
@@ -7686,7 +7685,7 @@
           <p:cNvPr id="2" name="Title 1">
             <a:extLst>
               <a:ext uri="{FF2B5EF4-FFF2-40B4-BE49-F238E27FC236}">
-                <a16:creationId xmlns:a16="http://schemas.microsoft.com/office/drawing/2014/main" id="{AC5184F9-DEE3-47D7-B3AB-4F6E8D9DA043}"/>
+                <a16:creationId xmlns:a16="http://schemas.microsoft.com/office/drawing/2014/main" id="{63AAB24F-D9E8-4F24-96A9-2FF14CD5ABAE}"/>
               </a:ext>
             </a:extLst>
           </p:cNvPr>
@@ -7703,8 +7702,8 @@
           <a:lstStyle/>
           <a:p>
             <a:r>
-              <a:rPr lang="en-US" dirty="0"/>
-              <a:t>Considerations</a:t>
+              <a:rPr lang="en-US" b="1" dirty="0"/>
+              <a:t>Data Cleaning Process</a:t>
             </a:r>
           </a:p>
         </p:txBody>
@@ -7714,7 +7713,7 @@
           <p:cNvPr id="3" name="Content Placeholder 2">
             <a:extLst>
               <a:ext uri="{FF2B5EF4-FFF2-40B4-BE49-F238E27FC236}">
-                <a16:creationId xmlns:a16="http://schemas.microsoft.com/office/drawing/2014/main" id="{040AC088-00A8-4178-8FAB-6F5D21661E64}"/>
+                <a16:creationId xmlns:a16="http://schemas.microsoft.com/office/drawing/2014/main" id="{DAC3A539-1A9F-4189-8947-666D3921E1D0}"/>
               </a:ext>
             </a:extLst>
           </p:cNvPr>
@@ -7725,22 +7724,75 @@
             <p:ph idx="1"/>
           </p:nvPr>
         </p:nvSpPr>
-        <p:spPr/>
+        <p:spPr>
+          <a:xfrm>
+            <a:off x="1295401" y="2556932"/>
+            <a:ext cx="10057227" cy="3318936"/>
+          </a:xfrm>
+        </p:spPr>
         <p:txBody>
           <a:bodyPr/>
           <a:lstStyle/>
           <a:p>
             <a:r>
               <a:rPr lang="en-US" dirty="0"/>
-              <a:t>We looked at the average attendance per game for all 30 MLB teams for the 2006-2016 seasons and compared it to the payroll of those teams for each year.</a:t>
-            </a:r>
-          </a:p>
-        </p:txBody>
-      </p:sp>
+              <a:t>Merged data from 2006-2016 </a:t>
+            </a:r>
+          </a:p>
+          <a:p>
+            <a:r>
+              <a:rPr lang="en-US" dirty="0"/>
+              <a:t>Removed incomplete and unnecessary data (four teams removed)</a:t>
+            </a:r>
+          </a:p>
+          <a:p>
+            <a:r>
+              <a:rPr lang="en-US" dirty="0"/>
+              <a:t>Cleaned and converted remaining data</a:t>
+            </a:r>
+          </a:p>
+        </p:txBody>
+      </p:sp>
+      <p:pic>
+        <p:nvPicPr>
+          <p:cNvPr id="5" name="Picture 4" descr="A screenshot of a cell phone&#10;&#10;Description automatically generated">
+            <a:extLst>
+              <a:ext uri="{FF2B5EF4-FFF2-40B4-BE49-F238E27FC236}">
+                <a16:creationId xmlns:a16="http://schemas.microsoft.com/office/drawing/2014/main" id="{2FED6876-FA14-4A18-9A67-11337AF855BD}"/>
+              </a:ext>
+            </a:extLst>
+          </p:cNvPr>
+          <p:cNvPicPr>
+            <a:picLocks noChangeAspect="1"/>
+          </p:cNvPicPr>
+          <p:nvPr/>
+        </p:nvPicPr>
+        <p:blipFill>
+          <a:blip r:embed="rId2">
+            <a:extLst>
+              <a:ext uri="{28A0092B-C50C-407E-A947-70E740481C1C}">
+                <a14:useLocalDpi xmlns:a14="http://schemas.microsoft.com/office/drawing/2010/main" val="0"/>
+              </a:ext>
+            </a:extLst>
+          </a:blip>
+          <a:stretch>
+            <a:fillRect/>
+          </a:stretch>
+        </p:blipFill>
+        <p:spPr>
+          <a:xfrm>
+            <a:off x="1410576" y="4084917"/>
+            <a:ext cx="9379343" cy="2114288"/>
+          </a:xfrm>
+          <a:prstGeom prst="rect">
+            <a:avLst/>
+          </a:prstGeom>
+        </p:spPr>
+      </p:pic>
     </p:spTree>
     <p:extLst>
       <p:ext uri="{BB962C8B-B14F-4D97-AF65-F5344CB8AC3E}">
-        <p14:creationId xmlns:p14="http://schemas.microsoft.com/office/powerpoint/2010/main" val="3580677403"/>
+        <p14:creationId xmlns:p14="http://schemas.microsoft.com/office/powerpoint/2010/main" val="1665953724"/>
       </p:ext>
     </p:extLst>
   </p:cSld>
@@ -7769,10 +7821,10 @@
       </p:grpSpPr>
       <p:pic>
         <p:nvPicPr>
-          <p:cNvPr id="7" name="Picture 6" descr="A screenshot of a cell phone&#10;&#10;Description automatically generated">
+          <p:cNvPr id="5" name="Picture 4" descr="A close up of a map&#10;&#10;Description automatically generated">
             <a:extLst>
               <a:ext uri="{FF2B5EF4-FFF2-40B4-BE49-F238E27FC236}">
-                <a16:creationId xmlns:a16="http://schemas.microsoft.com/office/drawing/2014/main" id="{8EF081D9-66CF-4EEC-B66C-8FEE940C4162}"/>
+                <a16:creationId xmlns:a16="http://schemas.microsoft.com/office/drawing/2014/main" id="{5E969183-40AE-443A-BED6-6398E76CD342}"/>
               </a:ext>
             </a:extLst>
           </p:cNvPr>
@@ -7795,8 +7847,8 @@
         </p:blipFill>
         <p:spPr>
           <a:xfrm>
-            <a:off x="1603806" y="757647"/>
-            <a:ext cx="8984388" cy="5435780"/>
+            <a:off x="2572043" y="981640"/>
+            <a:ext cx="7047913" cy="4698609"/>
           </a:xfrm>
           <a:prstGeom prst="rect">
             <a:avLst/>
@@ -7806,7 +7858,7 @@
     </p:spTree>
     <p:extLst>
       <p:ext uri="{BB962C8B-B14F-4D97-AF65-F5344CB8AC3E}">
-        <p14:creationId xmlns:p14="http://schemas.microsoft.com/office/powerpoint/2010/main" val="3819617400"/>
+        <p14:creationId xmlns:p14="http://schemas.microsoft.com/office/powerpoint/2010/main" val="2873820463"/>
       </p:ext>
     </p:extLst>
   </p:cSld>
@@ -7833,80 +7885,46 @@
           <a:chExt cx="0" cy="0"/>
         </a:xfrm>
       </p:grpSpPr>
-      <p:sp>
-        <p:nvSpPr>
-          <p:cNvPr id="2" name="Title 1">
+      <p:pic>
+        <p:nvPicPr>
+          <p:cNvPr id="3" name="Picture 2" descr="A close up of a map&#10;&#10;Description automatically generated">
             <a:extLst>
               <a:ext uri="{FF2B5EF4-FFF2-40B4-BE49-F238E27FC236}">
-                <a16:creationId xmlns:a16="http://schemas.microsoft.com/office/drawing/2014/main" id="{7AFCE98D-A7FA-4804-840D-461299883694}"/>
+                <a16:creationId xmlns:a16="http://schemas.microsoft.com/office/drawing/2014/main" id="{020B0863-0F53-40D3-A20E-73D7000667A0}"/>
               </a:ext>
             </a:extLst>
           </p:cNvPr>
-          <p:cNvSpPr>
-            <a:spLocks noGrp="1"/>
-          </p:cNvSpPr>
-          <p:nvPr>
-            <p:ph type="title"/>
-          </p:nvPr>
-        </p:nvSpPr>
-        <p:spPr/>
-        <p:txBody>
-          <a:bodyPr>
-            <a:normAutofit/>
-          </a:bodyPr>
-          <a:lstStyle/>
-          <a:p>
-            <a:r>
-              <a:rPr lang="en-US" dirty="0"/>
-              <a:t>Conclusions</a:t>
-            </a:r>
-          </a:p>
-        </p:txBody>
-      </p:sp>
-      <p:sp>
-        <p:nvSpPr>
-          <p:cNvPr id="3" name="Content Placeholder 2">
+          <p:cNvPicPr>
+            <a:picLocks noChangeAspect="1"/>
+          </p:cNvPicPr>
+          <p:nvPr/>
+        </p:nvPicPr>
+        <p:blipFill>
+          <a:blip r:embed="rId2">
             <a:extLst>
-              <a:ext uri="{FF2B5EF4-FFF2-40B4-BE49-F238E27FC236}">
-                <a16:creationId xmlns:a16="http://schemas.microsoft.com/office/drawing/2014/main" id="{CFB58759-17B5-4A3D-91BB-81EFBC216915}"/>
+              <a:ext uri="{28A0092B-C50C-407E-A947-70E740481C1C}">
+                <a14:useLocalDpi xmlns:a14="http://schemas.microsoft.com/office/drawing/2010/main" val="0"/>
               </a:ext>
             </a:extLst>
-          </p:cNvPr>
-          <p:cNvSpPr>
-            <a:spLocks noGrp="1"/>
-          </p:cNvSpPr>
-          <p:nvPr>
-            <p:ph idx="1"/>
-          </p:nvPr>
-        </p:nvSpPr>
-        <p:spPr/>
-        <p:txBody>
-          <a:bodyPr/>
-          <a:lstStyle/>
-          <a:p>
-            <a:r>
-              <a:rPr lang="en-US" dirty="0"/>
-              <a:t>There is a strong (.83) correlation between team payroll and ticket sales.</a:t>
-            </a:r>
-          </a:p>
-          <a:p>
-            <a:r>
-              <a:rPr lang="en-US" dirty="0"/>
-              <a:t>This is probably telling us that teams which sell many tickets have more funds available to spend on payroll.</a:t>
-            </a:r>
-          </a:p>
-          <a:p>
-            <a:r>
-              <a:rPr lang="en-US" dirty="0"/>
-              <a:t>There are however some outliers.  For example, the Yankees spent 2.14x what the average team spent during this period compared to 1.09x the average for the Cardinals but the Cardinals sold 92% of the tickets that the Yankees sold during this period. </a:t>
-            </a:r>
-          </a:p>
-        </p:txBody>
-      </p:sp>
+          </a:blip>
+          <a:stretch>
+            <a:fillRect/>
+          </a:stretch>
+        </p:blipFill>
+        <p:spPr>
+          <a:xfrm>
+            <a:off x="1617125" y="672769"/>
+            <a:ext cx="8957749" cy="5512461"/>
+          </a:xfrm>
+          <a:prstGeom prst="rect">
+            <a:avLst/>
+          </a:prstGeom>
+        </p:spPr>
+      </p:pic>
     </p:spTree>
     <p:extLst>
       <p:ext uri="{BB962C8B-B14F-4D97-AF65-F5344CB8AC3E}">
-        <p14:creationId xmlns:p14="http://schemas.microsoft.com/office/powerpoint/2010/main" val="1435624588"/>
+        <p14:creationId xmlns:p14="http://schemas.microsoft.com/office/powerpoint/2010/main" val="450914332"/>
       </p:ext>
     </p:extLst>
   </p:cSld>
@@ -8008,7 +8026,7 @@
             </a:pPr>
             <a:r>
               <a:rPr lang="en-US" dirty="0"/>
-              <a:t>Attendance vs. Temperature</a:t>
+              <a:t>Attendance vs. Weather</a:t>
             </a:r>
           </a:p>
           <a:p>
@@ -8058,6 +8076,192 @@
       </p:grpSpPr>
       <p:sp>
         <p:nvSpPr>
+          <p:cNvPr id="2" name="Title 1">
+            <a:extLst>
+              <a:ext uri="{FF2B5EF4-FFF2-40B4-BE49-F238E27FC236}">
+                <a16:creationId xmlns:a16="http://schemas.microsoft.com/office/drawing/2014/main" id="{7AFCE98D-A7FA-4804-840D-461299883694}"/>
+              </a:ext>
+            </a:extLst>
+          </p:cNvPr>
+          <p:cNvSpPr>
+            <a:spLocks noGrp="1"/>
+          </p:cNvSpPr>
+          <p:nvPr>
+            <p:ph type="title"/>
+          </p:nvPr>
+        </p:nvSpPr>
+        <p:spPr/>
+        <p:txBody>
+          <a:bodyPr>
+            <a:normAutofit/>
+          </a:bodyPr>
+          <a:lstStyle/>
+          <a:p>
+            <a:r>
+              <a:rPr lang="en-US" dirty="0"/>
+              <a:t>Conclusions</a:t>
+            </a:r>
+          </a:p>
+        </p:txBody>
+      </p:sp>
+      <p:sp>
+        <p:nvSpPr>
+          <p:cNvPr id="3" name="Content Placeholder 2">
+            <a:extLst>
+              <a:ext uri="{FF2B5EF4-FFF2-40B4-BE49-F238E27FC236}">
+                <a16:creationId xmlns:a16="http://schemas.microsoft.com/office/drawing/2014/main" id="{CFB58759-17B5-4A3D-91BB-81EFBC216915}"/>
+              </a:ext>
+            </a:extLst>
+          </p:cNvPr>
+          <p:cNvSpPr>
+            <a:spLocks noGrp="1"/>
+          </p:cNvSpPr>
+          <p:nvPr>
+            <p:ph idx="1"/>
+          </p:nvPr>
+        </p:nvSpPr>
+        <p:spPr/>
+        <p:txBody>
+          <a:bodyPr/>
+          <a:lstStyle/>
+          <a:p>
+            <a:r>
+              <a:rPr lang="en-US" dirty="0"/>
+              <a:t>There is a strong (.81) correlation between team payroll and ticket sales.</a:t>
+            </a:r>
+          </a:p>
+          <a:p>
+            <a:r>
+              <a:rPr lang="en-US" dirty="0"/>
+              <a:t>This is probably telling us that teams which sell many tickets have more funds available to spend on payroll.</a:t>
+            </a:r>
+          </a:p>
+          <a:p>
+            <a:r>
+              <a:rPr lang="en-US" dirty="0"/>
+              <a:t>There are however some outliers.  For example, the Yankees spent 2.14x what the average team spent during this period compared to the Cardinals who spend 1.09x the average, but the Cardinals sold 92% of the tickets that the Yankees sold during this period. </a:t>
+            </a:r>
+          </a:p>
+        </p:txBody>
+      </p:sp>
+    </p:spTree>
+    <p:extLst>
+      <p:ext uri="{BB962C8B-B14F-4D97-AF65-F5344CB8AC3E}">
+        <p14:creationId xmlns:p14="http://schemas.microsoft.com/office/powerpoint/2010/main" val="1435624588"/>
+      </p:ext>
+    </p:extLst>
+  </p:cSld>
+  <p:clrMapOvr>
+    <a:masterClrMapping/>
+  </p:clrMapOvr>
+</p:sld>
+</file>
+
+<file path=ppt/slides/slide21.xml><?xml version="1.0" encoding="utf-8"?>
+<p:sld xmlns:a="http://schemas.openxmlformats.org/drawingml/2006/main" xmlns:r="http://schemas.openxmlformats.org/officeDocument/2006/relationships" xmlns:p="http://schemas.openxmlformats.org/presentationml/2006/main">
+  <p:cSld>
+    <p:spTree>
+      <p:nvGrpSpPr>
+        <p:cNvPr id="1" name=""/>
+        <p:cNvGrpSpPr/>
+        <p:nvPr/>
+      </p:nvGrpSpPr>
+      <p:grpSpPr>
+        <a:xfrm>
+          <a:off x="0" y="0"/>
+          <a:ext cx="0" cy="0"/>
+          <a:chOff x="0" y="0"/>
+          <a:chExt cx="0" cy="0"/>
+        </a:xfrm>
+      </p:grpSpPr>
+      <p:sp>
+        <p:nvSpPr>
+          <p:cNvPr id="2" name="Title 1">
+            <a:extLst>
+              <a:ext uri="{FF2B5EF4-FFF2-40B4-BE49-F238E27FC236}">
+                <a16:creationId xmlns:a16="http://schemas.microsoft.com/office/drawing/2014/main" id="{AC5184F9-DEE3-47D7-B3AB-4F6E8D9DA043}"/>
+              </a:ext>
+            </a:extLst>
+          </p:cNvPr>
+          <p:cNvSpPr>
+            <a:spLocks noGrp="1"/>
+          </p:cNvSpPr>
+          <p:nvPr>
+            <p:ph type="title"/>
+          </p:nvPr>
+        </p:nvSpPr>
+        <p:spPr/>
+        <p:txBody>
+          <a:bodyPr/>
+          <a:lstStyle/>
+          <a:p>
+            <a:r>
+              <a:rPr lang="en-US" dirty="0"/>
+              <a:t>Considerations</a:t>
+            </a:r>
+          </a:p>
+        </p:txBody>
+      </p:sp>
+      <p:sp>
+        <p:nvSpPr>
+          <p:cNvPr id="3" name="Content Placeholder 2">
+            <a:extLst>
+              <a:ext uri="{FF2B5EF4-FFF2-40B4-BE49-F238E27FC236}">
+                <a16:creationId xmlns:a16="http://schemas.microsoft.com/office/drawing/2014/main" id="{040AC088-00A8-4178-8FAB-6F5D21661E64}"/>
+              </a:ext>
+            </a:extLst>
+          </p:cNvPr>
+          <p:cNvSpPr>
+            <a:spLocks noGrp="1"/>
+          </p:cNvSpPr>
+          <p:nvPr>
+            <p:ph idx="1"/>
+          </p:nvPr>
+        </p:nvSpPr>
+        <p:spPr/>
+        <p:txBody>
+          <a:bodyPr/>
+          <a:lstStyle/>
+          <a:p>
+            <a:r>
+              <a:rPr lang="en-US" dirty="0"/>
+              <a:t>Four teams were not used in this data set (FLA, MIA, TBR, and TBD) due to incomplete data across the ten year span</a:t>
+            </a:r>
+          </a:p>
+        </p:txBody>
+      </p:sp>
+    </p:spTree>
+    <p:extLst>
+      <p:ext uri="{BB962C8B-B14F-4D97-AF65-F5344CB8AC3E}">
+        <p14:creationId xmlns:p14="http://schemas.microsoft.com/office/powerpoint/2010/main" val="3580677403"/>
+      </p:ext>
+    </p:extLst>
+  </p:cSld>
+  <p:clrMapOvr>
+    <a:masterClrMapping/>
+  </p:clrMapOvr>
+</p:sld>
+</file>
+
+<file path=ppt/slides/slide22.xml><?xml version="1.0" encoding="utf-8"?>
+<p:sld xmlns:a="http://schemas.openxmlformats.org/drawingml/2006/main" xmlns:r="http://schemas.openxmlformats.org/officeDocument/2006/relationships" xmlns:p="http://schemas.openxmlformats.org/presentationml/2006/main">
+  <p:cSld>
+    <p:spTree>
+      <p:nvGrpSpPr>
+        <p:cNvPr id="1" name=""/>
+        <p:cNvGrpSpPr/>
+        <p:nvPr/>
+      </p:nvGrpSpPr>
+      <p:grpSpPr>
+        <a:xfrm>
+          <a:off x="0" y="0"/>
+          <a:ext cx="0" cy="0"/>
+          <a:chOff x="0" y="0"/>
+          <a:chExt cx="0" cy="0"/>
+        </a:xfrm>
+      </p:grpSpPr>
+      <p:sp>
+        <p:nvSpPr>
           <p:cNvPr id="2" name="Title 1"/>
           <p:cNvSpPr>
             <a:spLocks noGrp="1"/>
@@ -8118,7 +8322,7 @@
 </p:sld>
 </file>
 
-<file path=ppt/slides/slide21.xml><?xml version="1.0" encoding="utf-8"?>
+<file path=ppt/slides/slide23.xml><?xml version="1.0" encoding="utf-8"?>
 <p:sld xmlns:a="http://schemas.openxmlformats.org/drawingml/2006/main" xmlns:r="http://schemas.openxmlformats.org/officeDocument/2006/relationships" xmlns:p="http://schemas.openxmlformats.org/presentationml/2006/main">
   <p:cSld>
     <p:spTree>
@@ -8436,7 +8640,7 @@
 </p:sld>
 </file>
 
-<file path=ppt/slides/slide22.xml><?xml version="1.0" encoding="utf-8"?>
+<file path=ppt/slides/slide24.xml><?xml version="1.0" encoding="utf-8"?>
 <p:sld xmlns:a="http://schemas.openxmlformats.org/drawingml/2006/main" xmlns:r="http://schemas.openxmlformats.org/officeDocument/2006/relationships" xmlns:p="http://schemas.openxmlformats.org/presentationml/2006/main">
   <p:cSld>
     <p:spTree>
@@ -8569,189 +8773,6 @@
 </p:sld>
 </file>
 
-<file path=ppt/slides/slide23.xml><?xml version="1.0" encoding="utf-8"?>
-<p:sld xmlns:a="http://schemas.openxmlformats.org/drawingml/2006/main" xmlns:r="http://schemas.openxmlformats.org/officeDocument/2006/relationships" xmlns:p="http://schemas.openxmlformats.org/presentationml/2006/main">
-  <p:cSld>
-    <p:spTree>
-      <p:nvGrpSpPr>
-        <p:cNvPr id="1" name=""/>
-        <p:cNvGrpSpPr/>
-        <p:nvPr/>
-      </p:nvGrpSpPr>
-      <p:grpSpPr>
-        <a:xfrm>
-          <a:off x="0" y="0"/>
-          <a:ext cx="0" cy="0"/>
-          <a:chOff x="0" y="0"/>
-          <a:chExt cx="0" cy="0"/>
-        </a:xfrm>
-      </p:grpSpPr>
-      <p:sp>
-        <p:nvSpPr>
-          <p:cNvPr id="2" name="Title 1"/>
-          <p:cNvSpPr>
-            <a:spLocks noGrp="1"/>
-          </p:cNvSpPr>
-          <p:nvPr>
-            <p:ph type="title"/>
-          </p:nvPr>
-        </p:nvSpPr>
-        <p:spPr/>
-        <p:txBody>
-          <a:bodyPr/>
-          <a:lstStyle/>
-          <a:p>
-            <a:r>
-              <a:rPr lang="en-US" dirty="0"/>
-              <a:t>Temperature Conclusions</a:t>
-            </a:r>
-          </a:p>
-        </p:txBody>
-      </p:sp>
-      <p:sp>
-        <p:nvSpPr>
-          <p:cNvPr id="3" name="Content Placeholder 2"/>
-          <p:cNvSpPr>
-            <a:spLocks noGrp="1"/>
-          </p:cNvSpPr>
-          <p:nvPr>
-            <p:ph idx="1"/>
-          </p:nvPr>
-        </p:nvSpPr>
-        <p:spPr/>
-        <p:txBody>
-          <a:bodyPr>
-            <a:normAutofit/>
-          </a:bodyPr>
-          <a:lstStyle/>
-          <a:p>
-            <a:r>
-              <a:rPr lang="en-US" dirty="0"/>
-              <a:t>The attendance data that we used did not contain the actual attendance at the game.</a:t>
-            </a:r>
-          </a:p>
-          <a:p>
-            <a:r>
-              <a:rPr lang="en-US" dirty="0"/>
-              <a:t>With a correlation of 0.0277, we conclude that there is no correlation between temperature and attendance (ticket sales).</a:t>
-            </a:r>
-          </a:p>
-          <a:p>
-            <a:r>
-              <a:rPr lang="en-US" dirty="0"/>
-              <a:t>Reasoning: Tickets are usually purchased weeks or months in advance.</a:t>
-            </a:r>
-          </a:p>
-          <a:p>
-            <a:endParaRPr lang="en-US" dirty="0"/>
-          </a:p>
-          <a:p>
-            <a:endParaRPr lang="en-US" dirty="0"/>
-          </a:p>
-        </p:txBody>
-      </p:sp>
-    </p:spTree>
-    <p:extLst>
-      <p:ext uri="{BB962C8B-B14F-4D97-AF65-F5344CB8AC3E}">
-        <p14:creationId xmlns:p14="http://schemas.microsoft.com/office/powerpoint/2010/main" val="1364647992"/>
-      </p:ext>
-    </p:extLst>
-  </p:cSld>
-  <p:clrMapOvr>
-    <a:masterClrMapping/>
-  </p:clrMapOvr>
-</p:sld>
-</file>
-
-<file path=ppt/slides/slide24.xml><?xml version="1.0" encoding="utf-8"?>
-<p:sld xmlns:a="http://schemas.openxmlformats.org/drawingml/2006/main" xmlns:r="http://schemas.openxmlformats.org/officeDocument/2006/relationships" xmlns:p="http://schemas.openxmlformats.org/presentationml/2006/main">
-  <p:cSld>
-    <p:spTree>
-      <p:nvGrpSpPr>
-        <p:cNvPr id="1" name=""/>
-        <p:cNvGrpSpPr/>
-        <p:nvPr/>
-      </p:nvGrpSpPr>
-      <p:grpSpPr>
-        <a:xfrm>
-          <a:off x="0" y="0"/>
-          <a:ext cx="0" cy="0"/>
-          <a:chOff x="0" y="0"/>
-          <a:chExt cx="0" cy="0"/>
-        </a:xfrm>
-      </p:grpSpPr>
-      <p:sp>
-        <p:nvSpPr>
-          <p:cNvPr id="2" name="Title 1">
-            <a:extLst>
-              <a:ext uri="{FF2B5EF4-FFF2-40B4-BE49-F238E27FC236}">
-                <a16:creationId xmlns:a16="http://schemas.microsoft.com/office/drawing/2014/main" id="{C8699DB7-1873-482D-8C00-87746D15FD0D}"/>
-              </a:ext>
-            </a:extLst>
-          </p:cNvPr>
-          <p:cNvSpPr>
-            <a:spLocks noGrp="1"/>
-          </p:cNvSpPr>
-          <p:nvPr>
-            <p:ph type="title"/>
-          </p:nvPr>
-        </p:nvSpPr>
-        <p:spPr/>
-        <p:txBody>
-          <a:bodyPr/>
-          <a:lstStyle/>
-          <a:p>
-            <a:r>
-              <a:rPr lang="en-US" dirty="0"/>
-              <a:t>Attendance per Game vs CSA Population</a:t>
-            </a:r>
-          </a:p>
-        </p:txBody>
-      </p:sp>
-      <p:sp>
-        <p:nvSpPr>
-          <p:cNvPr id="3" name="Content Placeholder 2">
-            <a:extLst>
-              <a:ext uri="{FF2B5EF4-FFF2-40B4-BE49-F238E27FC236}">
-                <a16:creationId xmlns:a16="http://schemas.microsoft.com/office/drawing/2014/main" id="{0AAB7EE4-A68E-4524-95CA-AC419981A2DA}"/>
-              </a:ext>
-            </a:extLst>
-          </p:cNvPr>
-          <p:cNvSpPr>
-            <a:spLocks noGrp="1"/>
-          </p:cNvSpPr>
-          <p:nvPr>
-            <p:ph idx="1"/>
-          </p:nvPr>
-        </p:nvSpPr>
-        <p:spPr/>
-        <p:txBody>
-          <a:bodyPr/>
-          <a:lstStyle/>
-          <a:p>
-            <a:r>
-              <a:rPr lang="en-US" dirty="0"/>
-              <a:t>How strong is the correlation between population and attendance per game?</a:t>
-            </a:r>
-          </a:p>
-          <a:p>
-            <a:endParaRPr lang="en-US" dirty="0"/>
-          </a:p>
-        </p:txBody>
-      </p:sp>
-    </p:spTree>
-    <p:extLst>
-      <p:ext uri="{BB962C8B-B14F-4D97-AF65-F5344CB8AC3E}">
-        <p14:creationId xmlns:p14="http://schemas.microsoft.com/office/powerpoint/2010/main" val="2791275690"/>
-      </p:ext>
-    </p:extLst>
-  </p:cSld>
-  <p:clrMapOvr>
-    <a:masterClrMapping/>
-  </p:clrMapOvr>
-</p:sld>
-</file>
-
 <file path=ppt/slides/slide25.xml><?xml version="1.0" encoding="utf-8"?>
 <p:sld xmlns:a="http://schemas.openxmlformats.org/drawingml/2006/main" xmlns:r="http://schemas.openxmlformats.org/officeDocument/2006/relationships" xmlns:p="http://schemas.openxmlformats.org/presentationml/2006/main">
   <p:cSld>
@@ -8771,6 +8792,179 @@
       </p:grpSpPr>
       <p:sp>
         <p:nvSpPr>
+          <p:cNvPr id="2" name="Title 1"/>
+          <p:cNvSpPr>
+            <a:spLocks noGrp="1"/>
+          </p:cNvSpPr>
+          <p:nvPr>
+            <p:ph type="title"/>
+          </p:nvPr>
+        </p:nvSpPr>
+        <p:spPr/>
+        <p:txBody>
+          <a:bodyPr/>
+          <a:lstStyle/>
+          <a:p>
+            <a:r>
+              <a:rPr lang="en-US" dirty="0"/>
+              <a:t>Weather Conclusions</a:t>
+            </a:r>
+          </a:p>
+        </p:txBody>
+      </p:sp>
+      <p:sp>
+        <p:nvSpPr>
+          <p:cNvPr id="3" name="Content Placeholder 2"/>
+          <p:cNvSpPr>
+            <a:spLocks noGrp="1"/>
+          </p:cNvSpPr>
+          <p:nvPr>
+            <p:ph idx="1"/>
+          </p:nvPr>
+        </p:nvSpPr>
+        <p:spPr/>
+        <p:txBody>
+          <a:bodyPr>
+            <a:normAutofit/>
+          </a:bodyPr>
+          <a:lstStyle/>
+          <a:p>
+            <a:r>
+              <a:rPr lang="en-US" dirty="0"/>
+              <a:t>The attendance data that we used did not contain the actual attendance at the game.</a:t>
+            </a:r>
+          </a:p>
+          <a:p>
+            <a:r>
+              <a:rPr lang="en-US" dirty="0"/>
+              <a:t>With a correlation of 0.0277, we conclude that there is no correlation between temperature and attendance (ticket sales).</a:t>
+            </a:r>
+          </a:p>
+          <a:p>
+            <a:r>
+              <a:rPr lang="en-US" dirty="0"/>
+              <a:t>Reasoning: Tickets are usually purchased weeks or months in advance.</a:t>
+            </a:r>
+          </a:p>
+          <a:p>
+            <a:endParaRPr lang="en-US" dirty="0"/>
+          </a:p>
+          <a:p>
+            <a:endParaRPr lang="en-US" dirty="0"/>
+          </a:p>
+        </p:txBody>
+      </p:sp>
+    </p:spTree>
+    <p:extLst>
+      <p:ext uri="{BB962C8B-B14F-4D97-AF65-F5344CB8AC3E}">
+        <p14:creationId xmlns:p14="http://schemas.microsoft.com/office/powerpoint/2010/main" val="1364647992"/>
+      </p:ext>
+    </p:extLst>
+  </p:cSld>
+  <p:clrMapOvr>
+    <a:masterClrMapping/>
+  </p:clrMapOvr>
+</p:sld>
+</file>
+
+<file path=ppt/slides/slide26.xml><?xml version="1.0" encoding="utf-8"?>
+<p:sld xmlns:a="http://schemas.openxmlformats.org/drawingml/2006/main" xmlns:r="http://schemas.openxmlformats.org/officeDocument/2006/relationships" xmlns:p="http://schemas.openxmlformats.org/presentationml/2006/main">
+  <p:cSld>
+    <p:spTree>
+      <p:nvGrpSpPr>
+        <p:cNvPr id="1" name=""/>
+        <p:cNvGrpSpPr/>
+        <p:nvPr/>
+      </p:nvGrpSpPr>
+      <p:grpSpPr>
+        <a:xfrm>
+          <a:off x="0" y="0"/>
+          <a:ext cx="0" cy="0"/>
+          <a:chOff x="0" y="0"/>
+          <a:chExt cx="0" cy="0"/>
+        </a:xfrm>
+      </p:grpSpPr>
+      <p:sp>
+        <p:nvSpPr>
+          <p:cNvPr id="2" name="Title 1"/>
+          <p:cNvSpPr>
+            <a:spLocks noGrp="1"/>
+          </p:cNvSpPr>
+          <p:nvPr>
+            <p:ph type="ctrTitle"/>
+          </p:nvPr>
+        </p:nvSpPr>
+        <p:spPr/>
+        <p:txBody>
+          <a:bodyPr/>
+          <a:lstStyle/>
+          <a:p>
+            <a:r>
+              <a:rPr lang="en-US" dirty="0"/>
+              <a:t>Attendance per Game   vs CSA Population</a:t>
+            </a:r>
+          </a:p>
+        </p:txBody>
+      </p:sp>
+      <p:sp>
+        <p:nvSpPr>
+          <p:cNvPr id="3" name="Subtitle 2"/>
+          <p:cNvSpPr>
+            <a:spLocks noGrp="1"/>
+          </p:cNvSpPr>
+          <p:nvPr>
+            <p:ph type="subTitle" idx="1"/>
+          </p:nvPr>
+        </p:nvSpPr>
+        <p:spPr>
+          <a:xfrm>
+            <a:off x="3581400" y="3657600"/>
+            <a:ext cx="5111752" cy="1320802"/>
+          </a:xfrm>
+        </p:spPr>
+        <p:txBody>
+          <a:bodyPr/>
+          <a:lstStyle/>
+          <a:p>
+            <a:r>
+              <a:rPr lang="en-US" dirty="0"/>
+              <a:t>How strong is the correlation between population and attendance per game?</a:t>
+            </a:r>
+          </a:p>
+        </p:txBody>
+      </p:sp>
+    </p:spTree>
+    <p:extLst>
+      <p:ext uri="{BB962C8B-B14F-4D97-AF65-F5344CB8AC3E}">
+        <p14:creationId xmlns:p14="http://schemas.microsoft.com/office/powerpoint/2010/main" val="4068336933"/>
+      </p:ext>
+    </p:extLst>
+  </p:cSld>
+  <p:clrMapOvr>
+    <a:masterClrMapping/>
+  </p:clrMapOvr>
+</p:sld>
+</file>
+
+<file path=ppt/slides/slide27.xml><?xml version="1.0" encoding="utf-8"?>
+<p:sld xmlns:a="http://schemas.openxmlformats.org/drawingml/2006/main" xmlns:r="http://schemas.openxmlformats.org/officeDocument/2006/relationships" xmlns:p="http://schemas.openxmlformats.org/presentationml/2006/main">
+  <p:cSld>
+    <p:spTree>
+      <p:nvGrpSpPr>
+        <p:cNvPr id="1" name=""/>
+        <p:cNvGrpSpPr/>
+        <p:nvPr/>
+      </p:nvGrpSpPr>
+      <p:grpSpPr>
+        <a:xfrm>
+          <a:off x="0" y="0"/>
+          <a:ext cx="0" cy="0"/>
+          <a:chOff x="0" y="0"/>
+          <a:chExt cx="0" cy="0"/>
+        </a:xfrm>
+      </p:grpSpPr>
+      <p:sp>
+        <p:nvSpPr>
           <p:cNvPr id="5" name="Title 4">
             <a:extLst>
               <a:ext uri="{FF2B5EF4-FFF2-40B4-BE49-F238E27FC236}">
@@ -8844,7 +9038,7 @@
 </p:sld>
 </file>
 
-<file path=ppt/slides/slide26.xml><?xml version="1.0" encoding="utf-8"?>
+<file path=ppt/slides/slide28.xml><?xml version="1.0" encoding="utf-8"?>
 <p:sld xmlns:a="http://schemas.openxmlformats.org/drawingml/2006/main" xmlns:r="http://schemas.openxmlformats.org/officeDocument/2006/relationships" xmlns:p="http://schemas.openxmlformats.org/presentationml/2006/main">
   <p:cSld>
     <p:spTree>
@@ -9012,7 +9206,7 @@
 </p:sld>
 </file>
 
-<file path=ppt/slides/slide27.xml><?xml version="1.0" encoding="utf-8"?>
+<file path=ppt/slides/slide29.xml><?xml version="1.0" encoding="utf-8"?>
 <p:sld xmlns:a="http://schemas.openxmlformats.org/drawingml/2006/main" xmlns:r="http://schemas.openxmlformats.org/officeDocument/2006/relationships" xmlns:p="http://schemas.openxmlformats.org/presentationml/2006/main">
   <p:cSld>
     <p:spTree>
@@ -9078,221 +9272,6 @@
 </p:sld>
 </file>
 
-<file path=ppt/slides/slide28.xml><?xml version="1.0" encoding="utf-8"?>
-<p:sld xmlns:a="http://schemas.openxmlformats.org/drawingml/2006/main" xmlns:r="http://schemas.openxmlformats.org/officeDocument/2006/relationships" xmlns:p="http://schemas.openxmlformats.org/presentationml/2006/main">
-  <p:cSld>
-    <p:spTree>
-      <p:nvGrpSpPr>
-        <p:cNvPr id="1" name=""/>
-        <p:cNvGrpSpPr/>
-        <p:nvPr/>
-      </p:nvGrpSpPr>
-      <p:grpSpPr>
-        <a:xfrm>
-          <a:off x="0" y="0"/>
-          <a:ext cx="0" cy="0"/>
-          <a:chOff x="0" y="0"/>
-          <a:chExt cx="0" cy="0"/>
-        </a:xfrm>
-      </p:grpSpPr>
-      <p:sp>
-        <p:nvSpPr>
-          <p:cNvPr id="2" name="Title 1">
-            <a:extLst>
-              <a:ext uri="{FF2B5EF4-FFF2-40B4-BE49-F238E27FC236}">
-                <a16:creationId xmlns:a16="http://schemas.microsoft.com/office/drawing/2014/main" id="{7E678A0D-0290-49FD-A061-9F2C00D85D3E}"/>
-              </a:ext>
-            </a:extLst>
-          </p:cNvPr>
-          <p:cNvSpPr>
-            <a:spLocks noGrp="1"/>
-          </p:cNvSpPr>
-          <p:nvPr>
-            <p:ph type="title"/>
-          </p:nvPr>
-        </p:nvSpPr>
-        <p:spPr/>
-        <p:txBody>
-          <a:bodyPr/>
-          <a:lstStyle/>
-          <a:p>
-            <a:r>
-              <a:rPr lang="en-US" dirty="0"/>
-              <a:t>Population Conclusion</a:t>
-            </a:r>
-          </a:p>
-        </p:txBody>
-      </p:sp>
-      <p:sp>
-        <p:nvSpPr>
-          <p:cNvPr id="3" name="Content Placeholder 2">
-            <a:extLst>
-              <a:ext uri="{FF2B5EF4-FFF2-40B4-BE49-F238E27FC236}">
-                <a16:creationId xmlns:a16="http://schemas.microsoft.com/office/drawing/2014/main" id="{F82A9672-AEA3-4078-A3F8-8D3E2D81318A}"/>
-              </a:ext>
-            </a:extLst>
-          </p:cNvPr>
-          <p:cNvSpPr>
-            <a:spLocks noGrp="1"/>
-          </p:cNvSpPr>
-          <p:nvPr>
-            <p:ph idx="1"/>
-          </p:nvPr>
-        </p:nvSpPr>
-        <p:spPr/>
-        <p:txBody>
-          <a:bodyPr/>
-          <a:lstStyle/>
-          <a:p>
-            <a:r>
-              <a:rPr lang="en-US" dirty="0"/>
-              <a:t>There is a moderate correlation (.547) between population and average team attendance however there are significant differences in attendance per game between the pairs of teams that exist within the same CSA.</a:t>
-            </a:r>
-          </a:p>
-          <a:p>
-            <a:pPr marL="0" indent="0">
-              <a:buNone/>
-            </a:pPr>
-            <a:endParaRPr lang="en-US" dirty="0"/>
-          </a:p>
-        </p:txBody>
-      </p:sp>
-    </p:spTree>
-    <p:extLst>
-      <p:ext uri="{BB962C8B-B14F-4D97-AF65-F5344CB8AC3E}">
-        <p14:creationId xmlns:p14="http://schemas.microsoft.com/office/powerpoint/2010/main" val="28512982"/>
-      </p:ext>
-    </p:extLst>
-  </p:cSld>
-  <p:clrMapOvr>
-    <a:masterClrMapping/>
-  </p:clrMapOvr>
-</p:sld>
-</file>
-
-<file path=ppt/slides/slide29.xml><?xml version="1.0" encoding="utf-8"?>
-<p:sld xmlns:a="http://schemas.openxmlformats.org/drawingml/2006/main" xmlns:r="http://schemas.openxmlformats.org/officeDocument/2006/relationships" xmlns:p="http://schemas.openxmlformats.org/presentationml/2006/main">
-  <p:cSld>
-    <p:spTree>
-      <p:nvGrpSpPr>
-        <p:cNvPr id="1" name=""/>
-        <p:cNvGrpSpPr/>
-        <p:nvPr/>
-      </p:nvGrpSpPr>
-      <p:grpSpPr>
-        <a:xfrm>
-          <a:off x="0" y="0"/>
-          <a:ext cx="0" cy="0"/>
-          <a:chOff x="0" y="0"/>
-          <a:chExt cx="0" cy="0"/>
-        </a:xfrm>
-      </p:grpSpPr>
-      <p:sp>
-        <p:nvSpPr>
-          <p:cNvPr id="2" name="Title 1">
-            <a:extLst>
-              <a:ext uri="{FF2B5EF4-FFF2-40B4-BE49-F238E27FC236}">
-                <a16:creationId xmlns:a16="http://schemas.microsoft.com/office/drawing/2014/main" id="{696C39F6-23F3-4543-B708-44571DBB4AF2}"/>
-              </a:ext>
-            </a:extLst>
-          </p:cNvPr>
-          <p:cNvSpPr>
-            <a:spLocks noGrp="1"/>
-          </p:cNvSpPr>
-          <p:nvPr>
-            <p:ph type="title"/>
-          </p:nvPr>
-        </p:nvSpPr>
-        <p:spPr/>
-        <p:txBody>
-          <a:bodyPr/>
-          <a:lstStyle/>
-          <a:p>
-            <a:r>
-              <a:rPr lang="en-US" dirty="0"/>
-              <a:t>Summary</a:t>
-            </a:r>
-          </a:p>
-        </p:txBody>
-      </p:sp>
-      <p:sp>
-        <p:nvSpPr>
-          <p:cNvPr id="3" name="Content Placeholder 2">
-            <a:extLst>
-              <a:ext uri="{FF2B5EF4-FFF2-40B4-BE49-F238E27FC236}">
-                <a16:creationId xmlns:a16="http://schemas.microsoft.com/office/drawing/2014/main" id="{EB7DF4D7-CD69-49A9-B1FB-CD61D737C7AB}"/>
-              </a:ext>
-            </a:extLst>
-          </p:cNvPr>
-          <p:cNvSpPr>
-            <a:spLocks noGrp="1"/>
-          </p:cNvSpPr>
-          <p:nvPr>
-            <p:ph idx="1"/>
-          </p:nvPr>
-        </p:nvSpPr>
-        <p:spPr/>
-        <p:txBody>
-          <a:bodyPr/>
-          <a:lstStyle/>
-          <a:p>
-            <a:pPr marL="457200" indent="-457200">
-              <a:buFont typeface="+mj-lt"/>
-              <a:buAutoNum type="arabicPeriod"/>
-            </a:pPr>
-            <a:r>
-              <a:rPr lang="en-US" dirty="0"/>
-              <a:t>Team Record: .47 </a:t>
-            </a:r>
-          </a:p>
-          <a:p>
-            <a:pPr marL="457200" indent="-457200">
-              <a:buFont typeface="+mj-lt"/>
-              <a:buAutoNum type="arabicPeriod"/>
-            </a:pPr>
-            <a:r>
-              <a:rPr lang="en-US" dirty="0"/>
-              <a:t>Team Salary: .84</a:t>
-            </a:r>
-          </a:p>
-          <a:p>
-            <a:pPr marL="457200" indent="-457200">
-              <a:buFont typeface="+mj-lt"/>
-              <a:buAutoNum type="arabicPeriod"/>
-            </a:pPr>
-            <a:r>
-              <a:rPr lang="en-US" dirty="0"/>
-              <a:t>Weather: .02</a:t>
-            </a:r>
-          </a:p>
-          <a:p>
-            <a:pPr marL="457200" indent="-457200">
-              <a:buFont typeface="+mj-lt"/>
-              <a:buAutoNum type="arabicPeriod"/>
-            </a:pPr>
-            <a:r>
-              <a:rPr lang="en-US" dirty="0"/>
-              <a:t>Population: .54</a:t>
-            </a:r>
-          </a:p>
-          <a:p>
-            <a:endParaRPr lang="en-US" dirty="0"/>
-          </a:p>
-        </p:txBody>
-      </p:sp>
-    </p:spTree>
-    <p:extLst>
-      <p:ext uri="{BB962C8B-B14F-4D97-AF65-F5344CB8AC3E}">
-        <p14:creationId xmlns:p14="http://schemas.microsoft.com/office/powerpoint/2010/main" val="2973225552"/>
-      </p:ext>
-    </p:extLst>
-  </p:cSld>
-  <p:clrMapOvr>
-    <a:masterClrMapping/>
-  </p:clrMapOvr>
-</p:sld>
-</file>
-
 <file path=ppt/slides/slide3.xml><?xml version="1.0" encoding="utf-8"?>
 <p:sld xmlns:a="http://schemas.openxmlformats.org/drawingml/2006/main" xmlns:r="http://schemas.openxmlformats.org/officeDocument/2006/relationships" xmlns:p="http://schemas.openxmlformats.org/presentationml/2006/main">
   <p:cSld>
@@ -9429,7 +9408,7 @@
           <p:cNvPr id="2" name="Title 1">
             <a:extLst>
               <a:ext uri="{FF2B5EF4-FFF2-40B4-BE49-F238E27FC236}">
-                <a16:creationId xmlns:a16="http://schemas.microsoft.com/office/drawing/2014/main" id="{7482A9FF-77BF-43B0-B56D-CE296879E54B}"/>
+                <a16:creationId xmlns:a16="http://schemas.microsoft.com/office/drawing/2014/main" id="{7E678A0D-0290-49FD-A061-9F2C00D85D3E}"/>
               </a:ext>
             </a:extLst>
           </p:cNvPr>
@@ -9447,7 +9426,7 @@
           <a:p>
             <a:r>
               <a:rPr lang="en-US" dirty="0"/>
-              <a:t>Conclusions</a:t>
+              <a:t>Population Conclusion</a:t>
             </a:r>
           </a:p>
         </p:txBody>
@@ -9457,7 +9436,7 @@
           <p:cNvPr id="3" name="Content Placeholder 2">
             <a:extLst>
               <a:ext uri="{FF2B5EF4-FFF2-40B4-BE49-F238E27FC236}">
-                <a16:creationId xmlns:a16="http://schemas.microsoft.com/office/drawing/2014/main" id="{CF11FDA4-2CBA-435C-A4B8-10DF2D3E9734}"/>
+                <a16:creationId xmlns:a16="http://schemas.microsoft.com/office/drawing/2014/main" id="{F82A9672-AEA3-4078-A3F8-8D3E2D81318A}"/>
               </a:ext>
             </a:extLst>
           </p:cNvPr>
@@ -9470,34 +9449,26 @@
         </p:nvSpPr>
         <p:spPr/>
         <p:txBody>
-          <a:bodyPr>
-            <a:normAutofit fontScale="92500"/>
-          </a:bodyPr>
+          <a:bodyPr/>
           <a:lstStyle/>
           <a:p>
             <a:r>
               <a:rPr lang="en-US" dirty="0"/>
-              <a:t>We originally intended to look at some other factors such as concession prices but apparently this data is valuable enough that we would have had to pay for it.</a:t>
-            </a:r>
-          </a:p>
-          <a:p>
-            <a:r>
-              <a:rPr lang="en-US" dirty="0"/>
-              <a:t>Some of our results were surprising to us.  For instance, we assumed that weather would have a substantial effect and it apparently does not.  St Louis does better than we had expected relative to the population size and spending on payroll.</a:t>
-            </a:r>
-          </a:p>
-          <a:p>
-            <a:r>
-              <a:rPr lang="en-US" dirty="0"/>
-              <a:t>True attendance data is not made available by the MLB so while our sources called it “Attendance” we’ve really been discussing ticket sales.</a:t>
-            </a:r>
+              <a:t>There is a moderate correlation (.547) between population and average team attendance however there are significant differences in attendance per game between the pairs of teams that exist within the same CSA.</a:t>
+            </a:r>
+          </a:p>
+          <a:p>
+            <a:pPr marL="0" indent="0">
+              <a:buNone/>
+            </a:pPr>
+            <a:endParaRPr lang="en-US" dirty="0"/>
           </a:p>
         </p:txBody>
       </p:sp>
     </p:spTree>
     <p:extLst>
       <p:ext uri="{BB962C8B-B14F-4D97-AF65-F5344CB8AC3E}">
-        <p14:creationId xmlns:p14="http://schemas.microsoft.com/office/powerpoint/2010/main" val="2551738656"/>
+        <p14:creationId xmlns:p14="http://schemas.microsoft.com/office/powerpoint/2010/main" val="28512982"/>
       </p:ext>
     </p:extLst>
   </p:cSld>
@@ -9529,6 +9500,235 @@
           <p:cNvPr id="2" name="Title 1">
             <a:extLst>
               <a:ext uri="{FF2B5EF4-FFF2-40B4-BE49-F238E27FC236}">
+                <a16:creationId xmlns:a16="http://schemas.microsoft.com/office/drawing/2014/main" id="{696C39F6-23F3-4543-B708-44571DBB4AF2}"/>
+              </a:ext>
+            </a:extLst>
+          </p:cNvPr>
+          <p:cNvSpPr>
+            <a:spLocks noGrp="1"/>
+          </p:cNvSpPr>
+          <p:nvPr>
+            <p:ph type="title"/>
+          </p:nvPr>
+        </p:nvSpPr>
+        <p:spPr/>
+        <p:txBody>
+          <a:bodyPr/>
+          <a:lstStyle/>
+          <a:p>
+            <a:r>
+              <a:rPr lang="en-US" dirty="0"/>
+              <a:t>Summary</a:t>
+            </a:r>
+          </a:p>
+        </p:txBody>
+      </p:sp>
+      <p:sp>
+        <p:nvSpPr>
+          <p:cNvPr id="3" name="Content Placeholder 2">
+            <a:extLst>
+              <a:ext uri="{FF2B5EF4-FFF2-40B4-BE49-F238E27FC236}">
+                <a16:creationId xmlns:a16="http://schemas.microsoft.com/office/drawing/2014/main" id="{EB7DF4D7-CD69-49A9-B1FB-CD61D737C7AB}"/>
+              </a:ext>
+            </a:extLst>
+          </p:cNvPr>
+          <p:cNvSpPr>
+            <a:spLocks noGrp="1"/>
+          </p:cNvSpPr>
+          <p:nvPr>
+            <p:ph idx="1"/>
+          </p:nvPr>
+        </p:nvSpPr>
+        <p:spPr/>
+        <p:txBody>
+          <a:bodyPr/>
+          <a:lstStyle/>
+          <a:p>
+            <a:pPr marL="457200" indent="-457200">
+              <a:buFont typeface="+mj-lt"/>
+              <a:buAutoNum type="arabicPeriod"/>
+            </a:pPr>
+            <a:r>
+              <a:rPr lang="en-US" dirty="0"/>
+              <a:t>Team Record: .69 </a:t>
+            </a:r>
+          </a:p>
+          <a:p>
+            <a:pPr marL="457200" indent="-457200">
+              <a:buFont typeface="+mj-lt"/>
+              <a:buAutoNum type="arabicPeriod"/>
+            </a:pPr>
+            <a:r>
+              <a:rPr lang="en-US" dirty="0"/>
+              <a:t>Team Salary: .81</a:t>
+            </a:r>
+          </a:p>
+          <a:p>
+            <a:pPr marL="457200" indent="-457200">
+              <a:buFont typeface="+mj-lt"/>
+              <a:buAutoNum type="arabicPeriod"/>
+            </a:pPr>
+            <a:r>
+              <a:rPr lang="en-US" dirty="0"/>
+              <a:t>Weather: .02</a:t>
+            </a:r>
+          </a:p>
+          <a:p>
+            <a:pPr marL="457200" indent="-457200">
+              <a:buFont typeface="+mj-lt"/>
+              <a:buAutoNum type="arabicPeriod"/>
+            </a:pPr>
+            <a:r>
+              <a:rPr lang="en-US" dirty="0"/>
+              <a:t>Population: .54</a:t>
+            </a:r>
+          </a:p>
+          <a:p>
+            <a:endParaRPr lang="en-US" dirty="0"/>
+          </a:p>
+        </p:txBody>
+      </p:sp>
+    </p:spTree>
+    <p:extLst>
+      <p:ext uri="{BB962C8B-B14F-4D97-AF65-F5344CB8AC3E}">
+        <p14:creationId xmlns:p14="http://schemas.microsoft.com/office/powerpoint/2010/main" val="2973225552"/>
+      </p:ext>
+    </p:extLst>
+  </p:cSld>
+  <p:clrMapOvr>
+    <a:masterClrMapping/>
+  </p:clrMapOvr>
+</p:sld>
+</file>
+
+<file path=ppt/slides/slide32.xml><?xml version="1.0" encoding="utf-8"?>
+<p:sld xmlns:a="http://schemas.openxmlformats.org/drawingml/2006/main" xmlns:r="http://schemas.openxmlformats.org/officeDocument/2006/relationships" xmlns:p="http://schemas.openxmlformats.org/presentationml/2006/main">
+  <p:cSld>
+    <p:spTree>
+      <p:nvGrpSpPr>
+        <p:cNvPr id="1" name=""/>
+        <p:cNvGrpSpPr/>
+        <p:nvPr/>
+      </p:nvGrpSpPr>
+      <p:grpSpPr>
+        <a:xfrm>
+          <a:off x="0" y="0"/>
+          <a:ext cx="0" cy="0"/>
+          <a:chOff x="0" y="0"/>
+          <a:chExt cx="0" cy="0"/>
+        </a:xfrm>
+      </p:grpSpPr>
+      <p:sp>
+        <p:nvSpPr>
+          <p:cNvPr id="2" name="Title 1">
+            <a:extLst>
+              <a:ext uri="{FF2B5EF4-FFF2-40B4-BE49-F238E27FC236}">
+                <a16:creationId xmlns:a16="http://schemas.microsoft.com/office/drawing/2014/main" id="{7482A9FF-77BF-43B0-B56D-CE296879E54B}"/>
+              </a:ext>
+            </a:extLst>
+          </p:cNvPr>
+          <p:cNvSpPr>
+            <a:spLocks noGrp="1"/>
+          </p:cNvSpPr>
+          <p:nvPr>
+            <p:ph type="title"/>
+          </p:nvPr>
+        </p:nvSpPr>
+        <p:spPr/>
+        <p:txBody>
+          <a:bodyPr/>
+          <a:lstStyle/>
+          <a:p>
+            <a:r>
+              <a:rPr lang="en-US" dirty="0"/>
+              <a:t>Conclusions</a:t>
+            </a:r>
+          </a:p>
+        </p:txBody>
+      </p:sp>
+      <p:sp>
+        <p:nvSpPr>
+          <p:cNvPr id="3" name="Content Placeholder 2">
+            <a:extLst>
+              <a:ext uri="{FF2B5EF4-FFF2-40B4-BE49-F238E27FC236}">
+                <a16:creationId xmlns:a16="http://schemas.microsoft.com/office/drawing/2014/main" id="{CF11FDA4-2CBA-435C-A4B8-10DF2D3E9734}"/>
+              </a:ext>
+            </a:extLst>
+          </p:cNvPr>
+          <p:cNvSpPr>
+            <a:spLocks noGrp="1"/>
+          </p:cNvSpPr>
+          <p:nvPr>
+            <p:ph idx="1"/>
+          </p:nvPr>
+        </p:nvSpPr>
+        <p:spPr/>
+        <p:txBody>
+          <a:bodyPr>
+            <a:normAutofit fontScale="92500"/>
+          </a:bodyPr>
+          <a:lstStyle/>
+          <a:p>
+            <a:r>
+              <a:rPr lang="en-US" dirty="0"/>
+              <a:t>We originally intended to look at some other factors such as concession prices but this data is apparently valuable enough that we would have had to pay for it.</a:t>
+            </a:r>
+          </a:p>
+          <a:p>
+            <a:r>
+              <a:rPr lang="en-US" dirty="0"/>
+              <a:t>Some of our results were surprising to us.  For instance, we assumed that weather would have a substantial effect and it apparently does not.  St Louis does better than we had expected relative to the population size and spending on payroll.</a:t>
+            </a:r>
+          </a:p>
+          <a:p>
+            <a:r>
+              <a:rPr lang="en-US" dirty="0"/>
+              <a:t>True attendance data is not made available by the MLB so while our sources called it “Attendance” we’ve really been discussing ticket sales.</a:t>
+            </a:r>
+          </a:p>
+          <a:p>
+            <a:pPr marL="0" indent="0">
+              <a:buNone/>
+            </a:pPr>
+            <a:endParaRPr lang="en-US" dirty="0"/>
+          </a:p>
+        </p:txBody>
+      </p:sp>
+    </p:spTree>
+    <p:extLst>
+      <p:ext uri="{BB962C8B-B14F-4D97-AF65-F5344CB8AC3E}">
+        <p14:creationId xmlns:p14="http://schemas.microsoft.com/office/powerpoint/2010/main" val="2551738656"/>
+      </p:ext>
+    </p:extLst>
+  </p:cSld>
+  <p:clrMapOvr>
+    <a:masterClrMapping/>
+  </p:clrMapOvr>
+</p:sld>
+</file>
+
+<file path=ppt/slides/slide33.xml><?xml version="1.0" encoding="utf-8"?>
+<p:sld xmlns:a="http://schemas.openxmlformats.org/drawingml/2006/main" xmlns:r="http://schemas.openxmlformats.org/officeDocument/2006/relationships" xmlns:p="http://schemas.openxmlformats.org/presentationml/2006/main">
+  <p:cSld>
+    <p:spTree>
+      <p:nvGrpSpPr>
+        <p:cNvPr id="1" name=""/>
+        <p:cNvGrpSpPr/>
+        <p:nvPr/>
+      </p:nvGrpSpPr>
+      <p:grpSpPr>
+        <a:xfrm>
+          <a:off x="0" y="0"/>
+          <a:ext cx="0" cy="0"/>
+          <a:chOff x="0" y="0"/>
+          <a:chExt cx="0" cy="0"/>
+        </a:xfrm>
+      </p:grpSpPr>
+      <p:sp>
+        <p:nvSpPr>
+          <p:cNvPr id="2" name="Title 1">
+            <a:extLst>
+              <a:ext uri="{FF2B5EF4-FFF2-40B4-BE49-F238E27FC236}">
                 <a16:creationId xmlns:a16="http://schemas.microsoft.com/office/drawing/2014/main" id="{DF225C42-7DB4-410F-988C-5D4CE81D6A9A}"/>
               </a:ext>
             </a:extLst>
@@ -9638,7 +9838,7 @@
 </p:sld>
 </file>
 
-<file path=ppt/slides/slide32.xml><?xml version="1.0" encoding="utf-8"?>
+<file path=ppt/slides/slide34.xml><?xml version="1.0" encoding="utf-8"?>
 <p:sld xmlns:a="http://schemas.openxmlformats.org/drawingml/2006/main" xmlns:r="http://schemas.openxmlformats.org/officeDocument/2006/relationships" xmlns:p="http://schemas.openxmlformats.org/presentationml/2006/main">
   <p:cSld>
     <p:spTree>
@@ -10625,8 +10825,8 @@
         </p:blipFill>
         <p:spPr>
           <a:xfrm>
-            <a:off x="1490472" y="2459735"/>
-            <a:ext cx="9406125" cy="3721609"/>
+            <a:off x="3074987" y="2557463"/>
+            <a:ext cx="6042025" cy="3317875"/>
           </a:xfrm>
           <a:prstGeom prst="rect">
             <a:avLst/>

--- a/Slides/Red Team Presentation.pptx
+++ b/Slides/Red Team Presentation.pptx
@@ -5,7 +5,7 @@
     <p:sldMasterId id="2147483690" r:id="rId1"/>
   </p:sldMasterIdLst>
   <p:handoutMasterIdLst>
-    <p:handoutMasterId r:id="rId36"/>
+    <p:handoutMasterId r:id="rId37"/>
   </p:handoutMasterIdLst>
   <p:sldIdLst>
     <p:sldId id="271" r:id="rId2"/>
@@ -19,29 +19,30 @@
     <p:sldId id="257" r:id="rId10"/>
     <p:sldId id="263" r:id="rId11"/>
     <p:sldId id="270" r:id="rId12"/>
-    <p:sldId id="264" r:id="rId13"/>
-    <p:sldId id="265" r:id="rId14"/>
-    <p:sldId id="266" r:id="rId15"/>
-    <p:sldId id="267" r:id="rId16"/>
-    <p:sldId id="289" r:id="rId17"/>
-    <p:sldId id="290" r:id="rId18"/>
-    <p:sldId id="291" r:id="rId19"/>
-    <p:sldId id="292" r:id="rId20"/>
-    <p:sldId id="288" r:id="rId21"/>
-    <p:sldId id="286" r:id="rId22"/>
-    <p:sldId id="274" r:id="rId23"/>
-    <p:sldId id="275" r:id="rId24"/>
-    <p:sldId id="258" r:id="rId25"/>
-    <p:sldId id="259" r:id="rId26"/>
-    <p:sldId id="293" r:id="rId27"/>
-    <p:sldId id="277" r:id="rId28"/>
-    <p:sldId id="278" r:id="rId29"/>
-    <p:sldId id="279" r:id="rId30"/>
-    <p:sldId id="280" r:id="rId31"/>
-    <p:sldId id="281" r:id="rId32"/>
-    <p:sldId id="282" r:id="rId33"/>
-    <p:sldId id="284" r:id="rId34"/>
-    <p:sldId id="283" r:id="rId35"/>
+    <p:sldId id="295" r:id="rId13"/>
+    <p:sldId id="264" r:id="rId14"/>
+    <p:sldId id="265" r:id="rId15"/>
+    <p:sldId id="266" r:id="rId16"/>
+    <p:sldId id="267" r:id="rId17"/>
+    <p:sldId id="289" r:id="rId18"/>
+    <p:sldId id="290" r:id="rId19"/>
+    <p:sldId id="291" r:id="rId20"/>
+    <p:sldId id="292" r:id="rId21"/>
+    <p:sldId id="288" r:id="rId22"/>
+    <p:sldId id="286" r:id="rId23"/>
+    <p:sldId id="274" r:id="rId24"/>
+    <p:sldId id="275" r:id="rId25"/>
+    <p:sldId id="258" r:id="rId26"/>
+    <p:sldId id="259" r:id="rId27"/>
+    <p:sldId id="293" r:id="rId28"/>
+    <p:sldId id="277" r:id="rId29"/>
+    <p:sldId id="278" r:id="rId30"/>
+    <p:sldId id="279" r:id="rId31"/>
+    <p:sldId id="280" r:id="rId32"/>
+    <p:sldId id="281" r:id="rId33"/>
+    <p:sldId id="282" r:id="rId34"/>
+    <p:sldId id="284" r:id="rId35"/>
+    <p:sldId id="283" r:id="rId36"/>
   </p:sldIdLst>
   <p:sldSz cx="12192000" cy="6858000"/>
   <p:notesSz cx="7010400" cy="9296400"/>
@@ -6483,6 +6484,97 @@
 </file>
 
 <file path=ppt/slides/slide12.xml><?xml version="1.0" encoding="utf-8"?>
+<p:sld xmlns:a="http://schemas.openxmlformats.org/drawingml/2006/main" xmlns:r="http://schemas.openxmlformats.org/officeDocument/2006/relationships" xmlns:p="http://schemas.openxmlformats.org/presentationml/2006/main">
+  <p:cSld>
+    <p:spTree>
+      <p:nvGrpSpPr>
+        <p:cNvPr id="1" name=""/>
+        <p:cNvGrpSpPr/>
+        <p:nvPr/>
+      </p:nvGrpSpPr>
+      <p:grpSpPr>
+        <a:xfrm>
+          <a:off x="0" y="0"/>
+          <a:ext cx="0" cy="0"/>
+          <a:chOff x="0" y="0"/>
+          <a:chExt cx="0" cy="0"/>
+        </a:xfrm>
+      </p:grpSpPr>
+      <p:sp>
+        <p:nvSpPr>
+          <p:cNvPr id="2" name="Title 1">
+            <a:extLst>
+              <a:ext uri="{FF2B5EF4-FFF2-40B4-BE49-F238E27FC236}">
+                <a16:creationId xmlns:a16="http://schemas.microsoft.com/office/drawing/2014/main" id="{703179F8-94BA-439C-9A66-4C38EB2E7E36}"/>
+              </a:ext>
+            </a:extLst>
+          </p:cNvPr>
+          <p:cNvSpPr>
+            <a:spLocks noGrp="1"/>
+          </p:cNvSpPr>
+          <p:nvPr>
+            <p:ph type="title"/>
+          </p:nvPr>
+        </p:nvSpPr>
+        <p:spPr/>
+        <p:txBody>
+          <a:bodyPr/>
+          <a:lstStyle/>
+          <a:p>
+            <a:r>
+              <a:rPr lang="en-US" b="1" u="sng" dirty="0"/>
+              <a:t>Team Level Correlation Matrix</a:t>
+            </a:r>
+            <a:endParaRPr lang="en-US" dirty="0"/>
+          </a:p>
+        </p:txBody>
+      </p:sp>
+      <p:pic>
+        <p:nvPicPr>
+          <p:cNvPr id="4" name="Content Placeholder 3">
+            <a:extLst>
+              <a:ext uri="{FF2B5EF4-FFF2-40B4-BE49-F238E27FC236}">
+                <a16:creationId xmlns:a16="http://schemas.microsoft.com/office/drawing/2014/main" id="{F4E73BD1-0C6F-4611-9F4A-412F3B3CDD9D}"/>
+              </a:ext>
+            </a:extLst>
+          </p:cNvPr>
+          <p:cNvPicPr>
+            <a:picLocks noGrp="1" noChangeAspect="1"/>
+          </p:cNvPicPr>
+          <p:nvPr>
+            <p:ph idx="1"/>
+          </p:nvPr>
+        </p:nvPicPr>
+        <p:blipFill>
+          <a:blip r:embed="rId2"/>
+          <a:stretch>
+            <a:fillRect/>
+          </a:stretch>
+        </p:blipFill>
+        <p:spPr>
+          <a:xfrm>
+            <a:off x="976544" y="2361460"/>
+            <a:ext cx="10227075" cy="3852909"/>
+          </a:xfrm>
+          <a:prstGeom prst="rect">
+            <a:avLst/>
+          </a:prstGeom>
+        </p:spPr>
+      </p:pic>
+    </p:spTree>
+    <p:extLst>
+      <p:ext uri="{BB962C8B-B14F-4D97-AF65-F5344CB8AC3E}">
+        <p14:creationId xmlns:p14="http://schemas.microsoft.com/office/powerpoint/2010/main" val="703752155"/>
+      </p:ext>
+    </p:extLst>
+  </p:cSld>
+  <p:clrMapOvr>
+    <a:masterClrMapping/>
+  </p:clrMapOvr>
+</p:sld>
+</file>
+
+<file path=ppt/slides/slide13.xml><?xml version="1.0" encoding="utf-8"?>
 <p:sld xmlns:a="http://schemas.openxmlformats.org/drawingml/2006/main" xmlns:r="http://schemas.openxmlformats.org/officeDocument/2006/relationships" xmlns:p="http://schemas.openxmlformats.org/presentationml/2006/main">
   <p:cSld>
     <p:spTree>
@@ -7196,7 +7288,7 @@
 </p:sld>
 </file>
 
-<file path=ppt/slides/slide13.xml><?xml version="1.0" encoding="utf-8"?>
+<file path=ppt/slides/slide14.xml><?xml version="1.0" encoding="utf-8"?>
 <p:sld xmlns:a="http://schemas.openxmlformats.org/drawingml/2006/main" xmlns:r="http://schemas.openxmlformats.org/officeDocument/2006/relationships" xmlns:p="http://schemas.openxmlformats.org/presentationml/2006/main">
   <p:cSld>
     <p:spTree>
@@ -7371,108 +7463,6 @@
 </p:sld>
 </file>
 
-<file path=ppt/slides/slide14.xml><?xml version="1.0" encoding="utf-8"?>
-<p:sld xmlns:a="http://schemas.openxmlformats.org/drawingml/2006/main" xmlns:r="http://schemas.openxmlformats.org/officeDocument/2006/relationships" xmlns:p="http://schemas.openxmlformats.org/presentationml/2006/main">
-  <p:cSld>
-    <p:spTree>
-      <p:nvGrpSpPr>
-        <p:cNvPr id="1" name=""/>
-        <p:cNvGrpSpPr/>
-        <p:nvPr/>
-      </p:nvGrpSpPr>
-      <p:grpSpPr>
-        <a:xfrm>
-          <a:off x="0" y="0"/>
-          <a:ext cx="0" cy="0"/>
-          <a:chOff x="0" y="0"/>
-          <a:chExt cx="0" cy="0"/>
-        </a:xfrm>
-      </p:grpSpPr>
-      <p:sp>
-        <p:nvSpPr>
-          <p:cNvPr id="2" name="Title 1">
-            <a:extLst>
-              <a:ext uri="{FF2B5EF4-FFF2-40B4-BE49-F238E27FC236}">
-                <a16:creationId xmlns:a16="http://schemas.microsoft.com/office/drawing/2014/main" id="{35138DC8-DDBA-425C-93B4-CFB3B0FF9584}"/>
-              </a:ext>
-            </a:extLst>
-          </p:cNvPr>
-          <p:cNvSpPr>
-            <a:spLocks noGrp="1"/>
-          </p:cNvSpPr>
-          <p:nvPr>
-            <p:ph type="title"/>
-          </p:nvPr>
-        </p:nvSpPr>
-        <p:spPr/>
-        <p:txBody>
-          <a:bodyPr/>
-          <a:lstStyle/>
-          <a:p>
-            <a:pPr algn="ctr"/>
-            <a:r>
-              <a:rPr lang="en-US" b="1" u="sng" dirty="0"/>
-              <a:t>Team Record Conclusions</a:t>
-            </a:r>
-          </a:p>
-        </p:txBody>
-      </p:sp>
-      <p:sp>
-        <p:nvSpPr>
-          <p:cNvPr id="3" name="Content Placeholder 2">
-            <a:extLst>
-              <a:ext uri="{FF2B5EF4-FFF2-40B4-BE49-F238E27FC236}">
-                <a16:creationId xmlns:a16="http://schemas.microsoft.com/office/drawing/2014/main" id="{8F0BA8FB-57A7-4B90-8B6D-391005D42F3A}"/>
-              </a:ext>
-            </a:extLst>
-          </p:cNvPr>
-          <p:cNvSpPr>
-            <a:spLocks noGrp="1"/>
-          </p:cNvSpPr>
-          <p:nvPr>
-            <p:ph idx="1"/>
-          </p:nvPr>
-        </p:nvSpPr>
-        <p:spPr/>
-        <p:txBody>
-          <a:bodyPr/>
-          <a:lstStyle/>
-          <a:p>
-            <a:r>
-              <a:rPr lang="en-US" dirty="0"/>
-              <a:t>At a correlation of 0.47, there appears to be only a moderate correlation between win/ loss percentage and attendance.</a:t>
-            </a:r>
-          </a:p>
-          <a:p>
-            <a:r>
-              <a:rPr lang="en-US" dirty="0"/>
-              <a:t>With that said, the biggest outliers as far as highest winning percentages tend to have the highest number of attendees per game.</a:t>
-            </a:r>
-          </a:p>
-          <a:p>
-            <a:r>
-              <a:rPr lang="en-US" dirty="0"/>
-              <a:t>The New York Yankees have the highest average attendance per game at circa 45,384 attendees per game and the highest win percentage at circa 57% over the course of the 10 year period.</a:t>
-            </a:r>
-          </a:p>
-          <a:p>
-            <a:endParaRPr lang="en-US" dirty="0"/>
-          </a:p>
-        </p:txBody>
-      </p:sp>
-    </p:spTree>
-    <p:extLst>
-      <p:ext uri="{BB962C8B-B14F-4D97-AF65-F5344CB8AC3E}">
-        <p14:creationId xmlns:p14="http://schemas.microsoft.com/office/powerpoint/2010/main" val="1559940916"/>
-      </p:ext>
-    </p:extLst>
-  </p:cSld>
-  <p:clrMapOvr>
-    <a:masterClrMapping/>
-  </p:clrMapOvr>
-</p:sld>
-</file>
-
 <file path=ppt/slides/slide15.xml><?xml version="1.0" encoding="utf-8"?>
 <p:sld xmlns:a="http://schemas.openxmlformats.org/drawingml/2006/main" xmlns:r="http://schemas.openxmlformats.org/officeDocument/2006/relationships" xmlns:p="http://schemas.openxmlformats.org/presentationml/2006/main">
   <p:cSld>
@@ -7495,7 +7485,7 @@
           <p:cNvPr id="2" name="Title 1">
             <a:extLst>
               <a:ext uri="{FF2B5EF4-FFF2-40B4-BE49-F238E27FC236}">
-                <a16:creationId xmlns:a16="http://schemas.microsoft.com/office/drawing/2014/main" id="{0214935C-7964-4973-8F67-264E9EE3CDAD}"/>
+                <a16:creationId xmlns:a16="http://schemas.microsoft.com/office/drawing/2014/main" id="{35138DC8-DDBA-425C-93B4-CFB3B0FF9584}"/>
               </a:ext>
             </a:extLst>
           </p:cNvPr>
@@ -7514,7 +7504,7 @@
             <a:pPr algn="ctr"/>
             <a:r>
               <a:rPr lang="en-US" b="1" u="sng" dirty="0"/>
-              <a:t>Considerations</a:t>
+              <a:t>Team Record Conclusions</a:t>
             </a:r>
           </a:p>
         </p:txBody>
@@ -7524,7 +7514,7 @@
           <p:cNvPr id="3" name="Content Placeholder 2">
             <a:extLst>
               <a:ext uri="{FF2B5EF4-FFF2-40B4-BE49-F238E27FC236}">
-                <a16:creationId xmlns:a16="http://schemas.microsoft.com/office/drawing/2014/main" id="{DF94E646-6B9A-41B3-94F4-1F2BA2DA3CDF}"/>
+                <a16:creationId xmlns:a16="http://schemas.microsoft.com/office/drawing/2014/main" id="{8F0BA8FB-57A7-4B90-8B6D-391005D42F3A}"/>
               </a:ext>
             </a:extLst>
           </p:cNvPr>
@@ -7537,34 +7527,35 @@
         </p:nvSpPr>
         <p:spPr/>
         <p:txBody>
-          <a:bodyPr>
-            <a:normAutofit fontScale="92500" lnSpcReduction="10000"/>
-          </a:bodyPr>
+          <a:bodyPr/>
           <a:lstStyle/>
           <a:p>
             <a:r>
               <a:rPr lang="en-US" dirty="0"/>
-              <a:t>Overall, even though we exhibit a moderate correlation of 0.47 for attendance vs. record, the data does not necessarily convey a overly strong and/ or causal relationship between the two factors.</a:t>
+              <a:t>At a correlation of 0.47, there appears to be only a moderate correlation between win/ loss percentage and attendance.</a:t>
             </a:r>
           </a:p>
           <a:p>
             <a:r>
               <a:rPr lang="en-US" dirty="0"/>
-              <a:t>One has to also account for the “bandwagon effect” where the better a team does over the course of the season, the more people might be interested in buying tickets and attending games.</a:t>
+              <a:t>With that said, the biggest outliers as far as highest winning percentages tend to have the highest number of attendees per game.</a:t>
             </a:r>
           </a:p>
           <a:p>
             <a:r>
               <a:rPr lang="en-US" dirty="0"/>
-              <a:t>There are teams with “any weather” fans, such as the Chicago Cubs, that do have an overall win percentage of less than 50% but still rank higher overall in the attendance metrics in comparison to the overall data set.</a:t>
-            </a:r>
+              <a:t>The New York Yankees have the highest average attendance per game at circa 45,384 attendees per game and the highest win percentage at circa 57% over the course of the 10 year period.</a:t>
+            </a:r>
+          </a:p>
+          <a:p>
+            <a:endParaRPr lang="en-US" dirty="0"/>
           </a:p>
         </p:txBody>
       </p:sp>
     </p:spTree>
     <p:extLst>
       <p:ext uri="{BB962C8B-B14F-4D97-AF65-F5344CB8AC3E}">
-        <p14:creationId xmlns:p14="http://schemas.microsoft.com/office/powerpoint/2010/main" val="127967698"/>
+        <p14:creationId xmlns:p14="http://schemas.microsoft.com/office/powerpoint/2010/main" val="1559940916"/>
       </p:ext>
     </p:extLst>
   </p:cSld>
@@ -7596,6 +7587,107 @@
           <p:cNvPr id="2" name="Title 1">
             <a:extLst>
               <a:ext uri="{FF2B5EF4-FFF2-40B4-BE49-F238E27FC236}">
+                <a16:creationId xmlns:a16="http://schemas.microsoft.com/office/drawing/2014/main" id="{0214935C-7964-4973-8F67-264E9EE3CDAD}"/>
+              </a:ext>
+            </a:extLst>
+          </p:cNvPr>
+          <p:cNvSpPr>
+            <a:spLocks noGrp="1"/>
+          </p:cNvSpPr>
+          <p:nvPr>
+            <p:ph type="title"/>
+          </p:nvPr>
+        </p:nvSpPr>
+        <p:spPr/>
+        <p:txBody>
+          <a:bodyPr/>
+          <a:lstStyle/>
+          <a:p>
+            <a:pPr algn="ctr"/>
+            <a:r>
+              <a:rPr lang="en-US" b="1" u="sng" dirty="0"/>
+              <a:t>Considerations</a:t>
+            </a:r>
+          </a:p>
+        </p:txBody>
+      </p:sp>
+      <p:sp>
+        <p:nvSpPr>
+          <p:cNvPr id="3" name="Content Placeholder 2">
+            <a:extLst>
+              <a:ext uri="{FF2B5EF4-FFF2-40B4-BE49-F238E27FC236}">
+                <a16:creationId xmlns:a16="http://schemas.microsoft.com/office/drawing/2014/main" id="{DF94E646-6B9A-41B3-94F4-1F2BA2DA3CDF}"/>
+              </a:ext>
+            </a:extLst>
+          </p:cNvPr>
+          <p:cNvSpPr>
+            <a:spLocks noGrp="1"/>
+          </p:cNvSpPr>
+          <p:nvPr>
+            <p:ph idx="1"/>
+          </p:nvPr>
+        </p:nvSpPr>
+        <p:spPr/>
+        <p:txBody>
+          <a:bodyPr>
+            <a:normAutofit fontScale="92500" lnSpcReduction="10000"/>
+          </a:bodyPr>
+          <a:lstStyle/>
+          <a:p>
+            <a:r>
+              <a:rPr lang="en-US" dirty="0"/>
+              <a:t>Overall, even though we exhibit a moderate correlation of 0.47 for attendance vs. record, the data does not necessarily convey a overly strong and/ or causal relationship between the two factors.</a:t>
+            </a:r>
+          </a:p>
+          <a:p>
+            <a:r>
+              <a:rPr lang="en-US" dirty="0"/>
+              <a:t>One has to also account for the “bandwagon effect” where the better a team does over the course of the season, the more people might be interested in buying tickets and attending games.</a:t>
+            </a:r>
+          </a:p>
+          <a:p>
+            <a:r>
+              <a:rPr lang="en-US" dirty="0"/>
+              <a:t>There are teams with “any weather” fans, such as the Chicago Cubs, that do have an overall win percentage of less than 50% but still rank higher overall in the attendance metrics in comparison to the overall data set.</a:t>
+            </a:r>
+          </a:p>
+        </p:txBody>
+      </p:sp>
+    </p:spTree>
+    <p:extLst>
+      <p:ext uri="{BB962C8B-B14F-4D97-AF65-F5344CB8AC3E}">
+        <p14:creationId xmlns:p14="http://schemas.microsoft.com/office/powerpoint/2010/main" val="127967698"/>
+      </p:ext>
+    </p:extLst>
+  </p:cSld>
+  <p:clrMapOvr>
+    <a:masterClrMapping/>
+  </p:clrMapOvr>
+</p:sld>
+</file>
+
+<file path=ppt/slides/slide17.xml><?xml version="1.0" encoding="utf-8"?>
+<p:sld xmlns:a="http://schemas.openxmlformats.org/drawingml/2006/main" xmlns:r="http://schemas.openxmlformats.org/officeDocument/2006/relationships" xmlns:p="http://schemas.openxmlformats.org/presentationml/2006/main">
+  <p:cSld>
+    <p:spTree>
+      <p:nvGrpSpPr>
+        <p:cNvPr id="1" name=""/>
+        <p:cNvGrpSpPr/>
+        <p:nvPr/>
+      </p:nvGrpSpPr>
+      <p:grpSpPr>
+        <a:xfrm>
+          <a:off x="0" y="0"/>
+          <a:ext cx="0" cy="0"/>
+          <a:chOff x="0" y="0"/>
+          <a:chExt cx="0" cy="0"/>
+        </a:xfrm>
+      </p:grpSpPr>
+      <p:sp>
+        <p:nvSpPr>
+          <p:cNvPr id="2" name="Title 1">
+            <a:extLst>
+              <a:ext uri="{FF2B5EF4-FFF2-40B4-BE49-F238E27FC236}">
                 <a16:creationId xmlns:a16="http://schemas.microsoft.com/office/drawing/2014/main" id="{91FF6C4A-F2C8-49FA-9AEA-DD7267F7FFF5}"/>
               </a:ext>
             </a:extLst>
@@ -7663,7 +7755,7 @@
 </p:sld>
 </file>
 
-<file path=ppt/slides/slide17.xml><?xml version="1.0" encoding="utf-8"?>
+<file path=ppt/slides/slide18.xml><?xml version="1.0" encoding="utf-8"?>
 <p:sld xmlns:a="http://schemas.openxmlformats.org/drawingml/2006/main" xmlns:r="http://schemas.openxmlformats.org/officeDocument/2006/relationships" xmlns:p="http://schemas.openxmlformats.org/presentationml/2006/main">
   <p:cSld>
     <p:spTree>
@@ -7802,7 +7894,7 @@
 </p:sld>
 </file>
 
-<file path=ppt/slides/slide18.xml><?xml version="1.0" encoding="utf-8"?>
+<file path=ppt/slides/slide19.xml><?xml version="1.0" encoding="utf-8"?>
 <p:sld xmlns:a="http://schemas.openxmlformats.org/drawingml/2006/main" xmlns:r="http://schemas.openxmlformats.org/officeDocument/2006/relationships" xmlns:p="http://schemas.openxmlformats.org/presentationml/2006/main">
   <p:cSld>
     <p:spTree>
@@ -7868,7 +7960,130 @@
 </p:sld>
 </file>
 
-<file path=ppt/slides/slide19.xml><?xml version="1.0" encoding="utf-8"?>
+<file path=ppt/slides/slide2.xml><?xml version="1.0" encoding="utf-8"?>
+<p:sld xmlns:a="http://schemas.openxmlformats.org/drawingml/2006/main" xmlns:r="http://schemas.openxmlformats.org/officeDocument/2006/relationships" xmlns:p="http://schemas.openxmlformats.org/presentationml/2006/main">
+  <p:cSld>
+    <p:spTree>
+      <p:nvGrpSpPr>
+        <p:cNvPr id="1" name=""/>
+        <p:cNvGrpSpPr/>
+        <p:nvPr/>
+      </p:nvGrpSpPr>
+      <p:grpSpPr>
+        <a:xfrm>
+          <a:off x="0" y="0"/>
+          <a:ext cx="0" cy="0"/>
+          <a:chOff x="0" y="0"/>
+          <a:chExt cx="0" cy="0"/>
+        </a:xfrm>
+      </p:grpSpPr>
+      <p:sp>
+        <p:nvSpPr>
+          <p:cNvPr id="2" name="Title 1">
+            <a:extLst>
+              <a:ext uri="{FF2B5EF4-FFF2-40B4-BE49-F238E27FC236}">
+                <a16:creationId xmlns:a16="http://schemas.microsoft.com/office/drawing/2014/main" id="{24DD1665-CBAA-49EF-B2F8-FC9038D68E52}"/>
+              </a:ext>
+            </a:extLst>
+          </p:cNvPr>
+          <p:cNvSpPr>
+            <a:spLocks noGrp="1"/>
+          </p:cNvSpPr>
+          <p:nvPr>
+            <p:ph type="title"/>
+          </p:nvPr>
+        </p:nvSpPr>
+        <p:spPr/>
+        <p:txBody>
+          <a:bodyPr/>
+          <a:lstStyle/>
+          <a:p>
+            <a:r>
+              <a:rPr lang="en-US" dirty="0"/>
+              <a:t>What we are analyzing…</a:t>
+            </a:r>
+          </a:p>
+        </p:txBody>
+      </p:sp>
+      <p:sp>
+        <p:nvSpPr>
+          <p:cNvPr id="3" name="Content Placeholder 2">
+            <a:extLst>
+              <a:ext uri="{FF2B5EF4-FFF2-40B4-BE49-F238E27FC236}">
+                <a16:creationId xmlns:a16="http://schemas.microsoft.com/office/drawing/2014/main" id="{1B16A0FC-FC9F-4D42-8DD6-85831D64359D}"/>
+              </a:ext>
+            </a:extLst>
+          </p:cNvPr>
+          <p:cNvSpPr>
+            <a:spLocks noGrp="1"/>
+          </p:cNvSpPr>
+          <p:nvPr>
+            <p:ph idx="1"/>
+          </p:nvPr>
+        </p:nvSpPr>
+        <p:spPr/>
+        <p:txBody>
+          <a:bodyPr/>
+          <a:lstStyle/>
+          <a:p>
+            <a:pPr marL="457200" indent="-457200">
+              <a:buFont typeface="+mj-lt"/>
+              <a:buAutoNum type="arabicPeriod"/>
+            </a:pPr>
+            <a:r>
+              <a:rPr lang="en-US" dirty="0"/>
+              <a:t>Attendance vs. Record</a:t>
+            </a:r>
+          </a:p>
+          <a:p>
+            <a:pPr marL="457200" indent="-457200">
+              <a:buFont typeface="+mj-lt"/>
+              <a:buAutoNum type="arabicPeriod"/>
+            </a:pPr>
+            <a:r>
+              <a:rPr lang="en-US" dirty="0"/>
+              <a:t>Attendance vs. Salary</a:t>
+            </a:r>
+          </a:p>
+          <a:p>
+            <a:pPr marL="457200" indent="-457200">
+              <a:buFont typeface="+mj-lt"/>
+              <a:buAutoNum type="arabicPeriod"/>
+            </a:pPr>
+            <a:r>
+              <a:rPr lang="en-US" dirty="0"/>
+              <a:t>Attendance vs. Weather</a:t>
+            </a:r>
+          </a:p>
+          <a:p>
+            <a:pPr marL="457200" indent="-457200">
+              <a:buFont typeface="+mj-lt"/>
+              <a:buAutoNum type="arabicPeriod"/>
+            </a:pPr>
+            <a:r>
+              <a:rPr lang="en-US" dirty="0"/>
+              <a:t>Attendance vs. Population</a:t>
+            </a:r>
+          </a:p>
+          <a:p>
+            <a:endParaRPr lang="en-US" dirty="0"/>
+          </a:p>
+        </p:txBody>
+      </p:sp>
+    </p:spTree>
+    <p:extLst>
+      <p:ext uri="{BB962C8B-B14F-4D97-AF65-F5344CB8AC3E}">
+        <p14:creationId xmlns:p14="http://schemas.microsoft.com/office/powerpoint/2010/main" val="4104559821"/>
+      </p:ext>
+    </p:extLst>
+  </p:cSld>
+  <p:clrMapOvr>
+    <a:masterClrMapping/>
+  </p:clrMapOvr>
+</p:sld>
+</file>
+
+<file path=ppt/slides/slide20.xml><?xml version="1.0" encoding="utf-8"?>
 <p:sld xmlns:a="http://schemas.openxmlformats.org/drawingml/2006/main" xmlns:r="http://schemas.openxmlformats.org/officeDocument/2006/relationships" xmlns:p="http://schemas.openxmlformats.org/presentationml/2006/main">
   <p:cSld>
     <p:spTree>
@@ -7934,229 +8149,6 @@
 </p:sld>
 </file>
 
-<file path=ppt/slides/slide2.xml><?xml version="1.0" encoding="utf-8"?>
-<p:sld xmlns:a="http://schemas.openxmlformats.org/drawingml/2006/main" xmlns:r="http://schemas.openxmlformats.org/officeDocument/2006/relationships" xmlns:p="http://schemas.openxmlformats.org/presentationml/2006/main">
-  <p:cSld>
-    <p:spTree>
-      <p:nvGrpSpPr>
-        <p:cNvPr id="1" name=""/>
-        <p:cNvGrpSpPr/>
-        <p:nvPr/>
-      </p:nvGrpSpPr>
-      <p:grpSpPr>
-        <a:xfrm>
-          <a:off x="0" y="0"/>
-          <a:ext cx="0" cy="0"/>
-          <a:chOff x="0" y="0"/>
-          <a:chExt cx="0" cy="0"/>
-        </a:xfrm>
-      </p:grpSpPr>
-      <p:sp>
-        <p:nvSpPr>
-          <p:cNvPr id="2" name="Title 1">
-            <a:extLst>
-              <a:ext uri="{FF2B5EF4-FFF2-40B4-BE49-F238E27FC236}">
-                <a16:creationId xmlns:a16="http://schemas.microsoft.com/office/drawing/2014/main" id="{24DD1665-CBAA-49EF-B2F8-FC9038D68E52}"/>
-              </a:ext>
-            </a:extLst>
-          </p:cNvPr>
-          <p:cNvSpPr>
-            <a:spLocks noGrp="1"/>
-          </p:cNvSpPr>
-          <p:nvPr>
-            <p:ph type="title"/>
-          </p:nvPr>
-        </p:nvSpPr>
-        <p:spPr/>
-        <p:txBody>
-          <a:bodyPr/>
-          <a:lstStyle/>
-          <a:p>
-            <a:r>
-              <a:rPr lang="en-US" dirty="0"/>
-              <a:t>What we are analyzing…</a:t>
-            </a:r>
-          </a:p>
-        </p:txBody>
-      </p:sp>
-      <p:sp>
-        <p:nvSpPr>
-          <p:cNvPr id="3" name="Content Placeholder 2">
-            <a:extLst>
-              <a:ext uri="{FF2B5EF4-FFF2-40B4-BE49-F238E27FC236}">
-                <a16:creationId xmlns:a16="http://schemas.microsoft.com/office/drawing/2014/main" id="{1B16A0FC-FC9F-4D42-8DD6-85831D64359D}"/>
-              </a:ext>
-            </a:extLst>
-          </p:cNvPr>
-          <p:cNvSpPr>
-            <a:spLocks noGrp="1"/>
-          </p:cNvSpPr>
-          <p:nvPr>
-            <p:ph idx="1"/>
-          </p:nvPr>
-        </p:nvSpPr>
-        <p:spPr/>
-        <p:txBody>
-          <a:bodyPr/>
-          <a:lstStyle/>
-          <a:p>
-            <a:pPr marL="457200" indent="-457200">
-              <a:buFont typeface="+mj-lt"/>
-              <a:buAutoNum type="arabicPeriod"/>
-            </a:pPr>
-            <a:r>
-              <a:rPr lang="en-US" dirty="0"/>
-              <a:t>Attendance vs. Record</a:t>
-            </a:r>
-          </a:p>
-          <a:p>
-            <a:pPr marL="457200" indent="-457200">
-              <a:buFont typeface="+mj-lt"/>
-              <a:buAutoNum type="arabicPeriod"/>
-            </a:pPr>
-            <a:r>
-              <a:rPr lang="en-US" dirty="0"/>
-              <a:t>Attendance vs. Salary</a:t>
-            </a:r>
-          </a:p>
-          <a:p>
-            <a:pPr marL="457200" indent="-457200">
-              <a:buFont typeface="+mj-lt"/>
-              <a:buAutoNum type="arabicPeriod"/>
-            </a:pPr>
-            <a:r>
-              <a:rPr lang="en-US" dirty="0"/>
-              <a:t>Attendance vs. Weather</a:t>
-            </a:r>
-          </a:p>
-          <a:p>
-            <a:pPr marL="457200" indent="-457200">
-              <a:buFont typeface="+mj-lt"/>
-              <a:buAutoNum type="arabicPeriod"/>
-            </a:pPr>
-            <a:r>
-              <a:rPr lang="en-US" dirty="0"/>
-              <a:t>Attendance vs. Population</a:t>
-            </a:r>
-          </a:p>
-          <a:p>
-            <a:endParaRPr lang="en-US" dirty="0"/>
-          </a:p>
-        </p:txBody>
-      </p:sp>
-    </p:spTree>
-    <p:extLst>
-      <p:ext uri="{BB962C8B-B14F-4D97-AF65-F5344CB8AC3E}">
-        <p14:creationId xmlns:p14="http://schemas.microsoft.com/office/powerpoint/2010/main" val="4104559821"/>
-      </p:ext>
-    </p:extLst>
-  </p:cSld>
-  <p:clrMapOvr>
-    <a:masterClrMapping/>
-  </p:clrMapOvr>
-</p:sld>
-</file>
-
-<file path=ppt/slides/slide20.xml><?xml version="1.0" encoding="utf-8"?>
-<p:sld xmlns:a="http://schemas.openxmlformats.org/drawingml/2006/main" xmlns:r="http://schemas.openxmlformats.org/officeDocument/2006/relationships" xmlns:p="http://schemas.openxmlformats.org/presentationml/2006/main">
-  <p:cSld>
-    <p:spTree>
-      <p:nvGrpSpPr>
-        <p:cNvPr id="1" name=""/>
-        <p:cNvGrpSpPr/>
-        <p:nvPr/>
-      </p:nvGrpSpPr>
-      <p:grpSpPr>
-        <a:xfrm>
-          <a:off x="0" y="0"/>
-          <a:ext cx="0" cy="0"/>
-          <a:chOff x="0" y="0"/>
-          <a:chExt cx="0" cy="0"/>
-        </a:xfrm>
-      </p:grpSpPr>
-      <p:sp>
-        <p:nvSpPr>
-          <p:cNvPr id="2" name="Title 1">
-            <a:extLst>
-              <a:ext uri="{FF2B5EF4-FFF2-40B4-BE49-F238E27FC236}">
-                <a16:creationId xmlns:a16="http://schemas.microsoft.com/office/drawing/2014/main" id="{7AFCE98D-A7FA-4804-840D-461299883694}"/>
-              </a:ext>
-            </a:extLst>
-          </p:cNvPr>
-          <p:cNvSpPr>
-            <a:spLocks noGrp="1"/>
-          </p:cNvSpPr>
-          <p:nvPr>
-            <p:ph type="title"/>
-          </p:nvPr>
-        </p:nvSpPr>
-        <p:spPr/>
-        <p:txBody>
-          <a:bodyPr>
-            <a:normAutofit/>
-          </a:bodyPr>
-          <a:lstStyle/>
-          <a:p>
-            <a:r>
-              <a:rPr lang="en-US" dirty="0"/>
-              <a:t>Conclusions</a:t>
-            </a:r>
-          </a:p>
-        </p:txBody>
-      </p:sp>
-      <p:sp>
-        <p:nvSpPr>
-          <p:cNvPr id="3" name="Content Placeholder 2">
-            <a:extLst>
-              <a:ext uri="{FF2B5EF4-FFF2-40B4-BE49-F238E27FC236}">
-                <a16:creationId xmlns:a16="http://schemas.microsoft.com/office/drawing/2014/main" id="{CFB58759-17B5-4A3D-91BB-81EFBC216915}"/>
-              </a:ext>
-            </a:extLst>
-          </p:cNvPr>
-          <p:cNvSpPr>
-            <a:spLocks noGrp="1"/>
-          </p:cNvSpPr>
-          <p:nvPr>
-            <p:ph idx="1"/>
-          </p:nvPr>
-        </p:nvSpPr>
-        <p:spPr/>
-        <p:txBody>
-          <a:bodyPr/>
-          <a:lstStyle/>
-          <a:p>
-            <a:r>
-              <a:rPr lang="en-US" dirty="0"/>
-              <a:t>There is a strong (.81) correlation between team payroll and ticket sales.</a:t>
-            </a:r>
-          </a:p>
-          <a:p>
-            <a:r>
-              <a:rPr lang="en-US" dirty="0"/>
-              <a:t>This is probably telling us that teams which sell many tickets have more funds available to spend on payroll.</a:t>
-            </a:r>
-          </a:p>
-          <a:p>
-            <a:r>
-              <a:rPr lang="en-US" dirty="0"/>
-              <a:t>There are however some outliers.  For example, the Yankees spent 2.14x what the average team spent during this period compared to the Cardinals who spend 1.09x the average, but the Cardinals sold 92% of the tickets that the Yankees sold during this period. </a:t>
-            </a:r>
-          </a:p>
-        </p:txBody>
-      </p:sp>
-    </p:spTree>
-    <p:extLst>
-      <p:ext uri="{BB962C8B-B14F-4D97-AF65-F5344CB8AC3E}">
-        <p14:creationId xmlns:p14="http://schemas.microsoft.com/office/powerpoint/2010/main" val="1435624588"/>
-      </p:ext>
-    </p:extLst>
-  </p:cSld>
-  <p:clrMapOvr>
-    <a:masterClrMapping/>
-  </p:clrMapOvr>
-</p:sld>
-</file>
-
 <file path=ppt/slides/slide21.xml><?xml version="1.0" encoding="utf-8"?>
 <p:sld xmlns:a="http://schemas.openxmlformats.org/drawingml/2006/main" xmlns:r="http://schemas.openxmlformats.org/officeDocument/2006/relationships" xmlns:p="http://schemas.openxmlformats.org/presentationml/2006/main">
   <p:cSld>
@@ -8179,7 +8171,7 @@
           <p:cNvPr id="2" name="Title 1">
             <a:extLst>
               <a:ext uri="{FF2B5EF4-FFF2-40B4-BE49-F238E27FC236}">
-                <a16:creationId xmlns:a16="http://schemas.microsoft.com/office/drawing/2014/main" id="{AC5184F9-DEE3-47D7-B3AB-4F6E8D9DA043}"/>
+                <a16:creationId xmlns:a16="http://schemas.microsoft.com/office/drawing/2014/main" id="{7AFCE98D-A7FA-4804-840D-461299883694}"/>
               </a:ext>
             </a:extLst>
           </p:cNvPr>
@@ -8192,12 +8184,14 @@
         </p:nvSpPr>
         <p:spPr/>
         <p:txBody>
-          <a:bodyPr/>
+          <a:bodyPr>
+            <a:normAutofit/>
+          </a:bodyPr>
           <a:lstStyle/>
           <a:p>
             <a:r>
               <a:rPr lang="en-US" dirty="0"/>
-              <a:t>Considerations</a:t>
+              <a:t>Conclusions</a:t>
             </a:r>
           </a:p>
         </p:txBody>
@@ -8207,7 +8201,7 @@
           <p:cNvPr id="3" name="Content Placeholder 2">
             <a:extLst>
               <a:ext uri="{FF2B5EF4-FFF2-40B4-BE49-F238E27FC236}">
-                <a16:creationId xmlns:a16="http://schemas.microsoft.com/office/drawing/2014/main" id="{040AC088-00A8-4178-8FAB-6F5D21661E64}"/>
+                <a16:creationId xmlns:a16="http://schemas.microsoft.com/office/drawing/2014/main" id="{CFB58759-17B5-4A3D-91BB-81EFBC216915}"/>
               </a:ext>
             </a:extLst>
           </p:cNvPr>
@@ -8225,7 +8219,19 @@
           <a:p>
             <a:r>
               <a:rPr lang="en-US" dirty="0"/>
-              <a:t>Four teams were not used in this data set (FLA, MIA, TBR, and TBD) due to incomplete data across the ten year span</a:t>
+              <a:t>There is a strong (.81) correlation between team payroll and ticket sales.</a:t>
+            </a:r>
+          </a:p>
+          <a:p>
+            <a:r>
+              <a:rPr lang="en-US" dirty="0"/>
+              <a:t>This is probably telling us that teams which sell many tickets have more funds available to spend on payroll.</a:t>
+            </a:r>
+          </a:p>
+          <a:p>
+            <a:r>
+              <a:rPr lang="en-US" dirty="0"/>
+              <a:t>There are however some outliers.  For example, the Yankees spent 2.14x what the average team spent during this period compared to the Cardinals who spend 1.09x the average, but the Cardinals sold 92% of the tickets that the Yankees sold during this period. </a:t>
             </a:r>
           </a:p>
         </p:txBody>
@@ -8233,7 +8239,7 @@
     </p:spTree>
     <p:extLst>
       <p:ext uri="{BB962C8B-B14F-4D97-AF65-F5344CB8AC3E}">
-        <p14:creationId xmlns:p14="http://schemas.microsoft.com/office/powerpoint/2010/main" val="3580677403"/>
+        <p14:creationId xmlns:p14="http://schemas.microsoft.com/office/powerpoint/2010/main" val="1435624588"/>
       </p:ext>
     </p:extLst>
   </p:cSld>
@@ -8262,6 +8268,92 @@
       </p:grpSpPr>
       <p:sp>
         <p:nvSpPr>
+          <p:cNvPr id="2" name="Title 1">
+            <a:extLst>
+              <a:ext uri="{FF2B5EF4-FFF2-40B4-BE49-F238E27FC236}">
+                <a16:creationId xmlns:a16="http://schemas.microsoft.com/office/drawing/2014/main" id="{AC5184F9-DEE3-47D7-B3AB-4F6E8D9DA043}"/>
+              </a:ext>
+            </a:extLst>
+          </p:cNvPr>
+          <p:cNvSpPr>
+            <a:spLocks noGrp="1"/>
+          </p:cNvSpPr>
+          <p:nvPr>
+            <p:ph type="title"/>
+          </p:nvPr>
+        </p:nvSpPr>
+        <p:spPr/>
+        <p:txBody>
+          <a:bodyPr/>
+          <a:lstStyle/>
+          <a:p>
+            <a:r>
+              <a:rPr lang="en-US" dirty="0"/>
+              <a:t>Considerations</a:t>
+            </a:r>
+          </a:p>
+        </p:txBody>
+      </p:sp>
+      <p:sp>
+        <p:nvSpPr>
+          <p:cNvPr id="3" name="Content Placeholder 2">
+            <a:extLst>
+              <a:ext uri="{FF2B5EF4-FFF2-40B4-BE49-F238E27FC236}">
+                <a16:creationId xmlns:a16="http://schemas.microsoft.com/office/drawing/2014/main" id="{040AC088-00A8-4178-8FAB-6F5D21661E64}"/>
+              </a:ext>
+            </a:extLst>
+          </p:cNvPr>
+          <p:cNvSpPr>
+            <a:spLocks noGrp="1"/>
+          </p:cNvSpPr>
+          <p:nvPr>
+            <p:ph idx="1"/>
+          </p:nvPr>
+        </p:nvSpPr>
+        <p:spPr/>
+        <p:txBody>
+          <a:bodyPr/>
+          <a:lstStyle/>
+          <a:p>
+            <a:r>
+              <a:rPr lang="en-US" dirty="0"/>
+              <a:t>Four teams were not used in this data set (FLA, MIA, TBR, and TBD) due to incomplete data across the ten year span</a:t>
+            </a:r>
+          </a:p>
+        </p:txBody>
+      </p:sp>
+    </p:spTree>
+    <p:extLst>
+      <p:ext uri="{BB962C8B-B14F-4D97-AF65-F5344CB8AC3E}">
+        <p14:creationId xmlns:p14="http://schemas.microsoft.com/office/powerpoint/2010/main" val="3580677403"/>
+      </p:ext>
+    </p:extLst>
+  </p:cSld>
+  <p:clrMapOvr>
+    <a:masterClrMapping/>
+  </p:clrMapOvr>
+</p:sld>
+</file>
+
+<file path=ppt/slides/slide23.xml><?xml version="1.0" encoding="utf-8"?>
+<p:sld xmlns:a="http://schemas.openxmlformats.org/drawingml/2006/main" xmlns:r="http://schemas.openxmlformats.org/officeDocument/2006/relationships" xmlns:p="http://schemas.openxmlformats.org/presentationml/2006/main">
+  <p:cSld>
+    <p:spTree>
+      <p:nvGrpSpPr>
+        <p:cNvPr id="1" name=""/>
+        <p:cNvGrpSpPr/>
+        <p:nvPr/>
+      </p:nvGrpSpPr>
+      <p:grpSpPr>
+        <a:xfrm>
+          <a:off x="0" y="0"/>
+          <a:ext cx="0" cy="0"/>
+          <a:chOff x="0" y="0"/>
+          <a:chExt cx="0" cy="0"/>
+        </a:xfrm>
+      </p:grpSpPr>
+      <p:sp>
+        <p:nvSpPr>
           <p:cNvPr id="2" name="Title 1"/>
           <p:cNvSpPr>
             <a:spLocks noGrp="1"/>
@@ -8322,7 +8414,7 @@
 </p:sld>
 </file>
 
-<file path=ppt/slides/slide23.xml><?xml version="1.0" encoding="utf-8"?>
+<file path=ppt/slides/slide24.xml><?xml version="1.0" encoding="utf-8"?>
 <p:sld xmlns:a="http://schemas.openxmlformats.org/drawingml/2006/main" xmlns:r="http://schemas.openxmlformats.org/officeDocument/2006/relationships" xmlns:p="http://schemas.openxmlformats.org/presentationml/2006/main">
   <p:cSld>
     <p:spTree>
@@ -8640,7 +8732,7 @@
 </p:sld>
 </file>
 
-<file path=ppt/slides/slide24.xml><?xml version="1.0" encoding="utf-8"?>
+<file path=ppt/slides/slide25.xml><?xml version="1.0" encoding="utf-8"?>
 <p:sld xmlns:a="http://schemas.openxmlformats.org/drawingml/2006/main" xmlns:r="http://schemas.openxmlformats.org/officeDocument/2006/relationships" xmlns:p="http://schemas.openxmlformats.org/presentationml/2006/main">
   <p:cSld>
     <p:spTree>
@@ -8773,100 +8865,6 @@
 </p:sld>
 </file>
 
-<file path=ppt/slides/slide25.xml><?xml version="1.0" encoding="utf-8"?>
-<p:sld xmlns:a="http://schemas.openxmlformats.org/drawingml/2006/main" xmlns:r="http://schemas.openxmlformats.org/officeDocument/2006/relationships" xmlns:p="http://schemas.openxmlformats.org/presentationml/2006/main">
-  <p:cSld>
-    <p:spTree>
-      <p:nvGrpSpPr>
-        <p:cNvPr id="1" name=""/>
-        <p:cNvGrpSpPr/>
-        <p:nvPr/>
-      </p:nvGrpSpPr>
-      <p:grpSpPr>
-        <a:xfrm>
-          <a:off x="0" y="0"/>
-          <a:ext cx="0" cy="0"/>
-          <a:chOff x="0" y="0"/>
-          <a:chExt cx="0" cy="0"/>
-        </a:xfrm>
-      </p:grpSpPr>
-      <p:sp>
-        <p:nvSpPr>
-          <p:cNvPr id="2" name="Title 1"/>
-          <p:cNvSpPr>
-            <a:spLocks noGrp="1"/>
-          </p:cNvSpPr>
-          <p:nvPr>
-            <p:ph type="title"/>
-          </p:nvPr>
-        </p:nvSpPr>
-        <p:spPr/>
-        <p:txBody>
-          <a:bodyPr/>
-          <a:lstStyle/>
-          <a:p>
-            <a:r>
-              <a:rPr lang="en-US" dirty="0"/>
-              <a:t>Weather Conclusions</a:t>
-            </a:r>
-          </a:p>
-        </p:txBody>
-      </p:sp>
-      <p:sp>
-        <p:nvSpPr>
-          <p:cNvPr id="3" name="Content Placeholder 2"/>
-          <p:cNvSpPr>
-            <a:spLocks noGrp="1"/>
-          </p:cNvSpPr>
-          <p:nvPr>
-            <p:ph idx="1"/>
-          </p:nvPr>
-        </p:nvSpPr>
-        <p:spPr/>
-        <p:txBody>
-          <a:bodyPr>
-            <a:normAutofit/>
-          </a:bodyPr>
-          <a:lstStyle/>
-          <a:p>
-            <a:r>
-              <a:rPr lang="en-US" dirty="0"/>
-              <a:t>The attendance data that we used did not contain the actual attendance at the game.</a:t>
-            </a:r>
-          </a:p>
-          <a:p>
-            <a:r>
-              <a:rPr lang="en-US" dirty="0"/>
-              <a:t>With a correlation of 0.0277, we conclude that there is no correlation between temperature and attendance (ticket sales).</a:t>
-            </a:r>
-          </a:p>
-          <a:p>
-            <a:r>
-              <a:rPr lang="en-US" dirty="0"/>
-              <a:t>Reasoning: Tickets are usually purchased weeks or months in advance.</a:t>
-            </a:r>
-          </a:p>
-          <a:p>
-            <a:endParaRPr lang="en-US" dirty="0"/>
-          </a:p>
-          <a:p>
-            <a:endParaRPr lang="en-US" dirty="0"/>
-          </a:p>
-        </p:txBody>
-      </p:sp>
-    </p:spTree>
-    <p:extLst>
-      <p:ext uri="{BB962C8B-B14F-4D97-AF65-F5344CB8AC3E}">
-        <p14:creationId xmlns:p14="http://schemas.microsoft.com/office/powerpoint/2010/main" val="1364647992"/>
-      </p:ext>
-    </p:extLst>
-  </p:cSld>
-  <p:clrMapOvr>
-    <a:masterClrMapping/>
-  </p:clrMapOvr>
-</p:sld>
-</file>
-
 <file path=ppt/slides/slide26.xml><?xml version="1.0" encoding="utf-8"?>
 <p:sld xmlns:a="http://schemas.openxmlformats.org/drawingml/2006/main" xmlns:r="http://schemas.openxmlformats.org/officeDocument/2006/relationships" xmlns:p="http://schemas.openxmlformats.org/presentationml/2006/main">
   <p:cSld>
@@ -8891,7 +8889,7 @@
             <a:spLocks noGrp="1"/>
           </p:cNvSpPr>
           <p:nvPr>
-            <p:ph type="ctrTitle"/>
+            <p:ph type="title"/>
           </p:nvPr>
         </p:nvSpPr>
         <p:spPr/>
@@ -8901,42 +8899,57 @@
           <a:p>
             <a:r>
               <a:rPr lang="en-US" dirty="0"/>
-              <a:t>Attendance per Game   vs CSA Population</a:t>
-            </a:r>
-          </a:p>
-        </p:txBody>
-      </p:sp>
-      <p:sp>
-        <p:nvSpPr>
-          <p:cNvPr id="3" name="Subtitle 2"/>
-          <p:cNvSpPr>
-            <a:spLocks noGrp="1"/>
-          </p:cNvSpPr>
-          <p:nvPr>
-            <p:ph type="subTitle" idx="1"/>
-          </p:nvPr>
-        </p:nvSpPr>
-        <p:spPr>
-          <a:xfrm>
-            <a:off x="3581400" y="3657600"/>
-            <a:ext cx="5111752" cy="1320802"/>
-          </a:xfrm>
-        </p:spPr>
-        <p:txBody>
-          <a:bodyPr/>
+              <a:t>Weather Conclusions</a:t>
+            </a:r>
+          </a:p>
+        </p:txBody>
+      </p:sp>
+      <p:sp>
+        <p:nvSpPr>
+          <p:cNvPr id="3" name="Content Placeholder 2"/>
+          <p:cNvSpPr>
+            <a:spLocks noGrp="1"/>
+          </p:cNvSpPr>
+          <p:nvPr>
+            <p:ph idx="1"/>
+          </p:nvPr>
+        </p:nvSpPr>
+        <p:spPr/>
+        <p:txBody>
+          <a:bodyPr>
+            <a:normAutofit/>
+          </a:bodyPr>
           <a:lstStyle/>
           <a:p>
             <a:r>
               <a:rPr lang="en-US" dirty="0"/>
-              <a:t>How strong is the correlation between population and attendance per game?</a:t>
-            </a:r>
+              <a:t>The attendance data that we used did not contain the actual attendance at the game.</a:t>
+            </a:r>
+          </a:p>
+          <a:p>
+            <a:r>
+              <a:rPr lang="en-US" dirty="0"/>
+              <a:t>With a correlation of 0.0277, we conclude that there is no correlation between temperature and attendance (ticket sales).</a:t>
+            </a:r>
+          </a:p>
+          <a:p>
+            <a:r>
+              <a:rPr lang="en-US" dirty="0"/>
+              <a:t>Reasoning: Tickets are usually purchased weeks or months in advance.</a:t>
+            </a:r>
+          </a:p>
+          <a:p>
+            <a:endParaRPr lang="en-US" dirty="0"/>
+          </a:p>
+          <a:p>
+            <a:endParaRPr lang="en-US" dirty="0"/>
           </a:p>
         </p:txBody>
       </p:sp>
     </p:spTree>
     <p:extLst>
       <p:ext uri="{BB962C8B-B14F-4D97-AF65-F5344CB8AC3E}">
-        <p14:creationId xmlns:p14="http://schemas.microsoft.com/office/powerpoint/2010/main" val="4068336933"/>
+        <p14:creationId xmlns:p14="http://schemas.microsoft.com/office/powerpoint/2010/main" val="1364647992"/>
       </p:ext>
     </p:extLst>
   </p:cSld>
@@ -8965,6 +8978,85 @@
       </p:grpSpPr>
       <p:sp>
         <p:nvSpPr>
+          <p:cNvPr id="2" name="Title 1"/>
+          <p:cNvSpPr>
+            <a:spLocks noGrp="1"/>
+          </p:cNvSpPr>
+          <p:nvPr>
+            <p:ph type="ctrTitle"/>
+          </p:nvPr>
+        </p:nvSpPr>
+        <p:spPr/>
+        <p:txBody>
+          <a:bodyPr/>
+          <a:lstStyle/>
+          <a:p>
+            <a:r>
+              <a:rPr lang="en-US" dirty="0"/>
+              <a:t>Attendance per Game   vs CSA Population</a:t>
+            </a:r>
+          </a:p>
+        </p:txBody>
+      </p:sp>
+      <p:sp>
+        <p:nvSpPr>
+          <p:cNvPr id="3" name="Subtitle 2"/>
+          <p:cNvSpPr>
+            <a:spLocks noGrp="1"/>
+          </p:cNvSpPr>
+          <p:nvPr>
+            <p:ph type="subTitle" idx="1"/>
+          </p:nvPr>
+        </p:nvSpPr>
+        <p:spPr>
+          <a:xfrm>
+            <a:off x="3581400" y="3657600"/>
+            <a:ext cx="5111752" cy="1320802"/>
+          </a:xfrm>
+        </p:spPr>
+        <p:txBody>
+          <a:bodyPr/>
+          <a:lstStyle/>
+          <a:p>
+            <a:r>
+              <a:rPr lang="en-US" dirty="0"/>
+              <a:t>How strong is the correlation between population and attendance per game?</a:t>
+            </a:r>
+          </a:p>
+        </p:txBody>
+      </p:sp>
+    </p:spTree>
+    <p:extLst>
+      <p:ext uri="{BB962C8B-B14F-4D97-AF65-F5344CB8AC3E}">
+        <p14:creationId xmlns:p14="http://schemas.microsoft.com/office/powerpoint/2010/main" val="4068336933"/>
+      </p:ext>
+    </p:extLst>
+  </p:cSld>
+  <p:clrMapOvr>
+    <a:masterClrMapping/>
+  </p:clrMapOvr>
+</p:sld>
+</file>
+
+<file path=ppt/slides/slide28.xml><?xml version="1.0" encoding="utf-8"?>
+<p:sld xmlns:a="http://schemas.openxmlformats.org/drawingml/2006/main" xmlns:r="http://schemas.openxmlformats.org/officeDocument/2006/relationships" xmlns:p="http://schemas.openxmlformats.org/presentationml/2006/main">
+  <p:cSld>
+    <p:spTree>
+      <p:nvGrpSpPr>
+        <p:cNvPr id="1" name=""/>
+        <p:cNvGrpSpPr/>
+        <p:nvPr/>
+      </p:nvGrpSpPr>
+      <p:grpSpPr>
+        <a:xfrm>
+          <a:off x="0" y="0"/>
+          <a:ext cx="0" cy="0"/>
+          <a:chOff x="0" y="0"/>
+          <a:chExt cx="0" cy="0"/>
+        </a:xfrm>
+      </p:grpSpPr>
+      <p:sp>
+        <p:nvSpPr>
           <p:cNvPr id="5" name="Title 4">
             <a:extLst>
               <a:ext uri="{FF2B5EF4-FFF2-40B4-BE49-F238E27FC236}">
@@ -9038,7 +9130,7 @@
 </p:sld>
 </file>
 
-<file path=ppt/slides/slide28.xml><?xml version="1.0" encoding="utf-8"?>
+<file path=ppt/slides/slide29.xml><?xml version="1.0" encoding="utf-8"?>
 <p:sld xmlns:a="http://schemas.openxmlformats.org/drawingml/2006/main" xmlns:r="http://schemas.openxmlformats.org/officeDocument/2006/relationships" xmlns:p="http://schemas.openxmlformats.org/presentationml/2006/main">
   <p:cSld>
     <p:spTree>
@@ -9206,7 +9298,121 @@
 </p:sld>
 </file>
 
-<file path=ppt/slides/slide29.xml><?xml version="1.0" encoding="utf-8"?>
+<file path=ppt/slides/slide3.xml><?xml version="1.0" encoding="utf-8"?>
+<p:sld xmlns:a="http://schemas.openxmlformats.org/drawingml/2006/main" xmlns:r="http://schemas.openxmlformats.org/officeDocument/2006/relationships" xmlns:p="http://schemas.openxmlformats.org/presentationml/2006/main">
+  <p:cSld>
+    <p:spTree>
+      <p:nvGrpSpPr>
+        <p:cNvPr id="1" name=""/>
+        <p:cNvGrpSpPr/>
+        <p:nvPr/>
+      </p:nvGrpSpPr>
+      <p:grpSpPr>
+        <a:xfrm>
+          <a:off x="0" y="0"/>
+          <a:ext cx="0" cy="0"/>
+          <a:chOff x="0" y="0"/>
+          <a:chExt cx="0" cy="0"/>
+        </a:xfrm>
+      </p:grpSpPr>
+      <p:sp>
+        <p:nvSpPr>
+          <p:cNvPr id="2" name="Title 1">
+            <a:extLst>
+              <a:ext uri="{FF2B5EF4-FFF2-40B4-BE49-F238E27FC236}">
+                <a16:creationId xmlns:a16="http://schemas.microsoft.com/office/drawing/2014/main" id="{28098166-55A3-4511-8DA7-036B3FCE6E7C}"/>
+              </a:ext>
+            </a:extLst>
+          </p:cNvPr>
+          <p:cNvSpPr>
+            <a:spLocks noGrp="1"/>
+          </p:cNvSpPr>
+          <p:nvPr>
+            <p:ph type="title"/>
+          </p:nvPr>
+        </p:nvSpPr>
+        <p:spPr/>
+        <p:txBody>
+          <a:bodyPr/>
+          <a:lstStyle/>
+          <a:p>
+            <a:r>
+              <a:rPr lang="en-US" dirty="0"/>
+              <a:t>Hypotheses</a:t>
+            </a:r>
+          </a:p>
+        </p:txBody>
+      </p:sp>
+      <p:sp>
+        <p:nvSpPr>
+          <p:cNvPr id="3" name="Content Placeholder 2">
+            <a:extLst>
+              <a:ext uri="{FF2B5EF4-FFF2-40B4-BE49-F238E27FC236}">
+                <a16:creationId xmlns:a16="http://schemas.microsoft.com/office/drawing/2014/main" id="{FCD2D7BA-E8F9-43CF-AAE1-F501CC976BD3}"/>
+              </a:ext>
+            </a:extLst>
+          </p:cNvPr>
+          <p:cNvSpPr>
+            <a:spLocks noGrp="1"/>
+          </p:cNvSpPr>
+          <p:nvPr>
+            <p:ph idx="1"/>
+          </p:nvPr>
+        </p:nvSpPr>
+        <p:spPr/>
+        <p:txBody>
+          <a:bodyPr/>
+          <a:lstStyle/>
+          <a:p>
+            <a:r>
+              <a:rPr lang="en-US" dirty="0"/>
+              <a:t>The </a:t>
+            </a:r>
+            <a:r>
+              <a:rPr lang="en-US" b="1" i="1" dirty="0"/>
+              <a:t>biggest</a:t>
+            </a:r>
+            <a:r>
+              <a:rPr lang="en-US" dirty="0"/>
+              <a:t> correlation to ticket sales will be the team’s overall salary.</a:t>
+            </a:r>
+          </a:p>
+          <a:p>
+            <a:pPr marL="0" indent="0">
+              <a:buNone/>
+            </a:pPr>
+            <a:endParaRPr lang="en-US" dirty="0"/>
+          </a:p>
+          <a:p>
+            <a:r>
+              <a:rPr lang="en-US" dirty="0"/>
+              <a:t>The </a:t>
+            </a:r>
+            <a:r>
+              <a:rPr lang="en-US" b="1" i="1" dirty="0"/>
+              <a:t>smallest</a:t>
+            </a:r>
+            <a:r>
+              <a:rPr lang="en-US" dirty="0"/>
+              <a:t> correlation to ticket sales will be city population.</a:t>
+            </a:r>
+          </a:p>
+        </p:txBody>
+      </p:sp>
+    </p:spTree>
+    <p:extLst>
+      <p:ext uri="{BB962C8B-B14F-4D97-AF65-F5344CB8AC3E}">
+        <p14:creationId xmlns:p14="http://schemas.microsoft.com/office/powerpoint/2010/main" val="1751033339"/>
+      </p:ext>
+    </p:extLst>
+  </p:cSld>
+  <p:clrMapOvr>
+    <a:masterClrMapping/>
+  </p:clrMapOvr>
+</p:sld>
+</file>
+
+<file path=ppt/slides/slide30.xml><?xml version="1.0" encoding="utf-8"?>
 <p:sld xmlns:a="http://schemas.openxmlformats.org/drawingml/2006/main" xmlns:r="http://schemas.openxmlformats.org/officeDocument/2006/relationships" xmlns:p="http://schemas.openxmlformats.org/presentationml/2006/main">
   <p:cSld>
     <p:spTree>
@@ -9272,212 +9478,6 @@
 </p:sld>
 </file>
 
-<file path=ppt/slides/slide3.xml><?xml version="1.0" encoding="utf-8"?>
-<p:sld xmlns:a="http://schemas.openxmlformats.org/drawingml/2006/main" xmlns:r="http://schemas.openxmlformats.org/officeDocument/2006/relationships" xmlns:p="http://schemas.openxmlformats.org/presentationml/2006/main">
-  <p:cSld>
-    <p:spTree>
-      <p:nvGrpSpPr>
-        <p:cNvPr id="1" name=""/>
-        <p:cNvGrpSpPr/>
-        <p:nvPr/>
-      </p:nvGrpSpPr>
-      <p:grpSpPr>
-        <a:xfrm>
-          <a:off x="0" y="0"/>
-          <a:ext cx="0" cy="0"/>
-          <a:chOff x="0" y="0"/>
-          <a:chExt cx="0" cy="0"/>
-        </a:xfrm>
-      </p:grpSpPr>
-      <p:sp>
-        <p:nvSpPr>
-          <p:cNvPr id="2" name="Title 1">
-            <a:extLst>
-              <a:ext uri="{FF2B5EF4-FFF2-40B4-BE49-F238E27FC236}">
-                <a16:creationId xmlns:a16="http://schemas.microsoft.com/office/drawing/2014/main" id="{28098166-55A3-4511-8DA7-036B3FCE6E7C}"/>
-              </a:ext>
-            </a:extLst>
-          </p:cNvPr>
-          <p:cNvSpPr>
-            <a:spLocks noGrp="1"/>
-          </p:cNvSpPr>
-          <p:nvPr>
-            <p:ph type="title"/>
-          </p:nvPr>
-        </p:nvSpPr>
-        <p:spPr/>
-        <p:txBody>
-          <a:bodyPr/>
-          <a:lstStyle/>
-          <a:p>
-            <a:r>
-              <a:rPr lang="en-US" dirty="0"/>
-              <a:t>Hypotheses</a:t>
-            </a:r>
-          </a:p>
-        </p:txBody>
-      </p:sp>
-      <p:sp>
-        <p:nvSpPr>
-          <p:cNvPr id="3" name="Content Placeholder 2">
-            <a:extLst>
-              <a:ext uri="{FF2B5EF4-FFF2-40B4-BE49-F238E27FC236}">
-                <a16:creationId xmlns:a16="http://schemas.microsoft.com/office/drawing/2014/main" id="{FCD2D7BA-E8F9-43CF-AAE1-F501CC976BD3}"/>
-              </a:ext>
-            </a:extLst>
-          </p:cNvPr>
-          <p:cNvSpPr>
-            <a:spLocks noGrp="1"/>
-          </p:cNvSpPr>
-          <p:nvPr>
-            <p:ph idx="1"/>
-          </p:nvPr>
-        </p:nvSpPr>
-        <p:spPr/>
-        <p:txBody>
-          <a:bodyPr/>
-          <a:lstStyle/>
-          <a:p>
-            <a:r>
-              <a:rPr lang="en-US" dirty="0"/>
-              <a:t>The </a:t>
-            </a:r>
-            <a:r>
-              <a:rPr lang="en-US" b="1" i="1" dirty="0"/>
-              <a:t>biggest</a:t>
-            </a:r>
-            <a:r>
-              <a:rPr lang="en-US" dirty="0"/>
-              <a:t> correlation to ticket sales will be the team’s overall salary.</a:t>
-            </a:r>
-          </a:p>
-          <a:p>
-            <a:pPr marL="0" indent="0">
-              <a:buNone/>
-            </a:pPr>
-            <a:endParaRPr lang="en-US" dirty="0"/>
-          </a:p>
-          <a:p>
-            <a:r>
-              <a:rPr lang="en-US" dirty="0"/>
-              <a:t>The </a:t>
-            </a:r>
-            <a:r>
-              <a:rPr lang="en-US" b="1" i="1" dirty="0"/>
-              <a:t>smallest</a:t>
-            </a:r>
-            <a:r>
-              <a:rPr lang="en-US" dirty="0"/>
-              <a:t> correlation to ticket sales will be city population.</a:t>
-            </a:r>
-          </a:p>
-        </p:txBody>
-      </p:sp>
-    </p:spTree>
-    <p:extLst>
-      <p:ext uri="{BB962C8B-B14F-4D97-AF65-F5344CB8AC3E}">
-        <p14:creationId xmlns:p14="http://schemas.microsoft.com/office/powerpoint/2010/main" val="1751033339"/>
-      </p:ext>
-    </p:extLst>
-  </p:cSld>
-  <p:clrMapOvr>
-    <a:masterClrMapping/>
-  </p:clrMapOvr>
-</p:sld>
-</file>
-
-<file path=ppt/slides/slide30.xml><?xml version="1.0" encoding="utf-8"?>
-<p:sld xmlns:a="http://schemas.openxmlformats.org/drawingml/2006/main" xmlns:r="http://schemas.openxmlformats.org/officeDocument/2006/relationships" xmlns:p="http://schemas.openxmlformats.org/presentationml/2006/main">
-  <p:cSld>
-    <p:spTree>
-      <p:nvGrpSpPr>
-        <p:cNvPr id="1" name=""/>
-        <p:cNvGrpSpPr/>
-        <p:nvPr/>
-      </p:nvGrpSpPr>
-      <p:grpSpPr>
-        <a:xfrm>
-          <a:off x="0" y="0"/>
-          <a:ext cx="0" cy="0"/>
-          <a:chOff x="0" y="0"/>
-          <a:chExt cx="0" cy="0"/>
-        </a:xfrm>
-      </p:grpSpPr>
-      <p:sp>
-        <p:nvSpPr>
-          <p:cNvPr id="2" name="Title 1">
-            <a:extLst>
-              <a:ext uri="{FF2B5EF4-FFF2-40B4-BE49-F238E27FC236}">
-                <a16:creationId xmlns:a16="http://schemas.microsoft.com/office/drawing/2014/main" id="{7E678A0D-0290-49FD-A061-9F2C00D85D3E}"/>
-              </a:ext>
-            </a:extLst>
-          </p:cNvPr>
-          <p:cNvSpPr>
-            <a:spLocks noGrp="1"/>
-          </p:cNvSpPr>
-          <p:nvPr>
-            <p:ph type="title"/>
-          </p:nvPr>
-        </p:nvSpPr>
-        <p:spPr/>
-        <p:txBody>
-          <a:bodyPr/>
-          <a:lstStyle/>
-          <a:p>
-            <a:r>
-              <a:rPr lang="en-US" dirty="0"/>
-              <a:t>Population Conclusion</a:t>
-            </a:r>
-          </a:p>
-        </p:txBody>
-      </p:sp>
-      <p:sp>
-        <p:nvSpPr>
-          <p:cNvPr id="3" name="Content Placeholder 2">
-            <a:extLst>
-              <a:ext uri="{FF2B5EF4-FFF2-40B4-BE49-F238E27FC236}">
-                <a16:creationId xmlns:a16="http://schemas.microsoft.com/office/drawing/2014/main" id="{F82A9672-AEA3-4078-A3F8-8D3E2D81318A}"/>
-              </a:ext>
-            </a:extLst>
-          </p:cNvPr>
-          <p:cNvSpPr>
-            <a:spLocks noGrp="1"/>
-          </p:cNvSpPr>
-          <p:nvPr>
-            <p:ph idx="1"/>
-          </p:nvPr>
-        </p:nvSpPr>
-        <p:spPr/>
-        <p:txBody>
-          <a:bodyPr/>
-          <a:lstStyle/>
-          <a:p>
-            <a:r>
-              <a:rPr lang="en-US" dirty="0"/>
-              <a:t>There is a moderate correlation (.547) between population and average team attendance however there are significant differences in attendance per game between the pairs of teams that exist within the same CSA.</a:t>
-            </a:r>
-          </a:p>
-          <a:p>
-            <a:pPr marL="0" indent="0">
-              <a:buNone/>
-            </a:pPr>
-            <a:endParaRPr lang="en-US" dirty="0"/>
-          </a:p>
-        </p:txBody>
-      </p:sp>
-    </p:spTree>
-    <p:extLst>
-      <p:ext uri="{BB962C8B-B14F-4D97-AF65-F5344CB8AC3E}">
-        <p14:creationId xmlns:p14="http://schemas.microsoft.com/office/powerpoint/2010/main" val="28512982"/>
-      </p:ext>
-    </p:extLst>
-  </p:cSld>
-  <p:clrMapOvr>
-    <a:masterClrMapping/>
-  </p:clrMapOvr>
-</p:sld>
-</file>
-
 <file path=ppt/slides/slide31.xml><?xml version="1.0" encoding="utf-8"?>
 <p:sld xmlns:a="http://schemas.openxmlformats.org/drawingml/2006/main" xmlns:r="http://schemas.openxmlformats.org/officeDocument/2006/relationships" xmlns:p="http://schemas.openxmlformats.org/presentationml/2006/main">
   <p:cSld>
@@ -9500,7 +9500,7 @@
           <p:cNvPr id="2" name="Title 1">
             <a:extLst>
               <a:ext uri="{FF2B5EF4-FFF2-40B4-BE49-F238E27FC236}">
-                <a16:creationId xmlns:a16="http://schemas.microsoft.com/office/drawing/2014/main" id="{696C39F6-23F3-4543-B708-44571DBB4AF2}"/>
+                <a16:creationId xmlns:a16="http://schemas.microsoft.com/office/drawing/2014/main" id="{7E678A0D-0290-49FD-A061-9F2C00D85D3E}"/>
               </a:ext>
             </a:extLst>
           </p:cNvPr>
@@ -9518,7 +9518,7 @@
           <a:p>
             <a:r>
               <a:rPr lang="en-US" dirty="0"/>
-              <a:t>Summary</a:t>
+              <a:t>Population Conclusion</a:t>
             </a:r>
           </a:p>
         </p:txBody>
@@ -9528,7 +9528,7 @@
           <p:cNvPr id="3" name="Content Placeholder 2">
             <a:extLst>
               <a:ext uri="{FF2B5EF4-FFF2-40B4-BE49-F238E27FC236}">
-                <a16:creationId xmlns:a16="http://schemas.microsoft.com/office/drawing/2014/main" id="{EB7DF4D7-CD69-49A9-B1FB-CD61D737C7AB}"/>
+                <a16:creationId xmlns:a16="http://schemas.microsoft.com/office/drawing/2014/main" id="{F82A9672-AEA3-4078-A3F8-8D3E2D81318A}"/>
               </a:ext>
             </a:extLst>
           </p:cNvPr>
@@ -9544,46 +9544,15 @@
           <a:bodyPr/>
           <a:lstStyle/>
           <a:p>
-            <a:pPr marL="457200" indent="-457200">
-              <a:buFont typeface="+mj-lt"/>
-              <a:buAutoNum type="arabicPeriod"/>
+            <a:r>
+              <a:rPr lang="en-US" dirty="0"/>
+              <a:t>There is a moderate correlation (.547) between population and average team attendance however there are significant differences in attendance per game between the pairs of teams that exist within the same CSA.</a:t>
+            </a:r>
+          </a:p>
+          <a:p>
+            <a:pPr marL="0" indent="0">
+              <a:buNone/>
             </a:pPr>
-            <a:r>
-              <a:rPr lang="en-US" dirty="0"/>
-              <a:t>Team Record: .69 </a:t>
-            </a:r>
-          </a:p>
-          <a:p>
-            <a:pPr marL="457200" indent="-457200">
-              <a:buFont typeface="+mj-lt"/>
-              <a:buAutoNum type="arabicPeriod"/>
-            </a:pPr>
-            <a:r>
-              <a:rPr lang="en-US" dirty="0"/>
-              <a:t>Team Salary: .81</a:t>
-            </a:r>
-          </a:p>
-          <a:p>
-            <a:pPr marL="457200" indent="-457200">
-              <a:buFont typeface="+mj-lt"/>
-              <a:buAutoNum type="arabicPeriod"/>
-            </a:pPr>
-            <a:r>
-              <a:rPr lang="en-US" dirty="0"/>
-              <a:t>Weather: .02</a:t>
-            </a:r>
-          </a:p>
-          <a:p>
-            <a:pPr marL="457200" indent="-457200">
-              <a:buFont typeface="+mj-lt"/>
-              <a:buAutoNum type="arabicPeriod"/>
-            </a:pPr>
-            <a:r>
-              <a:rPr lang="en-US" dirty="0"/>
-              <a:t>Population: .54</a:t>
-            </a:r>
-          </a:p>
-          <a:p>
             <a:endParaRPr lang="en-US" dirty="0"/>
           </a:p>
         </p:txBody>
@@ -9591,7 +9560,7 @@
     </p:spTree>
     <p:extLst>
       <p:ext uri="{BB962C8B-B14F-4D97-AF65-F5344CB8AC3E}">
-        <p14:creationId xmlns:p14="http://schemas.microsoft.com/office/powerpoint/2010/main" val="2973225552"/>
+        <p14:creationId xmlns:p14="http://schemas.microsoft.com/office/powerpoint/2010/main" val="28512982"/>
       </p:ext>
     </p:extLst>
   </p:cSld>
@@ -9623,7 +9592,7 @@
           <p:cNvPr id="2" name="Title 1">
             <a:extLst>
               <a:ext uri="{FF2B5EF4-FFF2-40B4-BE49-F238E27FC236}">
-                <a16:creationId xmlns:a16="http://schemas.microsoft.com/office/drawing/2014/main" id="{7482A9FF-77BF-43B0-B56D-CE296879E54B}"/>
+                <a16:creationId xmlns:a16="http://schemas.microsoft.com/office/drawing/2014/main" id="{696C39F6-23F3-4543-B708-44571DBB4AF2}"/>
               </a:ext>
             </a:extLst>
           </p:cNvPr>
@@ -9641,7 +9610,7 @@
           <a:p>
             <a:r>
               <a:rPr lang="en-US" dirty="0"/>
-              <a:t>Conclusions</a:t>
+              <a:t>Summary</a:t>
             </a:r>
           </a:p>
         </p:txBody>
@@ -9651,7 +9620,7 @@
           <p:cNvPr id="3" name="Content Placeholder 2">
             <a:extLst>
               <a:ext uri="{FF2B5EF4-FFF2-40B4-BE49-F238E27FC236}">
-                <a16:creationId xmlns:a16="http://schemas.microsoft.com/office/drawing/2014/main" id="{CF11FDA4-2CBA-435C-A4B8-10DF2D3E9734}"/>
+                <a16:creationId xmlns:a16="http://schemas.microsoft.com/office/drawing/2014/main" id="{EB7DF4D7-CD69-49A9-B1FB-CD61D737C7AB}"/>
               </a:ext>
             </a:extLst>
           </p:cNvPr>
@@ -9664,32 +9633,49 @@
         </p:nvSpPr>
         <p:spPr/>
         <p:txBody>
-          <a:bodyPr>
-            <a:normAutofit fontScale="92500"/>
-          </a:bodyPr>
-          <a:lstStyle/>
-          <a:p>
+          <a:bodyPr/>
+          <a:lstStyle/>
+          <a:p>
+            <a:pPr marL="457200" indent="-457200">
+              <a:buFont typeface="+mj-lt"/>
+              <a:buAutoNum type="arabicPeriod"/>
+            </a:pPr>
             <a:r>
               <a:rPr lang="en-US" dirty="0"/>
-              <a:t>We originally intended to look at some other factors such as concession prices but this data is apparently valuable enough that we would have had to pay for it.</a:t>
-            </a:r>
-          </a:p>
-          <a:p>
+              <a:t>Team Record: .69 </a:t>
+            </a:r>
+          </a:p>
+          <a:p>
+            <a:pPr marL="457200" indent="-457200">
+              <a:buFont typeface="+mj-lt"/>
+              <a:buAutoNum type="arabicPeriod"/>
+            </a:pPr>
             <a:r>
               <a:rPr lang="en-US" dirty="0"/>
-              <a:t>Some of our results were surprising to us.  For instance, we assumed that weather would have a substantial effect and it apparently does not.  St Louis does better than we had expected relative to the population size and spending on payroll.</a:t>
-            </a:r>
-          </a:p>
-          <a:p>
+              <a:t>Team Salary: .81</a:t>
+            </a:r>
+          </a:p>
+          <a:p>
+            <a:pPr marL="457200" indent="-457200">
+              <a:buFont typeface="+mj-lt"/>
+              <a:buAutoNum type="arabicPeriod"/>
+            </a:pPr>
             <a:r>
               <a:rPr lang="en-US" dirty="0"/>
-              <a:t>True attendance data is not made available by the MLB so while our sources called it “Attendance” we’ve really been discussing ticket sales.</a:t>
-            </a:r>
-          </a:p>
-          <a:p>
-            <a:pPr marL="0" indent="0">
-              <a:buNone/>
+              <a:t>Weather: .02</a:t>
+            </a:r>
+          </a:p>
+          <a:p>
+            <a:pPr marL="457200" indent="-457200">
+              <a:buFont typeface="+mj-lt"/>
+              <a:buAutoNum type="arabicPeriod"/>
             </a:pPr>
+            <a:r>
+              <a:rPr lang="en-US" dirty="0"/>
+              <a:t>Population: .54</a:t>
+            </a:r>
+          </a:p>
+          <a:p>
             <a:endParaRPr lang="en-US" dirty="0"/>
           </a:p>
         </p:txBody>
@@ -9697,7 +9683,7 @@
     </p:spTree>
     <p:extLst>
       <p:ext uri="{BB962C8B-B14F-4D97-AF65-F5344CB8AC3E}">
-        <p14:creationId xmlns:p14="http://schemas.microsoft.com/office/powerpoint/2010/main" val="2551738656"/>
+        <p14:creationId xmlns:p14="http://schemas.microsoft.com/office/powerpoint/2010/main" val="2973225552"/>
       </p:ext>
     </p:extLst>
   </p:cSld>
@@ -9729,6 +9715,112 @@
           <p:cNvPr id="2" name="Title 1">
             <a:extLst>
               <a:ext uri="{FF2B5EF4-FFF2-40B4-BE49-F238E27FC236}">
+                <a16:creationId xmlns:a16="http://schemas.microsoft.com/office/drawing/2014/main" id="{7482A9FF-77BF-43B0-B56D-CE296879E54B}"/>
+              </a:ext>
+            </a:extLst>
+          </p:cNvPr>
+          <p:cNvSpPr>
+            <a:spLocks noGrp="1"/>
+          </p:cNvSpPr>
+          <p:nvPr>
+            <p:ph type="title"/>
+          </p:nvPr>
+        </p:nvSpPr>
+        <p:spPr/>
+        <p:txBody>
+          <a:bodyPr/>
+          <a:lstStyle/>
+          <a:p>
+            <a:r>
+              <a:rPr lang="en-US" dirty="0"/>
+              <a:t>Conclusions</a:t>
+            </a:r>
+          </a:p>
+        </p:txBody>
+      </p:sp>
+      <p:sp>
+        <p:nvSpPr>
+          <p:cNvPr id="3" name="Content Placeholder 2">
+            <a:extLst>
+              <a:ext uri="{FF2B5EF4-FFF2-40B4-BE49-F238E27FC236}">
+                <a16:creationId xmlns:a16="http://schemas.microsoft.com/office/drawing/2014/main" id="{CF11FDA4-2CBA-435C-A4B8-10DF2D3E9734}"/>
+              </a:ext>
+            </a:extLst>
+          </p:cNvPr>
+          <p:cNvSpPr>
+            <a:spLocks noGrp="1"/>
+          </p:cNvSpPr>
+          <p:nvPr>
+            <p:ph idx="1"/>
+          </p:nvPr>
+        </p:nvSpPr>
+        <p:spPr/>
+        <p:txBody>
+          <a:bodyPr>
+            <a:normAutofit fontScale="92500"/>
+          </a:bodyPr>
+          <a:lstStyle/>
+          <a:p>
+            <a:r>
+              <a:rPr lang="en-US" dirty="0"/>
+              <a:t>We originally intended to look at some other factors such as concession prices but this data is apparently valuable enough that we would have had to pay for it.</a:t>
+            </a:r>
+          </a:p>
+          <a:p>
+            <a:r>
+              <a:rPr lang="en-US" dirty="0"/>
+              <a:t>Some of our results were surprising to us.  For instance, we assumed that weather would have a substantial effect and it apparently does not.  St Louis does better than we had expected relative to the population size and spending on payroll.</a:t>
+            </a:r>
+          </a:p>
+          <a:p>
+            <a:r>
+              <a:rPr lang="en-US" dirty="0"/>
+              <a:t>True attendance data is not made available by the MLB so while our sources called it “Attendance” we’ve really been discussing ticket sales.</a:t>
+            </a:r>
+          </a:p>
+          <a:p>
+            <a:pPr marL="0" indent="0">
+              <a:buNone/>
+            </a:pPr>
+            <a:endParaRPr lang="en-US" dirty="0"/>
+          </a:p>
+        </p:txBody>
+      </p:sp>
+    </p:spTree>
+    <p:extLst>
+      <p:ext uri="{BB962C8B-B14F-4D97-AF65-F5344CB8AC3E}">
+        <p14:creationId xmlns:p14="http://schemas.microsoft.com/office/powerpoint/2010/main" val="2551738656"/>
+      </p:ext>
+    </p:extLst>
+  </p:cSld>
+  <p:clrMapOvr>
+    <a:masterClrMapping/>
+  </p:clrMapOvr>
+</p:sld>
+</file>
+
+<file path=ppt/slides/slide34.xml><?xml version="1.0" encoding="utf-8"?>
+<p:sld xmlns:a="http://schemas.openxmlformats.org/drawingml/2006/main" xmlns:r="http://schemas.openxmlformats.org/officeDocument/2006/relationships" xmlns:p="http://schemas.openxmlformats.org/presentationml/2006/main">
+  <p:cSld>
+    <p:spTree>
+      <p:nvGrpSpPr>
+        <p:cNvPr id="1" name=""/>
+        <p:cNvGrpSpPr/>
+        <p:nvPr/>
+      </p:nvGrpSpPr>
+      <p:grpSpPr>
+        <a:xfrm>
+          <a:off x="0" y="0"/>
+          <a:ext cx="0" cy="0"/>
+          <a:chOff x="0" y="0"/>
+          <a:chExt cx="0" cy="0"/>
+        </a:xfrm>
+      </p:grpSpPr>
+      <p:sp>
+        <p:nvSpPr>
+          <p:cNvPr id="2" name="Title 1">
+            <a:extLst>
+              <a:ext uri="{FF2B5EF4-FFF2-40B4-BE49-F238E27FC236}">
                 <a16:creationId xmlns:a16="http://schemas.microsoft.com/office/drawing/2014/main" id="{DF225C42-7DB4-410F-988C-5D4CE81D6A9A}"/>
               </a:ext>
             </a:extLst>
@@ -9838,7 +9930,7 @@
 </p:sld>
 </file>
 
-<file path=ppt/slides/slide34.xml><?xml version="1.0" encoding="utf-8"?>
+<file path=ppt/slides/slide35.xml><?xml version="1.0" encoding="utf-8"?>
 <p:sld xmlns:a="http://schemas.openxmlformats.org/drawingml/2006/main" xmlns:r="http://schemas.openxmlformats.org/officeDocument/2006/relationships" xmlns:p="http://schemas.openxmlformats.org/presentationml/2006/main">
   <p:cSld>
     <p:spTree>
